--- a/Introduction to Webscraping.pptx
+++ b/Introduction to Webscraping.pptx
@@ -30,9 +30,9 @@
     <p:sldId id="489" r:id="rId18"/>
     <p:sldId id="490" r:id="rId19"/>
     <p:sldId id="464" r:id="rId20"/>
-    <p:sldId id="432" r:id="rId21"/>
-    <p:sldId id="479" r:id="rId22"/>
-    <p:sldId id="478" r:id="rId23"/>
+    <p:sldId id="478" r:id="rId21"/>
+    <p:sldId id="432" r:id="rId22"/>
+    <p:sldId id="479" r:id="rId23"/>
     <p:sldId id="457" r:id="rId24"/>
     <p:sldId id="477" r:id="rId25"/>
     <p:sldId id="476" r:id="rId26"/>
@@ -190,6 +190,131 @@
 
 <file path=ppt/changesInfos/changesInfo1.xml><?xml version="1.0" encoding="utf-8"?>
 <pc:chgInfo xmlns:a="http://schemas.openxmlformats.org/drawingml/2006/main" xmlns:r="http://schemas.openxmlformats.org/officeDocument/2006/relationships" xmlns:ac="http://schemas.microsoft.com/office/drawing/2013/main/command" xmlns:pc="http://schemas.microsoft.com/office/powerpoint/2013/main/command">
+  <pc:docChgLst>
+    <pc:chgData name="Li, Hongfei" userId="a40c84e6-5e39-43b0-bf5a-8db6023e65fb" providerId="ADAL" clId="{77A01594-6F17-46A8-85EC-155A20D6BFFB}"/>
+    <pc:docChg chg="undo custSel modSld sldOrd">
+      <pc:chgData name="Li, Hongfei" userId="a40c84e6-5e39-43b0-bf5a-8db6023e65fb" providerId="ADAL" clId="{77A01594-6F17-46A8-85EC-155A20D6BFFB}" dt="2020-01-14T15:42:37.401" v="3149"/>
+      <pc:docMkLst>
+        <pc:docMk/>
+      </pc:docMkLst>
+      <pc:sldChg chg="modSp">
+        <pc:chgData name="Li, Hongfei" userId="a40c84e6-5e39-43b0-bf5a-8db6023e65fb" providerId="ADAL" clId="{77A01594-6F17-46A8-85EC-155A20D6BFFB}" dt="2020-01-14T15:41:13.796" v="3146" actId="20577"/>
+        <pc:sldMkLst>
+          <pc:docMk/>
+          <pc:sldMk cId="440678386" sldId="259"/>
+        </pc:sldMkLst>
+        <pc:spChg chg="mod">
+          <ac:chgData name="Li, Hongfei" userId="a40c84e6-5e39-43b0-bf5a-8db6023e65fb" providerId="ADAL" clId="{77A01594-6F17-46A8-85EC-155A20D6BFFB}" dt="2020-01-14T15:41:13.796" v="3146" actId="20577"/>
+          <ac:spMkLst>
+            <pc:docMk/>
+            <pc:sldMk cId="440678386" sldId="259"/>
+            <ac:spMk id="12" creationId="{8CA8CFCC-0D81-4EEF-98F2-3BC56A862C74}"/>
+          </ac:spMkLst>
+        </pc:spChg>
+        <pc:spChg chg="mod">
+          <ac:chgData name="Li, Hongfei" userId="a40c84e6-5e39-43b0-bf5a-8db6023e65fb" providerId="ADAL" clId="{77A01594-6F17-46A8-85EC-155A20D6BFFB}" dt="2020-01-14T15:40:57.594" v="3128" actId="1076"/>
+          <ac:spMkLst>
+            <pc:docMk/>
+            <pc:sldMk cId="440678386" sldId="259"/>
+            <ac:spMk id="13" creationId="{9C9931FE-0578-4184-A070-48790ED9808D}"/>
+          </ac:spMkLst>
+        </pc:spChg>
+      </pc:sldChg>
+      <pc:sldChg chg="ord">
+        <pc:chgData name="Li, Hongfei" userId="a40c84e6-5e39-43b0-bf5a-8db6023e65fb" providerId="ADAL" clId="{77A01594-6F17-46A8-85EC-155A20D6BFFB}" dt="2020-01-14T15:42:37.401" v="3149"/>
+        <pc:sldMkLst>
+          <pc:docMk/>
+          <pc:sldMk cId="1471357313" sldId="478"/>
+        </pc:sldMkLst>
+      </pc:sldChg>
+      <pc:sldChg chg="addSp modSp">
+        <pc:chgData name="Li, Hongfei" userId="a40c84e6-5e39-43b0-bf5a-8db6023e65fb" providerId="ADAL" clId="{77A01594-6F17-46A8-85EC-155A20D6BFFB}" dt="2020-01-14T15:41:53.785" v="3148" actId="1076"/>
+        <pc:sldMkLst>
+          <pc:docMk/>
+          <pc:sldMk cId="2281368860" sldId="489"/>
+        </pc:sldMkLst>
+        <pc:spChg chg="mod">
+          <ac:chgData name="Li, Hongfei" userId="a40c84e6-5e39-43b0-bf5a-8db6023e65fb" providerId="ADAL" clId="{77A01594-6F17-46A8-85EC-155A20D6BFFB}" dt="2020-01-14T15:16:36.369" v="1103" actId="20577"/>
+          <ac:spMkLst>
+            <pc:docMk/>
+            <pc:sldMk cId="2281368860" sldId="489"/>
+            <ac:spMk id="2" creationId="{00000000-0000-0000-0000-000000000000}"/>
+          </ac:spMkLst>
+        </pc:spChg>
+        <pc:spChg chg="add mod">
+          <ac:chgData name="Li, Hongfei" userId="a40c84e6-5e39-43b0-bf5a-8db6023e65fb" providerId="ADAL" clId="{77A01594-6F17-46A8-85EC-155A20D6BFFB}" dt="2020-01-14T15:34:13.868" v="2703" actId="20577"/>
+          <ac:spMkLst>
+            <pc:docMk/>
+            <pc:sldMk cId="2281368860" sldId="489"/>
+            <ac:spMk id="3" creationId="{97187E1E-69B6-4815-B119-BBF5F23D421D}"/>
+          </ac:spMkLst>
+        </pc:spChg>
+        <pc:spChg chg="add mod">
+          <ac:chgData name="Li, Hongfei" userId="a40c84e6-5e39-43b0-bf5a-8db6023e65fb" providerId="ADAL" clId="{77A01594-6F17-46A8-85EC-155A20D6BFFB}" dt="2020-01-14T15:41:53.785" v="3148" actId="1076"/>
+          <ac:spMkLst>
+            <pc:docMk/>
+            <pc:sldMk cId="2281368860" sldId="489"/>
+            <ac:spMk id="7" creationId="{A4ABAF93-0496-4334-8FC3-55849B95910A}"/>
+          </ac:spMkLst>
+        </pc:spChg>
+        <pc:spChg chg="add mod">
+          <ac:chgData name="Li, Hongfei" userId="a40c84e6-5e39-43b0-bf5a-8db6023e65fb" providerId="ADAL" clId="{77A01594-6F17-46A8-85EC-155A20D6BFFB}" dt="2020-01-14T15:41:53.785" v="3148" actId="1076"/>
+          <ac:spMkLst>
+            <pc:docMk/>
+            <pc:sldMk cId="2281368860" sldId="489"/>
+            <ac:spMk id="8" creationId="{B72A0C49-9ED2-4E59-A9F1-9F2AB01EAC26}"/>
+          </ac:spMkLst>
+        </pc:spChg>
+        <pc:spChg chg="add mod">
+          <ac:chgData name="Li, Hongfei" userId="a40c84e6-5e39-43b0-bf5a-8db6023e65fb" providerId="ADAL" clId="{77A01594-6F17-46A8-85EC-155A20D6BFFB}" dt="2020-01-14T15:41:53.785" v="3148" actId="1076"/>
+          <ac:spMkLst>
+            <pc:docMk/>
+            <pc:sldMk cId="2281368860" sldId="489"/>
+            <ac:spMk id="9" creationId="{EB470C98-0162-4AAE-945E-5BC80BFB5A9A}"/>
+          </ac:spMkLst>
+        </pc:spChg>
+        <pc:spChg chg="add mod">
+          <ac:chgData name="Li, Hongfei" userId="a40c84e6-5e39-43b0-bf5a-8db6023e65fb" providerId="ADAL" clId="{77A01594-6F17-46A8-85EC-155A20D6BFFB}" dt="2020-01-14T15:41:53.785" v="3148" actId="1076"/>
+          <ac:spMkLst>
+            <pc:docMk/>
+            <pc:sldMk cId="2281368860" sldId="489"/>
+            <ac:spMk id="10" creationId="{28566F30-0F46-44B3-91A9-3F2594BAE4ED}"/>
+          </ac:spMkLst>
+        </pc:spChg>
+        <pc:spChg chg="mod">
+          <ac:chgData name="Li, Hongfei" userId="a40c84e6-5e39-43b0-bf5a-8db6023e65fb" providerId="ADAL" clId="{77A01594-6F17-46A8-85EC-155A20D6BFFB}" dt="2020-01-14T15:37:09.340" v="3093" actId="20577"/>
+          <ac:spMkLst>
+            <pc:docMk/>
+            <pc:sldMk cId="2281368860" sldId="489"/>
+            <ac:spMk id="11" creationId="{04A9AEF9-EFD3-4AB5-B458-AA55FD69FAD0}"/>
+          </ac:spMkLst>
+        </pc:spChg>
+        <pc:spChg chg="add mod">
+          <ac:chgData name="Li, Hongfei" userId="a40c84e6-5e39-43b0-bf5a-8db6023e65fb" providerId="ADAL" clId="{77A01594-6F17-46A8-85EC-155A20D6BFFB}" dt="2020-01-14T15:41:53.785" v="3148" actId="1076"/>
+          <ac:spMkLst>
+            <pc:docMk/>
+            <pc:sldMk cId="2281368860" sldId="489"/>
+            <ac:spMk id="12" creationId="{6CEDE1D8-54E0-4C25-AE68-50A1018C711E}"/>
+          </ac:spMkLst>
+        </pc:spChg>
+      </pc:sldChg>
+      <pc:sldChg chg="modSp">
+        <pc:chgData name="Li, Hongfei" userId="a40c84e6-5e39-43b0-bf5a-8db6023e65fb" providerId="ADAL" clId="{77A01594-6F17-46A8-85EC-155A20D6BFFB}" dt="2020-01-14T15:13:42.216" v="1097" actId="20577"/>
+        <pc:sldMkLst>
+          <pc:docMk/>
+          <pc:sldMk cId="1595081523" sldId="495"/>
+        </pc:sldMkLst>
+        <pc:spChg chg="mod">
+          <ac:chgData name="Li, Hongfei" userId="a40c84e6-5e39-43b0-bf5a-8db6023e65fb" providerId="ADAL" clId="{77A01594-6F17-46A8-85EC-155A20D6BFFB}" dt="2020-01-14T15:13:42.216" v="1097" actId="20577"/>
+          <ac:spMkLst>
+            <pc:docMk/>
+            <pc:sldMk cId="1595081523" sldId="495"/>
+            <ac:spMk id="5" creationId="{C3FA7228-E8B0-4DDD-BEDC-AC5911F16A10}"/>
+          </ac:spMkLst>
+        </pc:spChg>
+      </pc:sldChg>
+    </pc:docChg>
+  </pc:docChgLst>
   <pc:docChgLst>
     <pc:chgData name="Li, Hongfei" userId="a40c84e6-5e39-43b0-bf5a-8db6023e65fb" providerId="ADAL" clId="{3DE8D662-8163-4739-A869-E16AD45C5E0E}"/>
     <pc:docChg chg="undo custSel addSld modSld">
@@ -2417,7 +2542,7 @@
           <a:p>
             <a:fld id="{C604CD14-512E-4ED5-BC62-E538007162F6}" type="datetimeFigureOut">
               <a:rPr lang="en-US" smtClean="0"/>
-              <a:t>1/12/2020</a:t>
+              <a:t>1/14/2020</a:t>
             </a:fld>
             <a:endParaRPr lang="en-US"/>
           </a:p>
@@ -2582,7 +2707,7 @@
           <a:p>
             <a:fld id="{F596556E-D92C-4943-8DC9-CB9A7CAB1341}" type="datetimeFigureOut">
               <a:rPr lang="en-US" smtClean="0"/>
-              <a:t>1/12/2020</a:t>
+              <a:t>1/14/2020</a:t>
             </a:fld>
             <a:endParaRPr lang="en-US"/>
           </a:p>
@@ -3605,24 +3730,7 @@
           <a:bodyPr/>
           <a:lstStyle/>
           <a:p>
-            <a:pPr marL="0" marR="0" lvl="0" indent="0" algn="l" defTabSz="914400" rtl="0" eaLnBrk="1" fontAlgn="auto" latinLnBrk="0" hangingPunct="1">
-              <a:lnSpc>
-                <a:spcPct val="100000"/>
-              </a:lnSpc>
-              <a:spcBef>
-                <a:spcPts val="0"/>
-              </a:spcBef>
-              <a:spcAft>
-                <a:spcPts val="0"/>
-              </a:spcAft>
-              <a:buClrTx/>
-              <a:buSzTx/>
-              <a:buFontTx/>
-              <a:buNone/>
-              <a:tabLst/>
-              <a:defRPr/>
-            </a:pPr>
-            <a:endParaRPr lang="en-US" dirty="0"/>
+            <a:endParaRPr lang="en-US" altLang="zh-CN" dirty="0"/>
           </a:p>
         </p:txBody>
       </p:sp>
@@ -3652,7 +3760,7 @@
     </p:spTree>
     <p:extLst>
       <p:ext uri="{BB962C8B-B14F-4D97-AF65-F5344CB8AC3E}">
-        <p14:creationId xmlns:p14="http://schemas.microsoft.com/office/powerpoint/2010/main" val="603450357"/>
+        <p14:creationId xmlns:p14="http://schemas.microsoft.com/office/powerpoint/2010/main" val="4241654345"/>
       </p:ext>
     </p:extLst>
   </p:cSld>
@@ -3711,7 +3819,24 @@
           <a:bodyPr/>
           <a:lstStyle/>
           <a:p>
-            <a:endParaRPr lang="en-US" altLang="zh-CN" dirty="0"/>
+            <a:pPr marL="0" marR="0" lvl="0" indent="0" algn="l" defTabSz="914400" rtl="0" eaLnBrk="1" fontAlgn="auto" latinLnBrk="0" hangingPunct="1">
+              <a:lnSpc>
+                <a:spcPct val="100000"/>
+              </a:lnSpc>
+              <a:spcBef>
+                <a:spcPts val="0"/>
+              </a:spcBef>
+              <a:spcAft>
+                <a:spcPts val="0"/>
+              </a:spcAft>
+              <a:buClrTx/>
+              <a:buSzTx/>
+              <a:buFontTx/>
+              <a:buNone/>
+              <a:tabLst/>
+              <a:defRPr/>
+            </a:pPr>
+            <a:endParaRPr lang="en-US" dirty="0"/>
           </a:p>
         </p:txBody>
       </p:sp>
@@ -3741,7 +3866,7 @@
     </p:spTree>
     <p:extLst>
       <p:ext uri="{BB962C8B-B14F-4D97-AF65-F5344CB8AC3E}">
-        <p14:creationId xmlns:p14="http://schemas.microsoft.com/office/powerpoint/2010/main" val="2582315241"/>
+        <p14:creationId xmlns:p14="http://schemas.microsoft.com/office/powerpoint/2010/main" val="603450357"/>
       </p:ext>
     </p:extLst>
   </p:cSld>
@@ -3830,7 +3955,7 @@
     </p:spTree>
     <p:extLst>
       <p:ext uri="{BB962C8B-B14F-4D97-AF65-F5344CB8AC3E}">
-        <p14:creationId xmlns:p14="http://schemas.microsoft.com/office/powerpoint/2010/main" val="4241654345"/>
+        <p14:creationId xmlns:p14="http://schemas.microsoft.com/office/powerpoint/2010/main" val="2582315241"/>
       </p:ext>
     </p:extLst>
   </p:cSld>
@@ -7289,7 +7414,7 @@
             <a:fld id="{8ACDB3CC-F982-40F9-8DD6-BCC9AFBF44BD}" type="datetime1">
               <a:rPr lang="en-US" smtClean="0"/>
               <a:pPr/>
-              <a:t>1/12/2020</a:t>
+              <a:t>1/14/2020</a:t>
             </a:fld>
             <a:endParaRPr lang="en-US"/>
           </a:p>
@@ -11649,7 +11774,7 @@
         <p:spPr>
           <a:xfrm>
             <a:off x="2828363" y="4697053"/>
-            <a:ext cx="6535271" cy="738664"/>
+            <a:ext cx="6535271" cy="1138773"/>
           </a:xfrm>
           <a:prstGeom prst="rect">
             <a:avLst/>
@@ -11667,7 +11792,7 @@
               </a:spcBef>
             </a:pPr>
             <a:r>
-              <a:rPr lang="en-US" altLang="zh-CN" sz="1600" dirty="0">
+              <a:rPr lang="it-IT" altLang="zh-CN" sz="1600" dirty="0">
                 <a:solidFill>
                   <a:prstClr val="white"/>
                 </a:solidFill>
@@ -11675,7 +11800,7 @@
                 <a:ea typeface="微软雅黑 Light" panose="020B0502040204020203" pitchFamily="34" charset="-122"/>
                 <a:cs typeface="Arial" panose="020B0604020202020204" pitchFamily="34" charset="0"/>
               </a:rPr>
-              <a:t>School of Business, University of Connecticut</a:t>
+              <a:t>Presenter: Hongfei Li, Ph.D. Candidate</a:t>
             </a:r>
           </a:p>
           <a:p>
@@ -11693,10 +11818,17 @@
                 <a:ea typeface="微软雅黑 Light" panose="020B0502040204020203" pitchFamily="34" charset="-122"/>
                 <a:cs typeface="Arial" panose="020B0604020202020204" pitchFamily="34" charset="0"/>
               </a:rPr>
-              <a:t>September</a:t>
-            </a:r>
-            <a:r>
-              <a:rPr lang="en-US" sz="1600" dirty="0">
+              <a:t>School of Business, University of Connecticut</a:t>
+            </a:r>
+          </a:p>
+          <a:p>
+            <a:pPr algn="ctr">
+              <a:spcBef>
+                <a:spcPts val="1200"/>
+              </a:spcBef>
+            </a:pPr>
+            <a:r>
+              <a:rPr lang="en-US" altLang="zh-CN" sz="1600" dirty="0">
                 <a:solidFill>
                   <a:prstClr val="white"/>
                 </a:solidFill>
@@ -11704,10 +11836,10 @@
                 <a:ea typeface="微软雅黑 Light" panose="020B0502040204020203" pitchFamily="34" charset="-122"/>
                 <a:cs typeface="Arial" panose="020B0604020202020204" pitchFamily="34" charset="0"/>
               </a:rPr>
-              <a:t> </a:t>
-            </a:r>
-            <a:r>
-              <a:rPr lang="en-US" altLang="zh-CN" sz="1600" dirty="0">
+              <a:t>February</a:t>
+            </a:r>
+            <a:r>
+              <a:rPr lang="en-US" sz="1600" dirty="0">
                 <a:solidFill>
                   <a:prstClr val="white"/>
                 </a:solidFill>
@@ -11715,18 +11847,7 @@
                 <a:ea typeface="微软雅黑 Light" panose="020B0502040204020203" pitchFamily="34" charset="-122"/>
                 <a:cs typeface="Arial" panose="020B0604020202020204" pitchFamily="34" charset="0"/>
               </a:rPr>
-              <a:t>30</a:t>
-            </a:r>
-            <a:r>
-              <a:rPr lang="en-US" sz="1600" dirty="0">
-                <a:solidFill>
-                  <a:prstClr val="white"/>
-                </a:solidFill>
-                <a:latin typeface="Arial" panose="020B0604020202020204" pitchFamily="34" charset="0"/>
-                <a:ea typeface="微软雅黑 Light" panose="020B0502040204020203" pitchFamily="34" charset="-122"/>
-                <a:cs typeface="Arial" panose="020B0604020202020204" pitchFamily="34" charset="0"/>
-              </a:rPr>
-              <a:t>, 2019</a:t>
+              <a:t> 18, 2020</a:t>
             </a:r>
             <a:endParaRPr lang="zh-CN" altLang="en-US" dirty="0">
               <a:solidFill>
@@ -11758,8 +11879,8 @@
         </p:nvSpPr>
         <p:spPr>
           <a:xfrm>
-            <a:off x="3276597" y="3436219"/>
-            <a:ext cx="5638802" cy="494751"/>
+            <a:off x="3276597" y="3036866"/>
+            <a:ext cx="5638802" cy="937949"/>
           </a:xfrm>
           <a:prstGeom prst="rect">
             <a:avLst/>
@@ -11786,51 +11907,66 @@
             </a:lvl1pPr>
           </a:lstStyle>
           <a:p>
-            <a:pPr marL="0" marR="0" lvl="0" indent="0" algn="ctr" defTabSz="457200" rtl="0" eaLnBrk="1" fontAlgn="auto" latinLnBrk="0" hangingPunct="1">
+            <a:pPr lvl="0" algn="ctr">
               <a:lnSpc>
                 <a:spcPct val="120000"/>
               </a:lnSpc>
-              <a:spcBef>
-                <a:spcPct val="0"/>
-              </a:spcBef>
-              <a:spcAft>
-                <a:spcPts val="0"/>
-              </a:spcAft>
-              <a:buClrTx/>
-              <a:buSzTx/>
-              <a:buFontTx/>
-              <a:buNone/>
-              <a:tabLst/>
               <a:defRPr/>
             </a:pPr>
             <a:r>
-              <a:rPr kumimoji="0" lang="en-US" sz="2400" b="1" i="0" u="none" strike="noStrike" kern="1200" cap="none" spc="0" normalizeH="0" baseline="0" noProof="0" dirty="0">
-                <a:ln>
-                  <a:noFill/>
-                </a:ln>
+              <a:rPr lang="en-US" sz="2400" b="1" dirty="0">
                 <a:solidFill>
                   <a:srgbClr val="E6B315"/>
                 </a:solidFill>
-                <a:effectLst/>
-                <a:uLnTx/>
-                <a:uFillTx/>
                 <a:latin typeface="Arial" panose="020B0604020202020204" pitchFamily="34" charset="0"/>
-                <a:ea typeface="+mj-ea"/>
                 <a:cs typeface="Arial" panose="020B0604020202020204" pitchFamily="34" charset="0"/>
               </a:rPr>
-              <a:t>Hongfei Li, Ph.D. Candidate</a:t>
-            </a:r>
-            <a:endParaRPr kumimoji="0" lang="en-US" sz="2000" b="0" i="0" u="none" strike="noStrike" kern="1200" cap="none" spc="0" normalizeH="0" baseline="0" noProof="0" dirty="0">
-              <a:ln>
-                <a:noFill/>
-              </a:ln>
+              <a:t>OPIM 5510 - Web Analytics</a:t>
+            </a:r>
+          </a:p>
+          <a:p>
+            <a:pPr lvl="0" algn="ctr">
+              <a:lnSpc>
+                <a:spcPct val="120000"/>
+              </a:lnSpc>
+              <a:defRPr/>
+            </a:pPr>
+            <a:r>
+              <a:rPr lang="en-US" altLang="zh-CN" sz="2400" b="1" dirty="0">
+                <a:solidFill>
+                  <a:srgbClr val="E6B315"/>
+                </a:solidFill>
+                <a:latin typeface="Arial" panose="020B0604020202020204" pitchFamily="34" charset="0"/>
+                <a:cs typeface="Arial" panose="020B0604020202020204" pitchFamily="34" charset="0"/>
+              </a:rPr>
+              <a:t>Instructor: </a:t>
+            </a:r>
+            <a:r>
+              <a:rPr lang="en-US" altLang="zh-CN" sz="2400" b="1" dirty="0" err="1">
+                <a:solidFill>
+                  <a:srgbClr val="E6B315"/>
+                </a:solidFill>
+                <a:latin typeface="Arial" panose="020B0604020202020204" pitchFamily="34" charset="0"/>
+                <a:cs typeface="Arial" panose="020B0604020202020204" pitchFamily="34" charset="0"/>
+              </a:rPr>
+              <a:t>Xinxin</a:t>
+            </a:r>
+            <a:r>
+              <a:rPr lang="en-US" altLang="zh-CN" sz="2400" b="1" dirty="0">
+                <a:solidFill>
+                  <a:srgbClr val="E6B315"/>
+                </a:solidFill>
+                <a:latin typeface="Arial" panose="020B0604020202020204" pitchFamily="34" charset="0"/>
+                <a:cs typeface="Arial" panose="020B0604020202020204" pitchFamily="34" charset="0"/>
+              </a:rPr>
+              <a:t> Li</a:t>
+            </a:r>
+            <a:endParaRPr lang="en-US" sz="2400" b="1" dirty="0">
               <a:solidFill>
                 <a:srgbClr val="E6B315"/>
               </a:solidFill>
-              <a:effectLst/>
-              <a:uLnTx/>
-              <a:uFillTx/>
-              <a:ea typeface="+mj-ea"/>
+              <a:latin typeface="Arial" panose="020B0604020202020204" pitchFamily="34" charset="0"/>
+              <a:cs typeface="Arial" panose="020B0604020202020204" pitchFamily="34" charset="0"/>
             </a:endParaRPr>
           </a:p>
         </p:txBody>
@@ -20422,7 +20558,7 @@
           <a:p>
             <a:r>
               <a:rPr lang="en-US" altLang="en-US" dirty="0"/>
-              <a:t>API</a:t>
+              <a:t>Web API</a:t>
             </a:r>
             <a:br>
               <a:rPr lang="en-US" altLang="en-US" dirty="0"/>
@@ -20511,8 +20647,8 @@
         </p:nvSpPr>
         <p:spPr>
           <a:xfrm>
-            <a:off x="868843" y="3415673"/>
-            <a:ext cx="10544783" cy="1446550"/>
+            <a:off x="823608" y="2750023"/>
+            <a:ext cx="10544783" cy="4031873"/>
           </a:xfrm>
           <a:prstGeom prst="rect">
             <a:avLst/>
@@ -20538,41 +20674,10 @@
               <a:buFont typeface="Arial" panose="020B0604020202020204" pitchFamily="34" charset="0"/>
               <a:buChar char="•"/>
             </a:pPr>
-            <a:r>
-              <a:rPr lang="en-US" sz="1400" dirty="0">
-                <a:latin typeface="Arial" panose="020B0604020202020204" pitchFamily="34" charset="0"/>
-                <a:cs typeface="Arial" panose="020B0604020202020204" pitchFamily="34" charset="0"/>
-              </a:rPr>
-              <a:t>Essentially, </a:t>
-            </a:r>
-            <a:r>
-              <a:rPr lang="en-US" sz="1400" dirty="0" err="1">
-                <a:latin typeface="Arial" panose="020B0604020202020204" pitchFamily="34" charset="0"/>
-                <a:cs typeface="Arial" panose="020B0604020202020204" pitchFamily="34" charset="0"/>
-              </a:rPr>
-              <a:t>BeautifulSoup</a:t>
-            </a:r>
-            <a:r>
-              <a:rPr lang="en-US" sz="1400" dirty="0">
-                <a:latin typeface="Arial" panose="020B0604020202020204" pitchFamily="34" charset="0"/>
-                <a:cs typeface="Arial" panose="020B0604020202020204" pitchFamily="34" charset="0"/>
-              </a:rPr>
-              <a:t> also aims at pattern matching. The main advantage is that this method make good use of the features of HTML. Regular expression can work for any types of text, not just HTML, but </a:t>
-            </a:r>
-            <a:r>
-              <a:rPr lang="en-US" sz="1400" dirty="0" err="1">
-                <a:latin typeface="Arial" panose="020B0604020202020204" pitchFamily="34" charset="0"/>
-                <a:cs typeface="Arial" panose="020B0604020202020204" pitchFamily="34" charset="0"/>
-              </a:rPr>
-              <a:t>BeautifulSoup</a:t>
-            </a:r>
-            <a:r>
-              <a:rPr lang="en-US" sz="1400" dirty="0">
-                <a:latin typeface="Arial" panose="020B0604020202020204" pitchFamily="34" charset="0"/>
-                <a:cs typeface="Arial" panose="020B0604020202020204" pitchFamily="34" charset="0"/>
-              </a:rPr>
-              <a:t> can only work for HTML.</a:t>
-            </a:r>
+            <a:endParaRPr lang="en-US" sz="1400" dirty="0">
+              <a:latin typeface="Arial" panose="020B0604020202020204" pitchFamily="34" charset="0"/>
+              <a:cs typeface="Arial" panose="020B0604020202020204" pitchFamily="34" charset="0"/>
+            </a:endParaRPr>
           </a:p>
           <a:p>
             <a:pPr marL="285750" indent="-285750">
@@ -20580,18 +20685,76 @@
               <a:buChar char="•"/>
             </a:pPr>
             <a:r>
-              <a:rPr lang="en-US" sz="1400" dirty="0" err="1">
-                <a:latin typeface="Arial" panose="020B0604020202020204" pitchFamily="34" charset="0"/>
-                <a:cs typeface="Arial" panose="020B0604020202020204" pitchFamily="34" charset="0"/>
-              </a:rPr>
-              <a:t>BeautifulSoup</a:t>
-            </a:r>
-            <a:r>
               <a:rPr lang="en-US" sz="1400" dirty="0">
                 <a:latin typeface="Arial" panose="020B0604020202020204" pitchFamily="34" charset="0"/>
                 <a:cs typeface="Arial" panose="020B0604020202020204" pitchFamily="34" charset="0"/>
               </a:rPr>
-              <a:t> tree structure</a:t>
+              <a:t>Web APIs are strong tools that endorsed by well-reputed companies. Nowadays, they are not just about requiring data but more about cloud service. These APIs can provide people almost unlimited resources, making people’s work not limited by space and time. For example, image analysis requires very powerful graphics card, which most people cannot afford, then using AWS is a good choice. Another example is that these companies are able to collect a large amount of resource to train a highly accurate model for prediction, such as sentiment analysis and emotion analysis.</a:t>
+            </a:r>
+          </a:p>
+          <a:p>
+            <a:pPr marL="285750" indent="-285750">
+              <a:buFont typeface="Arial" panose="020B0604020202020204" pitchFamily="34" charset="0"/>
+              <a:buChar char="•"/>
+            </a:pPr>
+            <a:r>
+              <a:rPr lang="en-US" sz="1400" dirty="0">
+                <a:latin typeface="Arial" panose="020B0604020202020204" pitchFamily="34" charset="0"/>
+                <a:cs typeface="Arial" panose="020B0604020202020204" pitchFamily="34" charset="0"/>
+              </a:rPr>
+              <a:t>Simple services are generally free but complicated requirement could be expensive.</a:t>
+            </a:r>
+          </a:p>
+          <a:p>
+            <a:pPr marL="285750" indent="-285750">
+              <a:buFont typeface="Arial" panose="020B0604020202020204" pitchFamily="34" charset="0"/>
+              <a:buChar char="•"/>
+            </a:pPr>
+            <a:r>
+              <a:rPr lang="en-US" sz="1400" dirty="0">
+                <a:latin typeface="Arial" panose="020B0604020202020204" pitchFamily="34" charset="0"/>
+                <a:cs typeface="Arial" panose="020B0604020202020204" pitchFamily="34" charset="0"/>
+              </a:rPr>
+              <a:t>Need to learn the document carefully to write interface to connect yourselves (client) to the service, which needs some learning cost.</a:t>
+            </a:r>
+          </a:p>
+          <a:p>
+            <a:pPr marL="285750" indent="-285750">
+              <a:buFont typeface="Arial" panose="020B0604020202020204" pitchFamily="34" charset="0"/>
+              <a:buChar char="•"/>
+            </a:pPr>
+            <a:r>
+              <a:rPr lang="en-US" sz="1400" dirty="0">
+                <a:latin typeface="Arial" panose="020B0604020202020204" pitchFamily="34" charset="0"/>
+                <a:cs typeface="Arial" panose="020B0604020202020204" pitchFamily="34" charset="0"/>
+              </a:rPr>
+              <a:t>Web-scraping APIs always have strict limit to prevent their services getting overburdened. Then collecting all data will be impossible simply by API, and these data are generally severely biased (e.g., Reddit, sorted by popularity). However, as long as the company provides an official API, scraping the website by hand will be very difficult because these websites are pretty mature and have built a set of anti-spider strategies. (may even be illegal)</a:t>
+            </a:r>
+          </a:p>
+          <a:p>
+            <a:pPr marL="285750" indent="-285750">
+              <a:buFont typeface="Arial" panose="020B0604020202020204" pitchFamily="34" charset="0"/>
+              <a:buChar char="•"/>
+            </a:pPr>
+            <a:r>
+              <a:rPr lang="en-US" sz="1400" dirty="0">
+                <a:latin typeface="Arial" panose="020B0604020202020204" pitchFamily="34" charset="0"/>
+                <a:cs typeface="Arial" panose="020B0604020202020204" pitchFamily="34" charset="0"/>
+              </a:rPr>
+              <a:t>If the limit is just about the quantity of one-time scraping, then using loops can solve the problem.</a:t>
+            </a:r>
+          </a:p>
+          <a:p>
+            <a:pPr marL="285750" indent="-285750">
+              <a:buFont typeface="Arial" panose="020B0604020202020204" pitchFamily="34" charset="0"/>
+              <a:buChar char="•"/>
+            </a:pPr>
+            <a:r>
+              <a:rPr lang="en-US" sz="1400" dirty="0">
+                <a:latin typeface="Arial" panose="020B0604020202020204" pitchFamily="34" charset="0"/>
+                <a:cs typeface="Arial" panose="020B0604020202020204" pitchFamily="34" charset="0"/>
+              </a:rPr>
+              <a:t>Sample codes are provided.</a:t>
             </a:r>
           </a:p>
           <a:p>
@@ -20605,6 +20768,356 @@
               <a:latin typeface="Arial" panose="020B0604020202020204" pitchFamily="34" charset="0"/>
               <a:cs typeface="Arial" panose="020B0604020202020204" pitchFamily="34" charset="0"/>
             </a:endParaRPr>
+          </a:p>
+        </p:txBody>
+      </p:sp>
+      <p:sp>
+        <p:nvSpPr>
+          <p:cNvPr id="3" name="Rectangle 2">
+            <a:extLst>
+              <a:ext uri="{FF2B5EF4-FFF2-40B4-BE49-F238E27FC236}">
+                <a16:creationId xmlns:a16="http://schemas.microsoft.com/office/drawing/2014/main" id="{97187E1E-69B6-4815-B119-BBF5F23D421D}"/>
+              </a:ext>
+            </a:extLst>
+          </p:cNvPr>
+          <p:cNvSpPr/>
+          <p:nvPr/>
+        </p:nvSpPr>
+        <p:spPr>
+          <a:xfrm>
+            <a:off x="823608" y="830874"/>
+            <a:ext cx="10544783" cy="2031325"/>
+          </a:xfrm>
+          <a:prstGeom prst="rect">
+            <a:avLst/>
+          </a:prstGeom>
+        </p:spPr>
+        <p:txBody>
+          <a:bodyPr wrap="square">
+            <a:spAutoFit/>
+          </a:bodyPr>
+          <a:lstStyle/>
+          <a:p>
+            <a:r>
+              <a:rPr lang="en-US" i="1" dirty="0"/>
+              <a:t>The defined interfaces through which interactions happen between an enterprise and applications that use its assets. </a:t>
+            </a:r>
+            <a:r>
+              <a:rPr lang="en-US" dirty="0"/>
+              <a:t>Assets could be a type of service, or simply data. Typical examples include:</a:t>
+            </a:r>
+          </a:p>
+          <a:p>
+            <a:pPr marL="285750" indent="-285750">
+              <a:buFont typeface="Arial" panose="020B0604020202020204" pitchFamily="34" charset="0"/>
+              <a:buChar char="•"/>
+            </a:pPr>
+            <a:r>
+              <a:rPr lang="en-US" dirty="0"/>
+              <a:t>Amazon AWS: </a:t>
+            </a:r>
+            <a:r>
+              <a:rPr lang="en-US" dirty="0">
+                <a:hlinkClick r:id="rId3"/>
+              </a:rPr>
+              <a:t>https://aws.amazon.com/</a:t>
+            </a:r>
+            <a:r>
+              <a:rPr lang="en-US" dirty="0"/>
+              <a:t>, services including database, text mining, image analysis, etc.</a:t>
+            </a:r>
+          </a:p>
+          <a:p>
+            <a:pPr marL="285750" indent="-285750">
+              <a:buFont typeface="Arial" panose="020B0604020202020204" pitchFamily="34" charset="0"/>
+              <a:buChar char="•"/>
+            </a:pPr>
+            <a:r>
+              <a:rPr lang="en-US" dirty="0"/>
+              <a:t>Twitter API: </a:t>
+            </a:r>
+            <a:r>
+              <a:rPr lang="en-US" dirty="0">
+                <a:hlinkClick r:id="rId4"/>
+              </a:rPr>
+              <a:t>https://developer.twitter.com/en/docs</a:t>
+            </a:r>
+            <a:endParaRPr lang="en-US" dirty="0"/>
+          </a:p>
+          <a:p>
+            <a:pPr marL="285750" indent="-285750">
+              <a:buFont typeface="Arial" panose="020B0604020202020204" pitchFamily="34" charset="0"/>
+              <a:buChar char="•"/>
+            </a:pPr>
+            <a:r>
+              <a:rPr lang="en-US" dirty="0"/>
+              <a:t>Reddit API: </a:t>
+            </a:r>
+            <a:r>
+              <a:rPr lang="en-US" dirty="0">
+                <a:hlinkClick r:id="rId5"/>
+              </a:rPr>
+              <a:t>https://www.reddit.com/dev/api/</a:t>
+            </a:r>
+            <a:endParaRPr lang="en-US" dirty="0"/>
+          </a:p>
+          <a:p>
+            <a:pPr marL="285750" indent="-285750">
+              <a:buFont typeface="Arial" panose="020B0604020202020204" pitchFamily="34" charset="0"/>
+              <a:buChar char="•"/>
+            </a:pPr>
+            <a:r>
+              <a:rPr lang="en-US" dirty="0"/>
+              <a:t>Face++: </a:t>
+            </a:r>
+            <a:r>
+              <a:rPr lang="en-US" dirty="0">
+                <a:hlinkClick r:id="rId6"/>
+              </a:rPr>
+              <a:t>https://www.faceplusplus.com/</a:t>
+            </a:r>
+            <a:r>
+              <a:rPr lang="en-US" dirty="0"/>
+              <a:t>, very useful tool when analyzing face</a:t>
+            </a:r>
+          </a:p>
+          <a:p>
+            <a:endParaRPr lang="en-US" dirty="0"/>
+          </a:p>
+        </p:txBody>
+      </p:sp>
+      <p:sp>
+        <p:nvSpPr>
+          <p:cNvPr id="7" name="Heart 6">
+            <a:extLst>
+              <a:ext uri="{FF2B5EF4-FFF2-40B4-BE49-F238E27FC236}">
+                <a16:creationId xmlns:a16="http://schemas.microsoft.com/office/drawing/2014/main" id="{A4ABAF93-0496-4334-8FC3-55849B95910A}"/>
+              </a:ext>
+            </a:extLst>
+          </p:cNvPr>
+          <p:cNvSpPr/>
+          <p:nvPr/>
+        </p:nvSpPr>
+        <p:spPr>
+          <a:xfrm>
+            <a:off x="2299943" y="272374"/>
+            <a:ext cx="272375" cy="243192"/>
+          </a:xfrm>
+          <a:prstGeom prst="heart">
+            <a:avLst/>
+          </a:prstGeom>
+          <a:solidFill>
+            <a:srgbClr val="FF0000"/>
+          </a:solidFill>
+        </p:spPr>
+        <p:style>
+          <a:lnRef idx="0">
+            <a:schemeClr val="accent6"/>
+          </a:lnRef>
+          <a:fillRef idx="3">
+            <a:schemeClr val="accent6"/>
+          </a:fillRef>
+          <a:effectRef idx="3">
+            <a:schemeClr val="accent6"/>
+          </a:effectRef>
+          <a:fontRef idx="minor">
+            <a:schemeClr val="lt1"/>
+          </a:fontRef>
+        </p:style>
+        <p:txBody>
+          <a:bodyPr rtlCol="0" anchor="ctr"/>
+          <a:lstStyle/>
+          <a:p>
+            <a:pPr algn="ctr"/>
+            <a:endParaRPr lang="en-US"/>
+          </a:p>
+        </p:txBody>
+      </p:sp>
+      <p:sp>
+        <p:nvSpPr>
+          <p:cNvPr id="8" name="Heart 7">
+            <a:extLst>
+              <a:ext uri="{FF2B5EF4-FFF2-40B4-BE49-F238E27FC236}">
+                <a16:creationId xmlns:a16="http://schemas.microsoft.com/office/drawing/2014/main" id="{B72A0C49-9ED2-4E59-A9F1-9F2AB01EAC26}"/>
+              </a:ext>
+            </a:extLst>
+          </p:cNvPr>
+          <p:cNvSpPr/>
+          <p:nvPr/>
+        </p:nvSpPr>
+        <p:spPr>
+          <a:xfrm>
+            <a:off x="2687428" y="272374"/>
+            <a:ext cx="272375" cy="243192"/>
+          </a:xfrm>
+          <a:prstGeom prst="heart">
+            <a:avLst/>
+          </a:prstGeom>
+          <a:solidFill>
+            <a:srgbClr val="FF0000"/>
+          </a:solidFill>
+        </p:spPr>
+        <p:style>
+          <a:lnRef idx="0">
+            <a:schemeClr val="accent6"/>
+          </a:lnRef>
+          <a:fillRef idx="3">
+            <a:schemeClr val="accent6"/>
+          </a:fillRef>
+          <a:effectRef idx="3">
+            <a:schemeClr val="accent6"/>
+          </a:effectRef>
+          <a:fontRef idx="minor">
+            <a:schemeClr val="lt1"/>
+          </a:fontRef>
+        </p:style>
+        <p:txBody>
+          <a:bodyPr rtlCol="0" anchor="ctr"/>
+          <a:lstStyle/>
+          <a:p>
+            <a:pPr algn="ctr"/>
+            <a:endParaRPr lang="en-US"/>
+          </a:p>
+        </p:txBody>
+      </p:sp>
+      <p:sp>
+        <p:nvSpPr>
+          <p:cNvPr id="9" name="Heart 8">
+            <a:extLst>
+              <a:ext uri="{FF2B5EF4-FFF2-40B4-BE49-F238E27FC236}">
+                <a16:creationId xmlns:a16="http://schemas.microsoft.com/office/drawing/2014/main" id="{EB470C98-0162-4AAE-945E-5BC80BFB5A9A}"/>
+              </a:ext>
+            </a:extLst>
+          </p:cNvPr>
+          <p:cNvSpPr/>
+          <p:nvPr/>
+        </p:nvSpPr>
+        <p:spPr>
+          <a:xfrm>
+            <a:off x="3074913" y="272374"/>
+            <a:ext cx="272375" cy="243192"/>
+          </a:xfrm>
+          <a:prstGeom prst="heart">
+            <a:avLst/>
+          </a:prstGeom>
+          <a:solidFill>
+            <a:srgbClr val="FF0000"/>
+          </a:solidFill>
+        </p:spPr>
+        <p:style>
+          <a:lnRef idx="0">
+            <a:schemeClr val="accent6"/>
+          </a:lnRef>
+          <a:fillRef idx="3">
+            <a:schemeClr val="accent6"/>
+          </a:fillRef>
+          <a:effectRef idx="3">
+            <a:schemeClr val="accent6"/>
+          </a:effectRef>
+          <a:fontRef idx="minor">
+            <a:schemeClr val="lt1"/>
+          </a:fontRef>
+        </p:style>
+        <p:txBody>
+          <a:bodyPr rtlCol="0" anchor="ctr"/>
+          <a:lstStyle/>
+          <a:p>
+            <a:pPr algn="ctr"/>
+            <a:endParaRPr lang="en-US"/>
+          </a:p>
+        </p:txBody>
+      </p:sp>
+      <p:sp>
+        <p:nvSpPr>
+          <p:cNvPr id="10" name="Heart 9">
+            <a:extLst>
+              <a:ext uri="{FF2B5EF4-FFF2-40B4-BE49-F238E27FC236}">
+                <a16:creationId xmlns:a16="http://schemas.microsoft.com/office/drawing/2014/main" id="{28566F30-0F46-44B3-91A9-3F2594BAE4ED}"/>
+              </a:ext>
+            </a:extLst>
+          </p:cNvPr>
+          <p:cNvSpPr/>
+          <p:nvPr/>
+        </p:nvSpPr>
+        <p:spPr>
+          <a:xfrm>
+            <a:off x="3452347" y="272374"/>
+            <a:ext cx="272375" cy="243192"/>
+          </a:xfrm>
+          <a:prstGeom prst="heart">
+            <a:avLst/>
+          </a:prstGeom>
+          <a:solidFill>
+            <a:srgbClr val="FF0000"/>
+          </a:solidFill>
+        </p:spPr>
+        <p:style>
+          <a:lnRef idx="0">
+            <a:schemeClr val="accent6"/>
+          </a:lnRef>
+          <a:fillRef idx="3">
+            <a:schemeClr val="accent6"/>
+          </a:fillRef>
+          <a:effectRef idx="3">
+            <a:schemeClr val="accent6"/>
+          </a:effectRef>
+          <a:fontRef idx="minor">
+            <a:schemeClr val="lt1"/>
+          </a:fontRef>
+        </p:style>
+        <p:txBody>
+          <a:bodyPr rtlCol="0" anchor="ctr"/>
+          <a:lstStyle/>
+          <a:p>
+            <a:pPr algn="ctr"/>
+            <a:endParaRPr lang="en-US"/>
+          </a:p>
+        </p:txBody>
+      </p:sp>
+      <p:sp>
+        <p:nvSpPr>
+          <p:cNvPr id="12" name="Heart 11">
+            <a:extLst>
+              <a:ext uri="{FF2B5EF4-FFF2-40B4-BE49-F238E27FC236}">
+                <a16:creationId xmlns:a16="http://schemas.microsoft.com/office/drawing/2014/main" id="{6CEDE1D8-54E0-4C25-AE68-50A1018C711E}"/>
+              </a:ext>
+            </a:extLst>
+          </p:cNvPr>
+          <p:cNvSpPr/>
+          <p:nvPr/>
+        </p:nvSpPr>
+        <p:spPr>
+          <a:xfrm>
+            <a:off x="3829781" y="272374"/>
+            <a:ext cx="272375" cy="243192"/>
+          </a:xfrm>
+          <a:prstGeom prst="heart">
+            <a:avLst/>
+          </a:prstGeom>
+          <a:solidFill>
+            <a:srgbClr val="FF0000"/>
+          </a:solidFill>
+        </p:spPr>
+        <p:style>
+          <a:lnRef idx="0">
+            <a:schemeClr val="accent6"/>
+          </a:lnRef>
+          <a:fillRef idx="3">
+            <a:schemeClr val="accent6"/>
+          </a:fillRef>
+          <a:effectRef idx="3">
+            <a:schemeClr val="accent6"/>
+          </a:effectRef>
+          <a:fontRef idx="minor">
+            <a:schemeClr val="lt1"/>
+          </a:fontRef>
+        </p:style>
+        <p:txBody>
+          <a:bodyPr rtlCol="0" anchor="ctr"/>
+          <a:lstStyle/>
+          <a:p>
+            <a:pPr algn="ctr"/>
+            <a:endParaRPr lang="en-US"/>
           </a:p>
         </p:txBody>
       </p:sp>
@@ -21294,6 +21807,346 @@
       </p:grpSpPr>
       <p:sp>
         <p:nvSpPr>
+          <p:cNvPr id="2" name="PA-标题 1"/>
+          <p:cNvSpPr>
+            <a:spLocks noGrp="1"/>
+          </p:cNvSpPr>
+          <p:nvPr>
+            <p:ph type="title"/>
+            <p:custDataLst>
+              <p:tags r:id="rId1"/>
+            </p:custDataLst>
+          </p:nvPr>
+        </p:nvSpPr>
+        <p:spPr>
+          <a:xfrm>
+            <a:off x="914400" y="191664"/>
+            <a:ext cx="10363200" cy="369332"/>
+          </a:xfrm>
+        </p:spPr>
+        <p:txBody>
+          <a:bodyPr>
+            <a:spAutoFit/>
+          </a:bodyPr>
+          <a:lstStyle/>
+          <a:p>
+            <a:r>
+              <a:rPr lang="en-US" altLang="zh-CN" dirty="0"/>
+              <a:t>Prerequisites of Web-scraping</a:t>
+            </a:r>
+            <a:endParaRPr lang="en-US" dirty="0"/>
+          </a:p>
+        </p:txBody>
+      </p:sp>
+      <p:sp>
+        <p:nvSpPr>
+          <p:cNvPr id="4" name="PA-SlideNumberPlaceholder 3"/>
+          <p:cNvSpPr>
+            <a:spLocks noGrp="1"/>
+          </p:cNvSpPr>
+          <p:nvPr>
+            <p:ph type="sldNum" sz="quarter" idx="12"/>
+            <p:custDataLst>
+              <p:tags r:id="rId2"/>
+            </p:custDataLst>
+          </p:nvPr>
+        </p:nvSpPr>
+        <p:spPr/>
+        <p:txBody>
+          <a:bodyPr/>
+          <a:lstStyle/>
+          <a:p>
+            <a:fld id="{0499C290-51E0-41BB-9934-58A3D372F678}" type="slidenum">
+              <a:rPr lang="en-US" smtClean="0"/>
+              <a:pPr/>
+              <a:t>17</a:t>
+            </a:fld>
+            <a:endParaRPr lang="en-US"/>
+          </a:p>
+        </p:txBody>
+      </p:sp>
+      <p:sp>
+        <p:nvSpPr>
+          <p:cNvPr id="6" name="PA-文本框 5">
+            <a:extLst>
+              <a:ext uri="{FF2B5EF4-FFF2-40B4-BE49-F238E27FC236}">
+                <a16:creationId xmlns:a16="http://schemas.microsoft.com/office/drawing/2014/main" id="{27BB94A3-4C57-43D9-8E70-5C639606E243}"/>
+              </a:ext>
+            </a:extLst>
+          </p:cNvPr>
+          <p:cNvSpPr txBox="1"/>
+          <p:nvPr>
+            <p:custDataLst>
+              <p:tags r:id="rId3"/>
+            </p:custDataLst>
+          </p:nvPr>
+        </p:nvSpPr>
+        <p:spPr>
+          <a:xfrm>
+            <a:off x="685800" y="6547745"/>
+            <a:ext cx="4572000" cy="307777"/>
+          </a:xfrm>
+          <a:prstGeom prst="rect">
+            <a:avLst/>
+          </a:prstGeom>
+          <a:noFill/>
+        </p:spPr>
+        <p:txBody>
+          <a:bodyPr wrap="square" rtlCol="0">
+            <a:spAutoFit/>
+          </a:bodyPr>
+          <a:lstStyle/>
+          <a:p>
+            <a:pPr algn="ctr"/>
+            <a:r>
+              <a:rPr lang="en-US" sz="1400" b="1" spc="100" dirty="0">
+                <a:solidFill>
+                  <a:schemeClr val="bg1"/>
+                </a:solidFill>
+                <a:latin typeface="Arial" pitchFamily="34" charset="0"/>
+                <a:cs typeface="Arial" pitchFamily="34" charset="0"/>
+              </a:rPr>
+              <a:t>Suggestions</a:t>
+            </a:r>
+          </a:p>
+        </p:txBody>
+      </p:sp>
+      <p:sp>
+        <p:nvSpPr>
+          <p:cNvPr id="5" name="Rectangle 4">
+            <a:extLst>
+              <a:ext uri="{FF2B5EF4-FFF2-40B4-BE49-F238E27FC236}">
+                <a16:creationId xmlns:a16="http://schemas.microsoft.com/office/drawing/2014/main" id="{DBBE5857-66D3-4FA7-8FB0-7AEBB8BB11CB}"/>
+              </a:ext>
+            </a:extLst>
+          </p:cNvPr>
+          <p:cNvSpPr/>
+          <p:nvPr/>
+        </p:nvSpPr>
+        <p:spPr>
+          <a:xfrm>
+            <a:off x="1190016" y="792656"/>
+            <a:ext cx="8761379" cy="2862322"/>
+          </a:xfrm>
+          <a:prstGeom prst="rect">
+            <a:avLst/>
+          </a:prstGeom>
+        </p:spPr>
+        <p:txBody>
+          <a:bodyPr wrap="square">
+            <a:spAutoFit/>
+          </a:bodyPr>
+          <a:lstStyle/>
+          <a:p>
+            <a:pPr marL="285750" indent="-285750">
+              <a:buFont typeface="Arial" panose="020B0604020202020204" pitchFamily="34" charset="0"/>
+              <a:buChar char="•"/>
+            </a:pPr>
+            <a:r>
+              <a:rPr lang="en-US" dirty="0">
+                <a:latin typeface="Arial" panose="020B0604020202020204" pitchFamily="34" charset="0"/>
+                <a:cs typeface="Arial" panose="020B0604020202020204" pitchFamily="34" charset="0"/>
+              </a:rPr>
+              <a:t>Knowledge about webpage</a:t>
+            </a:r>
+          </a:p>
+          <a:p>
+            <a:pPr marL="742950" lvl="1" indent="-285750">
+              <a:buFont typeface="Arial" panose="020B0604020202020204" pitchFamily="34" charset="0"/>
+              <a:buChar char="•"/>
+            </a:pPr>
+            <a:r>
+              <a:rPr lang="en-US" altLang="zh-CN" b="0" i="0" dirty="0">
+                <a:effectLst/>
+                <a:latin typeface="Arial" panose="020B0604020202020204" pitchFamily="34" charset="0"/>
+                <a:cs typeface="Arial" panose="020B0604020202020204" pitchFamily="34" charset="0"/>
+              </a:rPr>
+              <a:t>HTLM, CSS, JS</a:t>
+            </a:r>
+            <a:endParaRPr lang="en-US" b="0" i="0" dirty="0">
+              <a:effectLst/>
+              <a:latin typeface="Arial" panose="020B0604020202020204" pitchFamily="34" charset="0"/>
+              <a:cs typeface="Arial" panose="020B0604020202020204" pitchFamily="34" charset="0"/>
+            </a:endParaRPr>
+          </a:p>
+          <a:p>
+            <a:pPr marL="285750" indent="-285750">
+              <a:buFont typeface="Arial" panose="020B0604020202020204" pitchFamily="34" charset="0"/>
+              <a:buChar char="•"/>
+            </a:pPr>
+            <a:r>
+              <a:rPr lang="en-US" dirty="0">
+                <a:latin typeface="Arial" panose="020B0604020202020204" pitchFamily="34" charset="0"/>
+                <a:cs typeface="Arial" panose="020B0604020202020204" pitchFamily="34" charset="0"/>
+              </a:rPr>
+              <a:t>A Programming Language </a:t>
+            </a:r>
+          </a:p>
+          <a:p>
+            <a:pPr marL="742950" lvl="1" indent="-285750">
+              <a:buFont typeface="Wingdings" panose="05000000000000000000" pitchFamily="2" charset="2"/>
+              <a:buChar char="v"/>
+            </a:pPr>
+            <a:r>
+              <a:rPr lang="en-US" dirty="0">
+                <a:latin typeface="Arial" panose="020B0604020202020204" pitchFamily="34" charset="0"/>
+                <a:cs typeface="Arial" panose="020B0604020202020204" pitchFamily="34" charset="0"/>
+              </a:rPr>
+              <a:t>Python is highly recommended: highly-evolved web scraping libraries such as </a:t>
+            </a:r>
+            <a:r>
+              <a:rPr lang="en-US" dirty="0" err="1">
+                <a:latin typeface="Arial" panose="020B0604020202020204" pitchFamily="34" charset="0"/>
+                <a:cs typeface="Arial" panose="020B0604020202020204" pitchFamily="34" charset="0"/>
+              </a:rPr>
+              <a:t>Scrapy</a:t>
+            </a:r>
+            <a:r>
+              <a:rPr lang="en-US" dirty="0">
+                <a:latin typeface="Arial" panose="020B0604020202020204" pitchFamily="34" charset="0"/>
+                <a:cs typeface="Arial" panose="020B0604020202020204" pitchFamily="34" charset="0"/>
+              </a:rPr>
+              <a:t> and Beautiful Soup make Python the best language for web scraping.</a:t>
+            </a:r>
+          </a:p>
+          <a:p>
+            <a:pPr marL="742950" lvl="1" indent="-285750">
+              <a:buFont typeface="Wingdings" panose="05000000000000000000" pitchFamily="2" charset="2"/>
+              <a:buChar char="v"/>
+            </a:pPr>
+            <a:r>
+              <a:rPr lang="en-US" dirty="0">
+                <a:latin typeface="Arial" panose="020B0604020202020204" pitchFamily="34" charset="0"/>
+                <a:cs typeface="Arial" panose="020B0604020202020204" pitchFamily="34" charset="0"/>
+              </a:rPr>
+              <a:t>Libraries: requests, </a:t>
+            </a:r>
+            <a:r>
+              <a:rPr lang="en-US" dirty="0" err="1">
+                <a:latin typeface="Arial" panose="020B0604020202020204" pitchFamily="34" charset="0"/>
+                <a:cs typeface="Arial" panose="020B0604020202020204" pitchFamily="34" charset="0"/>
+              </a:rPr>
+              <a:t>BeautifulSoup</a:t>
+            </a:r>
+            <a:r>
+              <a:rPr lang="en-US" dirty="0">
+                <a:latin typeface="Arial" panose="020B0604020202020204" pitchFamily="34" charset="0"/>
+                <a:cs typeface="Arial" panose="020B0604020202020204" pitchFamily="34" charset="0"/>
+              </a:rPr>
+              <a:t>, </a:t>
+            </a:r>
+            <a:r>
+              <a:rPr lang="en-US" dirty="0" err="1">
+                <a:latin typeface="Arial" panose="020B0604020202020204" pitchFamily="34" charset="0"/>
+                <a:cs typeface="Arial" panose="020B0604020202020204" pitchFamily="34" charset="0"/>
+              </a:rPr>
+              <a:t>scrapy</a:t>
+            </a:r>
+            <a:endParaRPr lang="en-US" dirty="0">
+              <a:latin typeface="Arial" panose="020B0604020202020204" pitchFamily="34" charset="0"/>
+              <a:cs typeface="Arial" panose="020B0604020202020204" pitchFamily="34" charset="0"/>
+            </a:endParaRPr>
+          </a:p>
+          <a:p>
+            <a:pPr marL="742950" lvl="1" indent="-285750">
+              <a:buFont typeface="Wingdings" panose="05000000000000000000" pitchFamily="2" charset="2"/>
+              <a:buChar char="v"/>
+            </a:pPr>
+            <a:r>
+              <a:rPr lang="en-US" dirty="0">
+                <a:latin typeface="Arial" panose="020B0604020202020204" pitchFamily="34" charset="0"/>
+                <a:cs typeface="Arial" panose="020B0604020202020204" pitchFamily="34" charset="0"/>
+              </a:rPr>
+              <a:t>Panacea: regular expressions </a:t>
+            </a:r>
+          </a:p>
+          <a:p>
+            <a:pPr marL="742950" lvl="1" indent="-285750">
+              <a:buFont typeface="Arial" panose="020B0604020202020204" pitchFamily="34" charset="0"/>
+              <a:buChar char="•"/>
+            </a:pPr>
+            <a:endParaRPr lang="en-US" dirty="0">
+              <a:latin typeface="Arial" panose="020B0604020202020204" pitchFamily="34" charset="0"/>
+              <a:cs typeface="Arial" panose="020B0604020202020204" pitchFamily="34" charset="0"/>
+            </a:endParaRPr>
+          </a:p>
+          <a:p>
+            <a:pPr marL="285750" indent="-285750">
+              <a:buFont typeface="Arial" panose="020B0604020202020204" pitchFamily="34" charset="0"/>
+              <a:buChar char="•"/>
+            </a:pPr>
+            <a:r>
+              <a:rPr lang="en-US" dirty="0">
+                <a:latin typeface="Arial" panose="020B0604020202020204" pitchFamily="34" charset="0"/>
+                <a:cs typeface="Arial" panose="020B0604020202020204" pitchFamily="34" charset="0"/>
+              </a:rPr>
+              <a:t>Know how to “inspect element” or “view page source”</a:t>
+            </a:r>
+          </a:p>
+        </p:txBody>
+      </p:sp>
+      <p:pic>
+        <p:nvPicPr>
+          <p:cNvPr id="3" name="Picture 2">
+            <a:extLst>
+              <a:ext uri="{FF2B5EF4-FFF2-40B4-BE49-F238E27FC236}">
+                <a16:creationId xmlns:a16="http://schemas.microsoft.com/office/drawing/2014/main" id="{5069E616-0181-41E0-A5FD-DC2A95593266}"/>
+              </a:ext>
+            </a:extLst>
+          </p:cNvPr>
+          <p:cNvPicPr>
+            <a:picLocks noChangeAspect="1"/>
+          </p:cNvPicPr>
+          <p:nvPr/>
+        </p:nvPicPr>
+        <p:blipFill>
+          <a:blip r:embed="rId6"/>
+          <a:stretch>
+            <a:fillRect/>
+          </a:stretch>
+        </p:blipFill>
+        <p:spPr>
+          <a:xfrm>
+            <a:off x="1190016" y="3684479"/>
+            <a:ext cx="4811950" cy="2594874"/>
+          </a:xfrm>
+          <a:prstGeom prst="rect">
+            <a:avLst/>
+          </a:prstGeom>
+        </p:spPr>
+      </p:pic>
+    </p:spTree>
+    <p:extLst>
+      <p:ext uri="{BB962C8B-B14F-4D97-AF65-F5344CB8AC3E}">
+        <p14:creationId xmlns:p14="http://schemas.microsoft.com/office/powerpoint/2010/main" val="1471357313"/>
+      </p:ext>
+    </p:extLst>
+  </p:cSld>
+  <p:clrMapOvr>
+    <a:masterClrMapping/>
+  </p:clrMapOvr>
+</p:sld>
+</file>
+
+<file path=ppt/slides/slide18.xml><?xml version="1.0" encoding="utf-8"?>
+<p:sld xmlns:a="http://schemas.openxmlformats.org/drawingml/2006/main" xmlns:r="http://schemas.openxmlformats.org/officeDocument/2006/relationships" xmlns:p="http://schemas.openxmlformats.org/presentationml/2006/main">
+  <p:cSld>
+    <p:spTree>
+      <p:nvGrpSpPr>
+        <p:cNvPr id="1" name=""/>
+        <p:cNvGrpSpPr/>
+        <p:nvPr/>
+      </p:nvGrpSpPr>
+      <p:grpSpPr>
+        <a:xfrm>
+          <a:off x="0" y="0"/>
+          <a:ext cx="0" cy="0"/>
+          <a:chOff x="0" y="0"/>
+          <a:chExt cx="0" cy="0"/>
+        </a:xfrm>
+      </p:grpSpPr>
+      <p:sp>
+        <p:nvSpPr>
           <p:cNvPr id="4" name="PA-SlideNumberPlaceholder 3"/>
           <p:cNvSpPr>
             <a:spLocks noGrp="1"/>
@@ -21313,7 +22166,7 @@
             <a:fld id="{0499C290-51E0-41BB-9934-58A3D372F678}" type="slidenum">
               <a:rPr lang="en-US" smtClean="0"/>
               <a:pPr/>
-              <a:t>17</a:t>
+              <a:t>18</a:t>
             </a:fld>
             <a:endParaRPr lang="en-US"/>
           </a:p>
@@ -21613,380 +22466,6 @@
     <p:extLst>
       <p:ext uri="{BB962C8B-B14F-4D97-AF65-F5344CB8AC3E}">
         <p14:creationId xmlns:p14="http://schemas.microsoft.com/office/powerpoint/2010/main" val="2734681574"/>
-      </p:ext>
-    </p:extLst>
-  </p:cSld>
-  <p:clrMapOvr>
-    <a:masterClrMapping/>
-  </p:clrMapOvr>
-</p:sld>
-</file>
-
-<file path=ppt/slides/slide18.xml><?xml version="1.0" encoding="utf-8"?>
-<p:sld xmlns:a="http://schemas.openxmlformats.org/drawingml/2006/main" xmlns:r="http://schemas.openxmlformats.org/officeDocument/2006/relationships" xmlns:p="http://schemas.openxmlformats.org/presentationml/2006/main">
-  <p:cSld>
-    <p:spTree>
-      <p:nvGrpSpPr>
-        <p:cNvPr id="1" name=""/>
-        <p:cNvGrpSpPr/>
-        <p:nvPr/>
-      </p:nvGrpSpPr>
-      <p:grpSpPr>
-        <a:xfrm>
-          <a:off x="0" y="0"/>
-          <a:ext cx="0" cy="0"/>
-          <a:chOff x="0" y="0"/>
-          <a:chExt cx="0" cy="0"/>
-        </a:xfrm>
-      </p:grpSpPr>
-      <p:sp>
-        <p:nvSpPr>
-          <p:cNvPr id="2" name="PA-标题 1"/>
-          <p:cNvSpPr>
-            <a:spLocks noGrp="1"/>
-          </p:cNvSpPr>
-          <p:nvPr>
-            <p:ph type="title"/>
-            <p:custDataLst>
-              <p:tags r:id="rId1"/>
-            </p:custDataLst>
-          </p:nvPr>
-        </p:nvSpPr>
-        <p:spPr>
-          <a:xfrm>
-            <a:off x="914400" y="191664"/>
-            <a:ext cx="10363200" cy="369332"/>
-          </a:xfrm>
-        </p:spPr>
-        <p:txBody>
-          <a:bodyPr>
-            <a:spAutoFit/>
-          </a:bodyPr>
-          <a:lstStyle/>
-          <a:p>
-            <a:r>
-              <a:rPr lang="en-US" altLang="zh-CN" dirty="0"/>
-              <a:t>Suggestions on Learning Web-scraping</a:t>
-            </a:r>
-            <a:endParaRPr lang="en-US" dirty="0"/>
-          </a:p>
-        </p:txBody>
-      </p:sp>
-      <p:sp>
-        <p:nvSpPr>
-          <p:cNvPr id="4" name="PA-SlideNumberPlaceholder 3"/>
-          <p:cNvSpPr>
-            <a:spLocks noGrp="1"/>
-          </p:cNvSpPr>
-          <p:nvPr>
-            <p:ph type="sldNum" sz="quarter" idx="12"/>
-            <p:custDataLst>
-              <p:tags r:id="rId2"/>
-            </p:custDataLst>
-          </p:nvPr>
-        </p:nvSpPr>
-        <p:spPr/>
-        <p:txBody>
-          <a:bodyPr/>
-          <a:lstStyle/>
-          <a:p>
-            <a:fld id="{0499C290-51E0-41BB-9934-58A3D372F678}" type="slidenum">
-              <a:rPr lang="en-US" smtClean="0"/>
-              <a:pPr/>
-              <a:t>18</a:t>
-            </a:fld>
-            <a:endParaRPr lang="en-US"/>
-          </a:p>
-        </p:txBody>
-      </p:sp>
-      <p:sp>
-        <p:nvSpPr>
-          <p:cNvPr id="6" name="PA-文本框 5">
-            <a:extLst>
-              <a:ext uri="{FF2B5EF4-FFF2-40B4-BE49-F238E27FC236}">
-                <a16:creationId xmlns:a16="http://schemas.microsoft.com/office/drawing/2014/main" id="{27BB94A3-4C57-43D9-8E70-5C639606E243}"/>
-              </a:ext>
-            </a:extLst>
-          </p:cNvPr>
-          <p:cNvSpPr txBox="1"/>
-          <p:nvPr>
-            <p:custDataLst>
-              <p:tags r:id="rId3"/>
-            </p:custDataLst>
-          </p:nvPr>
-        </p:nvSpPr>
-        <p:spPr>
-          <a:xfrm>
-            <a:off x="685800" y="6547745"/>
-            <a:ext cx="4572000" cy="307777"/>
-          </a:xfrm>
-          <a:prstGeom prst="rect">
-            <a:avLst/>
-          </a:prstGeom>
-          <a:noFill/>
-        </p:spPr>
-        <p:txBody>
-          <a:bodyPr wrap="square" rtlCol="0">
-            <a:spAutoFit/>
-          </a:bodyPr>
-          <a:lstStyle/>
-          <a:p>
-            <a:pPr algn="ctr"/>
-            <a:r>
-              <a:rPr lang="en-US" sz="1400" b="1" spc="100" dirty="0">
-                <a:solidFill>
-                  <a:schemeClr val="bg1"/>
-                </a:solidFill>
-                <a:latin typeface="Arial" pitchFamily="34" charset="0"/>
-                <a:cs typeface="Arial" pitchFamily="34" charset="0"/>
-              </a:rPr>
-              <a:t>Suggestions</a:t>
-            </a:r>
-          </a:p>
-        </p:txBody>
-      </p:sp>
-      <p:sp>
-        <p:nvSpPr>
-          <p:cNvPr id="5" name="Rectangle 4">
-            <a:extLst>
-              <a:ext uri="{FF2B5EF4-FFF2-40B4-BE49-F238E27FC236}">
-                <a16:creationId xmlns:a16="http://schemas.microsoft.com/office/drawing/2014/main" id="{DBBE5857-66D3-4FA7-8FB0-7AEBB8BB11CB}"/>
-              </a:ext>
-            </a:extLst>
-          </p:cNvPr>
-          <p:cNvSpPr/>
-          <p:nvPr/>
-        </p:nvSpPr>
-        <p:spPr>
-          <a:xfrm>
-            <a:off x="914400" y="802448"/>
-            <a:ext cx="10231877" cy="5909823"/>
-          </a:xfrm>
-          <a:prstGeom prst="rect">
-            <a:avLst/>
-          </a:prstGeom>
-        </p:spPr>
-        <p:txBody>
-          <a:bodyPr wrap="square">
-            <a:spAutoFit/>
-          </a:bodyPr>
-          <a:lstStyle/>
-          <a:p>
-            <a:pPr marL="285750" indent="-285750">
-              <a:lnSpc>
-                <a:spcPts val="2400"/>
-              </a:lnSpc>
-              <a:buFont typeface="Arial" panose="020B0604020202020204" pitchFamily="34" charset="0"/>
-              <a:buChar char="•"/>
-            </a:pPr>
-            <a:r>
-              <a:rPr lang="en-US" dirty="0">
-                <a:latin typeface="Arial" panose="020B0604020202020204" pitchFamily="34" charset="0"/>
-                <a:cs typeface="Arial" panose="020B0604020202020204" pitchFamily="34" charset="0"/>
-              </a:rPr>
-              <a:t>Focus on “know-how”, just like swimming, cooking</a:t>
-            </a:r>
-          </a:p>
-          <a:p>
-            <a:pPr marL="742950" lvl="1" indent="-285750">
-              <a:lnSpc>
-                <a:spcPts val="2400"/>
-              </a:lnSpc>
-              <a:buFont typeface="Arial" panose="020B0604020202020204" pitchFamily="34" charset="0"/>
-              <a:buChar char="•"/>
-            </a:pPr>
-            <a:r>
-              <a:rPr lang="en-US" dirty="0">
-                <a:latin typeface="Arial" panose="020B0604020202020204" pitchFamily="34" charset="0"/>
-                <a:cs typeface="Arial" panose="020B0604020202020204" pitchFamily="34" charset="0"/>
-              </a:rPr>
-              <a:t>Tacit knowledge</a:t>
-            </a:r>
-          </a:p>
-          <a:p>
-            <a:pPr marL="742950" lvl="1" indent="-285750">
-              <a:lnSpc>
-                <a:spcPts val="2400"/>
-              </a:lnSpc>
-              <a:buFont typeface="Arial" panose="020B0604020202020204" pitchFamily="34" charset="0"/>
-              <a:buChar char="•"/>
-            </a:pPr>
-            <a:r>
-              <a:rPr lang="en-US" dirty="0">
-                <a:latin typeface="Arial" panose="020B0604020202020204" pitchFamily="34" charset="0"/>
-                <a:cs typeface="Arial" panose="020B0604020202020204" pitchFamily="34" charset="0"/>
-              </a:rPr>
-              <a:t>Do not be afraid of a new language. Web-scraping is a good start point for learning Python. It can help you be familiar with most commonly used Python syntax such as list, dictionary, loops, etc. You may enjoy a great achievement when web-scraping. Then you may use these skills for data analytics such as data visualization and machine learning. Python is a necessary language you need to know for data science in industry, and could even be the most important programming language for business students.</a:t>
-            </a:r>
-          </a:p>
-          <a:p>
-            <a:pPr marL="285750" indent="-285750">
-              <a:lnSpc>
-                <a:spcPts val="2400"/>
-              </a:lnSpc>
-              <a:buFont typeface="Arial" panose="020B0604020202020204" pitchFamily="34" charset="0"/>
-              <a:buChar char="•"/>
-            </a:pPr>
-            <a:r>
-              <a:rPr lang="en-US" dirty="0">
-                <a:latin typeface="Arial" panose="020B0604020202020204" pitchFamily="34" charset="0"/>
-                <a:cs typeface="Arial" panose="020B0604020202020204" pitchFamily="34" charset="0"/>
-              </a:rPr>
-              <a:t>Following concrete examples</a:t>
-            </a:r>
-          </a:p>
-          <a:p>
-            <a:pPr marL="742950" lvl="1" indent="-285750">
-              <a:lnSpc>
-                <a:spcPts val="2400"/>
-              </a:lnSpc>
-              <a:buFont typeface="Arial" panose="020B0604020202020204" pitchFamily="34" charset="0"/>
-              <a:buChar char="•"/>
-            </a:pPr>
-            <a:r>
-              <a:rPr lang="en-US" dirty="0">
-                <a:latin typeface="Arial" panose="020B0604020202020204" pitchFamily="34" charset="0"/>
-                <a:cs typeface="Arial" panose="020B0604020202020204" pitchFamily="34" charset="0"/>
-              </a:rPr>
-              <a:t>Online material: Google YouTube video</a:t>
-            </a:r>
-          </a:p>
-          <a:p>
-            <a:pPr marL="742950" lvl="1" indent="-285750">
-              <a:lnSpc>
-                <a:spcPts val="2400"/>
-              </a:lnSpc>
-              <a:buFont typeface="Arial" panose="020B0604020202020204" pitchFamily="34" charset="0"/>
-              <a:buChar char="•"/>
-            </a:pPr>
-            <a:r>
-              <a:rPr lang="en-US" dirty="0">
-                <a:latin typeface="Arial" panose="020B0604020202020204" pitchFamily="34" charset="0"/>
-                <a:cs typeface="Arial" panose="020B0604020202020204" pitchFamily="34" charset="0"/>
-              </a:rPr>
-              <a:t>Textbook</a:t>
-            </a:r>
-          </a:p>
-          <a:p>
-            <a:pPr marL="742950" lvl="1" indent="-285750">
-              <a:lnSpc>
-                <a:spcPts val="2400"/>
-              </a:lnSpc>
-              <a:buFont typeface="Arial" panose="020B0604020202020204" pitchFamily="34" charset="0"/>
-              <a:buChar char="•"/>
-            </a:pPr>
-            <a:r>
-              <a:rPr lang="en-US" dirty="0">
-                <a:latin typeface="Arial" panose="020B0604020202020204" pitchFamily="34" charset="0"/>
-                <a:cs typeface="Arial" panose="020B0604020202020204" pitchFamily="34" charset="0"/>
-              </a:rPr>
-              <a:t>Instructor </a:t>
-            </a:r>
-          </a:p>
-          <a:p>
-            <a:pPr marL="285750" indent="-285750">
-              <a:lnSpc>
-                <a:spcPts val="2400"/>
-              </a:lnSpc>
-              <a:buFont typeface="Arial" panose="020B0604020202020204" pitchFamily="34" charset="0"/>
-              <a:buChar char="•"/>
-            </a:pPr>
-            <a:r>
-              <a:rPr lang="en-US" dirty="0">
-                <a:latin typeface="Arial" panose="020B0604020202020204" pitchFamily="34" charset="0"/>
-                <a:cs typeface="Arial" panose="020B0604020202020204" pitchFamily="34" charset="0"/>
-              </a:rPr>
-              <a:t>Do not waste your time on learning p</a:t>
-            </a:r>
-            <a:r>
-              <a:rPr lang="en-US" altLang="zh-CN" dirty="0">
-                <a:latin typeface="Arial" panose="020B0604020202020204" pitchFamily="34" charset="0"/>
-                <a:cs typeface="Arial" panose="020B0604020202020204" pitchFamily="34" charset="0"/>
-              </a:rPr>
-              <a:t>rerequisites</a:t>
-            </a:r>
-          </a:p>
-          <a:p>
-            <a:pPr marL="742950" lvl="1" indent="-285750">
-              <a:lnSpc>
-                <a:spcPts val="2400"/>
-              </a:lnSpc>
-              <a:buFont typeface="Arial" panose="020B0604020202020204" pitchFamily="34" charset="0"/>
-              <a:buChar char="•"/>
-            </a:pPr>
-            <a:r>
-              <a:rPr lang="en-US" dirty="0">
-                <a:latin typeface="Arial" panose="020B0604020202020204" pitchFamily="34" charset="0"/>
-                <a:cs typeface="Arial" panose="020B0604020202020204" pitchFamily="34" charset="0"/>
-              </a:rPr>
-              <a:t>Directly start to write codes</a:t>
-            </a:r>
-          </a:p>
-          <a:p>
-            <a:pPr marL="742950" lvl="1" indent="-285750">
-              <a:lnSpc>
-                <a:spcPts val="2400"/>
-              </a:lnSpc>
-              <a:buFont typeface="Arial" panose="020B0604020202020204" pitchFamily="34" charset="0"/>
-              <a:buChar char="•"/>
-            </a:pPr>
-            <a:r>
-              <a:rPr lang="en-US" dirty="0">
-                <a:latin typeface="Arial" panose="020B0604020202020204" pitchFamily="34" charset="0"/>
-                <a:cs typeface="Arial" panose="020B0604020202020204" pitchFamily="34" charset="0"/>
-              </a:rPr>
-              <a:t>Follow one example and try to understand the meaning of codes and write your own codes for a </a:t>
-            </a:r>
-            <a:r>
-              <a:rPr lang="en-US" i="1" dirty="0">
-                <a:latin typeface="Arial" panose="020B0604020202020204" pitchFamily="34" charset="0"/>
-                <a:cs typeface="Arial" panose="020B0604020202020204" pitchFamily="34" charset="0"/>
-              </a:rPr>
-              <a:t>similar</a:t>
-            </a:r>
-            <a:r>
-              <a:rPr lang="en-US" dirty="0">
-                <a:latin typeface="Arial" panose="020B0604020202020204" pitchFamily="34" charset="0"/>
-                <a:cs typeface="Arial" panose="020B0604020202020204" pitchFamily="34" charset="0"/>
-              </a:rPr>
-              <a:t> website.</a:t>
-            </a:r>
-          </a:p>
-          <a:p>
-            <a:pPr marL="742950" lvl="1" indent="-285750">
-              <a:lnSpc>
-                <a:spcPts val="2400"/>
-              </a:lnSpc>
-              <a:buFont typeface="Arial" panose="020B0604020202020204" pitchFamily="34" charset="0"/>
-              <a:buChar char="•"/>
-            </a:pPr>
-            <a:r>
-              <a:rPr lang="en-US" dirty="0">
-                <a:latin typeface="Arial" panose="020B0604020202020204" pitchFamily="34" charset="0"/>
-                <a:cs typeface="Arial" panose="020B0604020202020204" pitchFamily="34" charset="0"/>
-              </a:rPr>
-              <a:t>Once you get familiar with all these examples, you may move on to more complicated contexts.</a:t>
-            </a:r>
-          </a:p>
-          <a:p>
-            <a:pPr marL="285750" indent="-285750">
-              <a:lnSpc>
-                <a:spcPts val="2400"/>
-              </a:lnSpc>
-              <a:buFont typeface="Arial" panose="020B0604020202020204" pitchFamily="34" charset="0"/>
-              <a:buChar char="•"/>
-            </a:pPr>
-            <a:endParaRPr lang="en-US" sz="1600" dirty="0">
-              <a:latin typeface="Arial" panose="020B0604020202020204" pitchFamily="34" charset="0"/>
-              <a:cs typeface="Arial" panose="020B0604020202020204" pitchFamily="34" charset="0"/>
-            </a:endParaRPr>
-          </a:p>
-        </p:txBody>
-      </p:sp>
-    </p:spTree>
-    <p:extLst>
-      <p:ext uri="{BB962C8B-B14F-4D97-AF65-F5344CB8AC3E}">
-        <p14:creationId xmlns:p14="http://schemas.microsoft.com/office/powerpoint/2010/main" val="2813681073"/>
       </p:ext>
     </p:extLst>
   </p:cSld>
@@ -22040,7 +22519,7 @@
           <a:p>
             <a:r>
               <a:rPr lang="en-US" altLang="zh-CN" dirty="0"/>
-              <a:t>Prerequisites of Web-scraping</a:t>
+              <a:t>Suggestions on Learning Web-scraping</a:t>
             </a:r>
             <a:endParaRPr lang="en-US" dirty="0"/>
           </a:p>
@@ -22133,8 +22612,8 @@
         </p:nvSpPr>
         <p:spPr>
           <a:xfrm>
-            <a:off x="1190016" y="792656"/>
-            <a:ext cx="8761379" cy="2862322"/>
+            <a:off x="914400" y="802448"/>
+            <a:ext cx="10231877" cy="5909823"/>
           </a:xfrm>
           <a:prstGeom prst="rect">
             <a:avLst/>
@@ -22147,6 +22626,9 @@
           <a:lstStyle/>
           <a:p>
             <a:pPr marL="285750" indent="-285750">
+              <a:lnSpc>
+                <a:spcPts val="2400"/>
+              </a:lnSpc>
               <a:buFont typeface="Arial" panose="020B0604020202020204" pitchFamily="34" charset="0"/>
               <a:buChar char="•"/>
             </a:pPr>
@@ -22155,178 +22637,209 @@
                 <a:latin typeface="Arial" panose="020B0604020202020204" pitchFamily="34" charset="0"/>
                 <a:cs typeface="Arial" panose="020B0604020202020204" pitchFamily="34" charset="0"/>
               </a:rPr>
-              <a:t>Knowledge about webpage</a:t>
+              <a:t>Focus on “know-how”, just like swimming, cooking</a:t>
             </a:r>
           </a:p>
           <a:p>
             <a:pPr marL="742950" lvl="1" indent="-285750">
+              <a:lnSpc>
+                <a:spcPts val="2400"/>
+              </a:lnSpc>
               <a:buFont typeface="Arial" panose="020B0604020202020204" pitchFamily="34" charset="0"/>
               <a:buChar char="•"/>
             </a:pPr>
             <a:r>
-              <a:rPr lang="en-US" altLang="zh-CN" b="0" i="0" dirty="0">
-                <a:effectLst/>
+              <a:rPr lang="en-US" dirty="0">
                 <a:latin typeface="Arial" panose="020B0604020202020204" pitchFamily="34" charset="0"/>
                 <a:cs typeface="Arial" panose="020B0604020202020204" pitchFamily="34" charset="0"/>
               </a:rPr>
-              <a:t>HTLM, CSS, JS</a:t>
-            </a:r>
-            <a:endParaRPr lang="en-US" b="0" i="0" dirty="0">
-              <a:effectLst/>
+              <a:t>Tacit knowledge</a:t>
+            </a:r>
+          </a:p>
+          <a:p>
+            <a:pPr marL="742950" lvl="1" indent="-285750">
+              <a:lnSpc>
+                <a:spcPts val="2400"/>
+              </a:lnSpc>
+              <a:buFont typeface="Arial" panose="020B0604020202020204" pitchFamily="34" charset="0"/>
+              <a:buChar char="•"/>
+            </a:pPr>
+            <a:r>
+              <a:rPr lang="en-US" dirty="0">
+                <a:latin typeface="Arial" panose="020B0604020202020204" pitchFamily="34" charset="0"/>
+                <a:cs typeface="Arial" panose="020B0604020202020204" pitchFamily="34" charset="0"/>
+              </a:rPr>
+              <a:t>Do not be afraid of a new language. Web-scraping is a good start point for learning Python. It can help you be familiar with most commonly used Python syntax such as list, dictionary, loops, etc. You may enjoy a great achievement when web-scraping. Then you may use these skills for data analytics such as data visualization and machine learning. Python is a necessary language you need to know for data science in industry, and could even be the most important programming language for business students.</a:t>
+            </a:r>
+          </a:p>
+          <a:p>
+            <a:pPr marL="285750" indent="-285750">
+              <a:lnSpc>
+                <a:spcPts val="2400"/>
+              </a:lnSpc>
+              <a:buFont typeface="Arial" panose="020B0604020202020204" pitchFamily="34" charset="0"/>
+              <a:buChar char="•"/>
+            </a:pPr>
+            <a:r>
+              <a:rPr lang="en-US" dirty="0">
+                <a:latin typeface="Arial" panose="020B0604020202020204" pitchFamily="34" charset="0"/>
+                <a:cs typeface="Arial" panose="020B0604020202020204" pitchFamily="34" charset="0"/>
+              </a:rPr>
+              <a:t>Following concrete examples</a:t>
+            </a:r>
+          </a:p>
+          <a:p>
+            <a:pPr marL="742950" lvl="1" indent="-285750">
+              <a:lnSpc>
+                <a:spcPts val="2400"/>
+              </a:lnSpc>
+              <a:buFont typeface="Arial" panose="020B0604020202020204" pitchFamily="34" charset="0"/>
+              <a:buChar char="•"/>
+            </a:pPr>
+            <a:r>
+              <a:rPr lang="en-US" dirty="0">
+                <a:latin typeface="Arial" panose="020B0604020202020204" pitchFamily="34" charset="0"/>
+                <a:cs typeface="Arial" panose="020B0604020202020204" pitchFamily="34" charset="0"/>
+              </a:rPr>
+              <a:t>Online material: Google YouTube video</a:t>
+            </a:r>
+          </a:p>
+          <a:p>
+            <a:pPr marL="742950" lvl="1" indent="-285750">
+              <a:lnSpc>
+                <a:spcPts val="2400"/>
+              </a:lnSpc>
+              <a:buFont typeface="Arial" panose="020B0604020202020204" pitchFamily="34" charset="0"/>
+              <a:buChar char="•"/>
+            </a:pPr>
+            <a:r>
+              <a:rPr lang="en-US" dirty="0">
+                <a:latin typeface="Arial" panose="020B0604020202020204" pitchFamily="34" charset="0"/>
+                <a:cs typeface="Arial" panose="020B0604020202020204" pitchFamily="34" charset="0"/>
+              </a:rPr>
+              <a:t>Textbook</a:t>
+            </a:r>
+          </a:p>
+          <a:p>
+            <a:pPr marL="742950" lvl="1" indent="-285750">
+              <a:lnSpc>
+                <a:spcPts val="2400"/>
+              </a:lnSpc>
+              <a:buFont typeface="Arial" panose="020B0604020202020204" pitchFamily="34" charset="0"/>
+              <a:buChar char="•"/>
+            </a:pPr>
+            <a:r>
+              <a:rPr lang="en-US" dirty="0">
+                <a:latin typeface="Arial" panose="020B0604020202020204" pitchFamily="34" charset="0"/>
+                <a:cs typeface="Arial" panose="020B0604020202020204" pitchFamily="34" charset="0"/>
+              </a:rPr>
+              <a:t>Instructor </a:t>
+            </a:r>
+          </a:p>
+          <a:p>
+            <a:pPr marL="285750" indent="-285750">
+              <a:lnSpc>
+                <a:spcPts val="2400"/>
+              </a:lnSpc>
+              <a:buFont typeface="Arial" panose="020B0604020202020204" pitchFamily="34" charset="0"/>
+              <a:buChar char="•"/>
+            </a:pPr>
+            <a:r>
+              <a:rPr lang="en-US" dirty="0">
+                <a:latin typeface="Arial" panose="020B0604020202020204" pitchFamily="34" charset="0"/>
+                <a:cs typeface="Arial" panose="020B0604020202020204" pitchFamily="34" charset="0"/>
+              </a:rPr>
+              <a:t>Do not waste your time on learning p</a:t>
+            </a:r>
+            <a:r>
+              <a:rPr lang="en-US" altLang="zh-CN" dirty="0">
+                <a:latin typeface="Arial" panose="020B0604020202020204" pitchFamily="34" charset="0"/>
+                <a:cs typeface="Arial" panose="020B0604020202020204" pitchFamily="34" charset="0"/>
+              </a:rPr>
+              <a:t>rerequisites</a:t>
+            </a:r>
+          </a:p>
+          <a:p>
+            <a:pPr marL="742950" lvl="1" indent="-285750">
+              <a:lnSpc>
+                <a:spcPts val="2400"/>
+              </a:lnSpc>
+              <a:buFont typeface="Arial" panose="020B0604020202020204" pitchFamily="34" charset="0"/>
+              <a:buChar char="•"/>
+            </a:pPr>
+            <a:r>
+              <a:rPr lang="en-US" dirty="0">
+                <a:latin typeface="Arial" panose="020B0604020202020204" pitchFamily="34" charset="0"/>
+                <a:cs typeface="Arial" panose="020B0604020202020204" pitchFamily="34" charset="0"/>
+              </a:rPr>
+              <a:t>Directly start to write codes</a:t>
+            </a:r>
+          </a:p>
+          <a:p>
+            <a:pPr marL="742950" lvl="1" indent="-285750">
+              <a:lnSpc>
+                <a:spcPts val="2400"/>
+              </a:lnSpc>
+              <a:buFont typeface="Arial" panose="020B0604020202020204" pitchFamily="34" charset="0"/>
+              <a:buChar char="•"/>
+            </a:pPr>
+            <a:r>
+              <a:rPr lang="en-US" dirty="0">
+                <a:latin typeface="Arial" panose="020B0604020202020204" pitchFamily="34" charset="0"/>
+                <a:cs typeface="Arial" panose="020B0604020202020204" pitchFamily="34" charset="0"/>
+              </a:rPr>
+              <a:t>Follow one example and try to understand the meaning of codes and write your own codes for a </a:t>
+            </a:r>
+            <a:r>
+              <a:rPr lang="en-US" i="1" dirty="0">
+                <a:latin typeface="Arial" panose="020B0604020202020204" pitchFamily="34" charset="0"/>
+                <a:cs typeface="Arial" panose="020B0604020202020204" pitchFamily="34" charset="0"/>
+              </a:rPr>
+              <a:t>similar</a:t>
+            </a:r>
+            <a:r>
+              <a:rPr lang="en-US" dirty="0">
+                <a:latin typeface="Arial" panose="020B0604020202020204" pitchFamily="34" charset="0"/>
+                <a:cs typeface="Arial" panose="020B0604020202020204" pitchFamily="34" charset="0"/>
+              </a:rPr>
+              <a:t> website.</a:t>
+            </a:r>
+          </a:p>
+          <a:p>
+            <a:pPr marL="742950" lvl="1" indent="-285750">
+              <a:lnSpc>
+                <a:spcPts val="2400"/>
+              </a:lnSpc>
+              <a:buFont typeface="Arial" panose="020B0604020202020204" pitchFamily="34" charset="0"/>
+              <a:buChar char="•"/>
+            </a:pPr>
+            <a:r>
+              <a:rPr lang="en-US" dirty="0">
+                <a:latin typeface="Arial" panose="020B0604020202020204" pitchFamily="34" charset="0"/>
+                <a:cs typeface="Arial" panose="020B0604020202020204" pitchFamily="34" charset="0"/>
+              </a:rPr>
+              <a:t>Once you get familiar with all these examples, you may move on to more complicated contexts.</a:t>
+            </a:r>
+          </a:p>
+          <a:p>
+            <a:pPr marL="285750" indent="-285750">
+              <a:lnSpc>
+                <a:spcPts val="2400"/>
+              </a:lnSpc>
+              <a:buFont typeface="Arial" panose="020B0604020202020204" pitchFamily="34" charset="0"/>
+              <a:buChar char="•"/>
+            </a:pPr>
+            <a:endParaRPr lang="en-US" sz="1600" dirty="0">
               <a:latin typeface="Arial" panose="020B0604020202020204" pitchFamily="34" charset="0"/>
               <a:cs typeface="Arial" panose="020B0604020202020204" pitchFamily="34" charset="0"/>
             </a:endParaRPr>
           </a:p>
-          <a:p>
-            <a:pPr marL="285750" indent="-285750">
-              <a:buFont typeface="Arial" panose="020B0604020202020204" pitchFamily="34" charset="0"/>
-              <a:buChar char="•"/>
-            </a:pPr>
-            <a:r>
-              <a:rPr lang="en-US" dirty="0">
-                <a:latin typeface="Arial" panose="020B0604020202020204" pitchFamily="34" charset="0"/>
-                <a:cs typeface="Arial" panose="020B0604020202020204" pitchFamily="34" charset="0"/>
-              </a:rPr>
-              <a:t>A Programming Language </a:t>
-            </a:r>
-          </a:p>
-          <a:p>
-            <a:pPr marL="742950" lvl="1" indent="-285750">
-              <a:buFont typeface="Wingdings" panose="05000000000000000000" pitchFamily="2" charset="2"/>
-              <a:buChar char="v"/>
-            </a:pPr>
-            <a:r>
-              <a:rPr lang="en-US" dirty="0">
-                <a:latin typeface="Arial" panose="020B0604020202020204" pitchFamily="34" charset="0"/>
-                <a:cs typeface="Arial" panose="020B0604020202020204" pitchFamily="34" charset="0"/>
-              </a:rPr>
-              <a:t>Python is highly recommended: highly-evolved web scraping libraries such as </a:t>
-            </a:r>
-            <a:r>
-              <a:rPr lang="en-US" dirty="0" err="1">
-                <a:latin typeface="Arial" panose="020B0604020202020204" pitchFamily="34" charset="0"/>
-                <a:cs typeface="Arial" panose="020B0604020202020204" pitchFamily="34" charset="0"/>
-              </a:rPr>
-              <a:t>Scrapy</a:t>
-            </a:r>
-            <a:r>
-              <a:rPr lang="en-US" dirty="0">
-                <a:latin typeface="Arial" panose="020B0604020202020204" pitchFamily="34" charset="0"/>
-                <a:cs typeface="Arial" panose="020B0604020202020204" pitchFamily="34" charset="0"/>
-              </a:rPr>
-              <a:t> and Beautiful Soup make Python the best language for web scraping.</a:t>
-            </a:r>
-          </a:p>
-          <a:p>
-            <a:pPr marL="742950" lvl="1" indent="-285750">
-              <a:buFont typeface="Wingdings" panose="05000000000000000000" pitchFamily="2" charset="2"/>
-              <a:buChar char="v"/>
-            </a:pPr>
-            <a:r>
-              <a:rPr lang="en-US" dirty="0">
-                <a:latin typeface="Arial" panose="020B0604020202020204" pitchFamily="34" charset="0"/>
-                <a:cs typeface="Arial" panose="020B0604020202020204" pitchFamily="34" charset="0"/>
-              </a:rPr>
-              <a:t>Libraries: requests, </a:t>
-            </a:r>
-            <a:r>
-              <a:rPr lang="en-US" dirty="0" err="1">
-                <a:latin typeface="Arial" panose="020B0604020202020204" pitchFamily="34" charset="0"/>
-                <a:cs typeface="Arial" panose="020B0604020202020204" pitchFamily="34" charset="0"/>
-              </a:rPr>
-              <a:t>BeautifulSoup</a:t>
-            </a:r>
-            <a:r>
-              <a:rPr lang="en-US" dirty="0">
-                <a:latin typeface="Arial" panose="020B0604020202020204" pitchFamily="34" charset="0"/>
-                <a:cs typeface="Arial" panose="020B0604020202020204" pitchFamily="34" charset="0"/>
-              </a:rPr>
-              <a:t>, </a:t>
-            </a:r>
-            <a:r>
-              <a:rPr lang="en-US" dirty="0" err="1">
-                <a:latin typeface="Arial" panose="020B0604020202020204" pitchFamily="34" charset="0"/>
-                <a:cs typeface="Arial" panose="020B0604020202020204" pitchFamily="34" charset="0"/>
-              </a:rPr>
-              <a:t>scrapy</a:t>
-            </a:r>
-            <a:endParaRPr lang="en-US" dirty="0">
-              <a:latin typeface="Arial" panose="020B0604020202020204" pitchFamily="34" charset="0"/>
-              <a:cs typeface="Arial" panose="020B0604020202020204" pitchFamily="34" charset="0"/>
-            </a:endParaRPr>
-          </a:p>
-          <a:p>
-            <a:pPr marL="742950" lvl="1" indent="-285750">
-              <a:buFont typeface="Wingdings" panose="05000000000000000000" pitchFamily="2" charset="2"/>
-              <a:buChar char="v"/>
-            </a:pPr>
-            <a:r>
-              <a:rPr lang="en-US" dirty="0">
-                <a:latin typeface="Arial" panose="020B0604020202020204" pitchFamily="34" charset="0"/>
-                <a:cs typeface="Arial" panose="020B0604020202020204" pitchFamily="34" charset="0"/>
-              </a:rPr>
-              <a:t>Panacea: regular expressions </a:t>
-            </a:r>
-          </a:p>
-          <a:p>
-            <a:pPr marL="742950" lvl="1" indent="-285750">
-              <a:buFont typeface="Arial" panose="020B0604020202020204" pitchFamily="34" charset="0"/>
-              <a:buChar char="•"/>
-            </a:pPr>
-            <a:endParaRPr lang="en-US" dirty="0">
-              <a:latin typeface="Arial" panose="020B0604020202020204" pitchFamily="34" charset="0"/>
-              <a:cs typeface="Arial" panose="020B0604020202020204" pitchFamily="34" charset="0"/>
-            </a:endParaRPr>
-          </a:p>
-          <a:p>
-            <a:pPr marL="285750" indent="-285750">
-              <a:buFont typeface="Arial" panose="020B0604020202020204" pitchFamily="34" charset="0"/>
-              <a:buChar char="•"/>
-            </a:pPr>
-            <a:r>
-              <a:rPr lang="en-US" dirty="0">
-                <a:latin typeface="Arial" panose="020B0604020202020204" pitchFamily="34" charset="0"/>
-                <a:cs typeface="Arial" panose="020B0604020202020204" pitchFamily="34" charset="0"/>
-              </a:rPr>
-              <a:t>Know how to “inspect element” or “view page source”</a:t>
-            </a:r>
-          </a:p>
         </p:txBody>
       </p:sp>
-      <p:pic>
-        <p:nvPicPr>
-          <p:cNvPr id="3" name="Picture 2">
-            <a:extLst>
-              <a:ext uri="{FF2B5EF4-FFF2-40B4-BE49-F238E27FC236}">
-                <a16:creationId xmlns:a16="http://schemas.microsoft.com/office/drawing/2014/main" id="{5069E616-0181-41E0-A5FD-DC2A95593266}"/>
-              </a:ext>
-            </a:extLst>
-          </p:cNvPr>
-          <p:cNvPicPr>
-            <a:picLocks noChangeAspect="1"/>
-          </p:cNvPicPr>
-          <p:nvPr/>
-        </p:nvPicPr>
-        <p:blipFill>
-          <a:blip r:embed="rId6"/>
-          <a:stretch>
-            <a:fillRect/>
-          </a:stretch>
-        </p:blipFill>
-        <p:spPr>
-          <a:xfrm>
-            <a:off x="1190016" y="3684479"/>
-            <a:ext cx="4811950" cy="2594874"/>
-          </a:xfrm>
-          <a:prstGeom prst="rect">
-            <a:avLst/>
-          </a:prstGeom>
-        </p:spPr>
-      </p:pic>
     </p:spTree>
     <p:extLst>
       <p:ext uri="{BB962C8B-B14F-4D97-AF65-F5344CB8AC3E}">
-        <p14:creationId xmlns:p14="http://schemas.microsoft.com/office/powerpoint/2010/main" val="1471357313"/>
+        <p14:creationId xmlns:p14="http://schemas.microsoft.com/office/powerpoint/2010/main" val="2813681073"/>
       </p:ext>
     </p:extLst>
   </p:cSld>
@@ -25584,8 +26097,8 @@
         </p:nvSpPr>
         <p:spPr>
           <a:xfrm>
-            <a:off x="914400" y="1298643"/>
-            <a:ext cx="10234836" cy="2031325"/>
+            <a:off x="823286" y="956371"/>
+            <a:ext cx="10234836" cy="4247317"/>
           </a:xfrm>
           <a:prstGeom prst="rect">
             <a:avLst/>
@@ -25604,7 +26117,7 @@
             </a:pPr>
             <a:r>
               <a:rPr lang="en-US" dirty="0"/>
-              <a:t>This one-hour lecture is a brief introduction to web-scraping. We aim at providing you a start point for web-scraping. </a:t>
+              <a:t>This one-hour lecture is a brief introduction to web-scraping. We aim at providing you a start point for web-scraping. Due to the time limit, we are unable to provide you many details. However, web-scraping is not designed as a course in most universities so most people learn it by themselves, because it is more about hands-on practice and different websites may require totally different strategies to scrape.</a:t>
             </a:r>
           </a:p>
           <a:p>
@@ -25621,13 +26134,25 @@
             </a:pPr>
             <a:r>
               <a:rPr lang="en-US" dirty="0"/>
-              <a:t>After this lecture, you </a:t>
-            </a:r>
-            <a:r>
-              <a:rPr lang="en-US"/>
-              <a:t>will know:</a:t>
-            </a:r>
+              <a:t>I am trying to show you what to do when facing a web-scraping problem but not how to do, for which you should learn by yourselves. The sample codes I shared can offer you pretty much intuition on how to start web-scraping.</a:t>
+            </a:r>
+          </a:p>
+          <a:p>
+            <a:pPr marL="285750" indent="-285750">
+              <a:buFont typeface="Arial" panose="020B0604020202020204" pitchFamily="34" charset="0"/>
+              <a:buChar char="•"/>
+            </a:pPr>
             <a:endParaRPr lang="en-US" dirty="0"/>
+          </a:p>
+          <a:p>
+            <a:pPr marL="285750" indent="-285750">
+              <a:buFont typeface="Arial" panose="020B0604020202020204" pitchFamily="34" charset="0"/>
+              <a:buChar char="•"/>
+            </a:pPr>
+            <a:r>
+              <a:rPr lang="en-US" dirty="0"/>
+              <a:t>After this lecture, you will know:</a:t>
+            </a:r>
           </a:p>
           <a:p>
             <a:pPr marL="742950" lvl="1" indent="-285750">
@@ -25636,25 +26161,45 @@
             </a:pPr>
             <a:r>
               <a:rPr lang="en-US" dirty="0"/>
-              <a:t>W</a:t>
-            </a:r>
-          </a:p>
-          <a:p>
-            <a:pPr marL="285750" indent="-285750">
+              <a:t>Basic tools for web-scraping (regular expression, </a:t>
+            </a:r>
+            <a:r>
+              <a:rPr lang="en-US" dirty="0" err="1"/>
+              <a:t>BeautifulSoup</a:t>
+            </a:r>
+            <a:r>
+              <a:rPr lang="en-US" dirty="0"/>
+              <a:t>, XHR, API)</a:t>
+            </a:r>
+          </a:p>
+          <a:p>
+            <a:pPr marL="742950" lvl="1" indent="-285750">
               <a:buFont typeface="Arial" panose="020B0604020202020204" pitchFamily="34" charset="0"/>
               <a:buChar char="•"/>
             </a:pPr>
             <a:r>
               <a:rPr lang="en-US" dirty="0"/>
-              <a:t>We provide brief introductions to some basic tools and we also provide what you need to </a:t>
-            </a:r>
-            <a:r>
-              <a:rPr lang="en-US" dirty="0" err="1"/>
-              <a:t>learnWeb</a:t>
-            </a:r>
+              <a:t>Following the sample codes, you should be able to scrape some simple static webpages, such as IMDB movie, Amazon, University websites, etc.</a:t>
+            </a:r>
+          </a:p>
+          <a:p>
+            <a:pPr marL="742950" lvl="1" indent="-285750">
+              <a:buFont typeface="Arial" panose="020B0604020202020204" pitchFamily="34" charset="0"/>
+              <a:buChar char="•"/>
+            </a:pPr>
             <a:r>
               <a:rPr lang="en-US" dirty="0"/>
-              <a:t>-scraping is a skill and need </a:t>
+              <a:t>Avoid traps in web-scraping</a:t>
+            </a:r>
+          </a:p>
+          <a:p>
+            <a:pPr marL="742950" lvl="1" indent="-285750">
+              <a:buFont typeface="Arial" panose="020B0604020202020204" pitchFamily="34" charset="0"/>
+              <a:buChar char="•"/>
+            </a:pPr>
+            <a:r>
+              <a:rPr lang="en-US" dirty="0"/>
+              <a:t>What you need to learn in the future for web-scraping</a:t>
             </a:r>
           </a:p>
         </p:txBody>

--- a/Introduction to Webscraping.pptx
+++ b/Introduction to Webscraping.pptx
@@ -316,456 +316,7 @@
     </pc:docChg>
   </pc:docChgLst>
   <pc:docChgLst>
-    <pc:chgData name="Li, Hongfei" userId="a40c84e6-5e39-43b0-bf5a-8db6023e65fb" providerId="ADAL" clId="{3DE8D662-8163-4739-A869-E16AD45C5E0E}"/>
-    <pc:docChg chg="undo custSel addSld modSld">
-      <pc:chgData name="Li, Hongfei" userId="a40c84e6-5e39-43b0-bf5a-8db6023e65fb" providerId="ADAL" clId="{3DE8D662-8163-4739-A869-E16AD45C5E0E}" dt="2019-10-27T22:55:53.134" v="1572" actId="20577"/>
-      <pc:docMkLst>
-        <pc:docMk/>
-      </pc:docMkLst>
-      <pc:sldChg chg="addSp modSp modAnim">
-        <pc:chgData name="Li, Hongfei" userId="a40c84e6-5e39-43b0-bf5a-8db6023e65fb" providerId="ADAL" clId="{3DE8D662-8163-4739-A869-E16AD45C5E0E}" dt="2019-10-27T22:35:57.978" v="29" actId="14100"/>
-        <pc:sldMkLst>
-          <pc:docMk/>
-          <pc:sldMk cId="887156677" sldId="386"/>
-        </pc:sldMkLst>
-        <pc:spChg chg="mod">
-          <ac:chgData name="Li, Hongfei" userId="a40c84e6-5e39-43b0-bf5a-8db6023e65fb" providerId="ADAL" clId="{3DE8D662-8163-4739-A869-E16AD45C5E0E}" dt="2019-10-27T22:29:48.837" v="6"/>
-          <ac:spMkLst>
-            <pc:docMk/>
-            <pc:sldMk cId="887156677" sldId="386"/>
-            <ac:spMk id="2" creationId="{00000000-0000-0000-0000-000000000000}"/>
-          </ac:spMkLst>
-        </pc:spChg>
-        <pc:spChg chg="add mod">
-          <ac:chgData name="Li, Hongfei" userId="a40c84e6-5e39-43b0-bf5a-8db6023e65fb" providerId="ADAL" clId="{3DE8D662-8163-4739-A869-E16AD45C5E0E}" dt="2019-10-27T22:35:57.978" v="29" actId="14100"/>
-          <ac:spMkLst>
-            <pc:docMk/>
-            <pc:sldMk cId="887156677" sldId="386"/>
-            <ac:spMk id="3" creationId="{EACFB3C9-5D2A-490A-929A-CFD6464A2D27}"/>
-          </ac:spMkLst>
-        </pc:spChg>
-        <pc:spChg chg="mod">
-          <ac:chgData name="Li, Hongfei" userId="a40c84e6-5e39-43b0-bf5a-8db6023e65fb" providerId="ADAL" clId="{3DE8D662-8163-4739-A869-E16AD45C5E0E}" dt="2019-10-27T22:35:49.470" v="24"/>
-          <ac:spMkLst>
-            <pc:docMk/>
-            <pc:sldMk cId="887156677" sldId="386"/>
-            <ac:spMk id="5" creationId="{0A61B03A-5667-4AF4-940E-DE19C80C4355}"/>
-          </ac:spMkLst>
-        </pc:spChg>
-        <pc:spChg chg="add mod">
-          <ac:chgData name="Li, Hongfei" userId="a40c84e6-5e39-43b0-bf5a-8db6023e65fb" providerId="ADAL" clId="{3DE8D662-8163-4739-A869-E16AD45C5E0E}" dt="2019-10-27T22:29:43.635" v="3" actId="1076"/>
-          <ac:spMkLst>
-            <pc:docMk/>
-            <pc:sldMk cId="887156677" sldId="386"/>
-            <ac:spMk id="7" creationId="{4BE61C01-EDA1-45E2-A903-BC65D915254A}"/>
-          </ac:spMkLst>
-        </pc:spChg>
-        <pc:spChg chg="add mod">
-          <ac:chgData name="Li, Hongfei" userId="a40c84e6-5e39-43b0-bf5a-8db6023e65fb" providerId="ADAL" clId="{3DE8D662-8163-4739-A869-E16AD45C5E0E}" dt="2019-10-27T22:35:53.538" v="27" actId="1076"/>
-          <ac:spMkLst>
-            <pc:docMk/>
-            <pc:sldMk cId="887156677" sldId="386"/>
-            <ac:spMk id="11" creationId="{30EB2FB7-1997-4A53-860D-FDB878D4A89E}"/>
-          </ac:spMkLst>
-        </pc:spChg>
-        <pc:grpChg chg="add mod">
-          <ac:chgData name="Li, Hongfei" userId="a40c84e6-5e39-43b0-bf5a-8db6023e65fb" providerId="ADAL" clId="{3DE8D662-8163-4739-A869-E16AD45C5E0E}" dt="2019-10-27T22:29:43.635" v="3" actId="1076"/>
-          <ac:grpSpMkLst>
-            <pc:docMk/>
-            <pc:sldMk cId="887156677" sldId="386"/>
-            <ac:grpSpMk id="8" creationId="{AF2E8D09-21AA-4008-B22E-AA5B8FDE868E}"/>
-          </ac:grpSpMkLst>
-        </pc:grpChg>
-      </pc:sldChg>
-      <pc:sldChg chg="addSp delSp modSp delAnim modAnim">
-        <pc:chgData name="Li, Hongfei" userId="a40c84e6-5e39-43b0-bf5a-8db6023e65fb" providerId="ADAL" clId="{3DE8D662-8163-4739-A869-E16AD45C5E0E}" dt="2019-10-27T22:48:31.990" v="1040" actId="20577"/>
-        <pc:sldMkLst>
-          <pc:docMk/>
-          <pc:sldMk cId="2734681574" sldId="432"/>
-        </pc:sldMkLst>
-        <pc:spChg chg="add mod">
-          <ac:chgData name="Li, Hongfei" userId="a40c84e6-5e39-43b0-bf5a-8db6023e65fb" providerId="ADAL" clId="{3DE8D662-8163-4739-A869-E16AD45C5E0E}" dt="2019-10-27T22:48:31.990" v="1040" actId="20577"/>
-          <ac:spMkLst>
-            <pc:docMk/>
-            <pc:sldMk cId="2734681574" sldId="432"/>
-            <ac:spMk id="2" creationId="{401BB94B-FC7E-4C90-9457-38245D69A5B2}"/>
-          </ac:spMkLst>
-        </pc:spChg>
-        <pc:spChg chg="del">
-          <ac:chgData name="Li, Hongfei" userId="a40c84e6-5e39-43b0-bf5a-8db6023e65fb" providerId="ADAL" clId="{3DE8D662-8163-4739-A869-E16AD45C5E0E}" dt="2019-10-27T22:37:02.900" v="30" actId="478"/>
-          <ac:spMkLst>
-            <pc:docMk/>
-            <pc:sldMk cId="2734681574" sldId="432"/>
-            <ac:spMk id="3" creationId="{9CBC60C1-4FAD-43AF-991A-F2A21DE7A7F8}"/>
-          </ac:spMkLst>
-        </pc:spChg>
-        <pc:spChg chg="del">
-          <ac:chgData name="Li, Hongfei" userId="a40c84e6-5e39-43b0-bf5a-8db6023e65fb" providerId="ADAL" clId="{3DE8D662-8163-4739-A869-E16AD45C5E0E}" dt="2019-10-27T22:37:02.900" v="30" actId="478"/>
-          <ac:spMkLst>
-            <pc:docMk/>
-            <pc:sldMk cId="2734681574" sldId="432"/>
-            <ac:spMk id="5" creationId="{946B2B87-8485-4A55-9849-23115132704A}"/>
-          </ac:spMkLst>
-        </pc:spChg>
-        <pc:spChg chg="del">
-          <ac:chgData name="Li, Hongfei" userId="a40c84e6-5e39-43b0-bf5a-8db6023e65fb" providerId="ADAL" clId="{3DE8D662-8163-4739-A869-E16AD45C5E0E}" dt="2019-10-27T22:37:02.900" v="30" actId="478"/>
-          <ac:spMkLst>
-            <pc:docMk/>
-            <pc:sldMk cId="2734681574" sldId="432"/>
-            <ac:spMk id="6" creationId="{2D8FCF10-CEAB-4A79-8DB8-BA93E0E03A8A}"/>
-          </ac:spMkLst>
-        </pc:spChg>
-        <pc:spChg chg="del">
-          <ac:chgData name="Li, Hongfei" userId="a40c84e6-5e39-43b0-bf5a-8db6023e65fb" providerId="ADAL" clId="{3DE8D662-8163-4739-A869-E16AD45C5E0E}" dt="2019-10-27T22:37:11.346" v="33" actId="478"/>
-          <ac:spMkLst>
-            <pc:docMk/>
-            <pc:sldMk cId="2734681574" sldId="432"/>
-            <ac:spMk id="8" creationId="{05FE77DA-2642-49A2-8729-FD77589F6378}"/>
-          </ac:spMkLst>
-        </pc:spChg>
-        <pc:spChg chg="del">
-          <ac:chgData name="Li, Hongfei" userId="a40c84e6-5e39-43b0-bf5a-8db6023e65fb" providerId="ADAL" clId="{3DE8D662-8163-4739-A869-E16AD45C5E0E}" dt="2019-10-27T22:37:12.660" v="34" actId="478"/>
-          <ac:spMkLst>
-            <pc:docMk/>
-            <pc:sldMk cId="2734681574" sldId="432"/>
-            <ac:spMk id="11" creationId="{D90CF1C4-74B7-4247-9A1D-322A1F9C3A04}"/>
-          </ac:spMkLst>
-        </pc:spChg>
-        <pc:spChg chg="mod">
-          <ac:chgData name="Li, Hongfei" userId="a40c84e6-5e39-43b0-bf5a-8db6023e65fb" providerId="ADAL" clId="{3DE8D662-8163-4739-A869-E16AD45C5E0E}" dt="2019-10-27T22:37:46.054" v="46" actId="20577"/>
-          <ac:spMkLst>
-            <pc:docMk/>
-            <pc:sldMk cId="2734681574" sldId="432"/>
-            <ac:spMk id="29" creationId="{570586E7-2E10-4909-96D7-DB096D40A1B1}"/>
-          </ac:spMkLst>
-        </pc:spChg>
-        <pc:spChg chg="del">
-          <ac:chgData name="Li, Hongfei" userId="a40c84e6-5e39-43b0-bf5a-8db6023e65fb" providerId="ADAL" clId="{3DE8D662-8163-4739-A869-E16AD45C5E0E}" dt="2019-10-27T22:37:04.776" v="31" actId="478"/>
-          <ac:spMkLst>
-            <pc:docMk/>
-            <pc:sldMk cId="2734681574" sldId="432"/>
-            <ac:spMk id="31" creationId="{8BCC863F-5463-4D1D-A019-63D64DBF3B28}"/>
-          </ac:spMkLst>
-        </pc:spChg>
-        <pc:grpChg chg="del">
-          <ac:chgData name="Li, Hongfei" userId="a40c84e6-5e39-43b0-bf5a-8db6023e65fb" providerId="ADAL" clId="{3DE8D662-8163-4739-A869-E16AD45C5E0E}" dt="2019-10-27T22:37:02.900" v="30" actId="478"/>
-          <ac:grpSpMkLst>
-            <pc:docMk/>
-            <pc:sldMk cId="2734681574" sldId="432"/>
-            <ac:grpSpMk id="9" creationId="{13438677-88B3-4EFB-ABE4-2AE4C3F84E9A}"/>
-          </ac:grpSpMkLst>
-        </pc:grpChg>
-        <pc:grpChg chg="del">
-          <ac:chgData name="Li, Hongfei" userId="a40c84e6-5e39-43b0-bf5a-8db6023e65fb" providerId="ADAL" clId="{3DE8D662-8163-4739-A869-E16AD45C5E0E}" dt="2019-10-27T22:37:02.900" v="30" actId="478"/>
-          <ac:grpSpMkLst>
-            <pc:docMk/>
-            <pc:sldMk cId="2734681574" sldId="432"/>
-            <ac:grpSpMk id="14" creationId="{EDE2A76E-174D-4AA8-BBF6-CF8A98598254}"/>
-          </ac:grpSpMkLst>
-        </pc:grpChg>
-        <pc:grpChg chg="del">
-          <ac:chgData name="Li, Hongfei" userId="a40c84e6-5e39-43b0-bf5a-8db6023e65fb" providerId="ADAL" clId="{3DE8D662-8163-4739-A869-E16AD45C5E0E}" dt="2019-10-27T22:37:02.900" v="30" actId="478"/>
-          <ac:grpSpMkLst>
-            <pc:docMk/>
-            <pc:sldMk cId="2734681574" sldId="432"/>
-            <ac:grpSpMk id="17" creationId="{223CBFE3-4531-4697-B896-7662A6276129}"/>
-          </ac:grpSpMkLst>
-        </pc:grpChg>
-        <pc:grpChg chg="del">
-          <ac:chgData name="Li, Hongfei" userId="a40c84e6-5e39-43b0-bf5a-8db6023e65fb" providerId="ADAL" clId="{3DE8D662-8163-4739-A869-E16AD45C5E0E}" dt="2019-10-27T22:37:02.900" v="30" actId="478"/>
-          <ac:grpSpMkLst>
-            <pc:docMk/>
-            <pc:sldMk cId="2734681574" sldId="432"/>
-            <ac:grpSpMk id="20" creationId="{1EE7DF7B-960F-4C22-8725-6B8A516D6DBF}"/>
-          </ac:grpSpMkLst>
-        </pc:grpChg>
-        <pc:grpChg chg="del">
-          <ac:chgData name="Li, Hongfei" userId="a40c84e6-5e39-43b0-bf5a-8db6023e65fb" providerId="ADAL" clId="{3DE8D662-8163-4739-A869-E16AD45C5E0E}" dt="2019-10-27T22:37:02.900" v="30" actId="478"/>
-          <ac:grpSpMkLst>
-            <pc:docMk/>
-            <pc:sldMk cId="2734681574" sldId="432"/>
-            <ac:grpSpMk id="26" creationId="{5E8701B9-B425-4524-87AA-D152CEA9BBBE}"/>
-          </ac:grpSpMkLst>
-        </pc:grpChg>
-        <pc:graphicFrameChg chg="del">
-          <ac:chgData name="Li, Hongfei" userId="a40c84e6-5e39-43b0-bf5a-8db6023e65fb" providerId="ADAL" clId="{3DE8D662-8163-4739-A869-E16AD45C5E0E}" dt="2019-10-27T22:37:07.190" v="32" actId="478"/>
-          <ac:graphicFrameMkLst>
-            <pc:docMk/>
-            <pc:sldMk cId="2734681574" sldId="432"/>
-            <ac:graphicFrameMk id="7" creationId="{F98E2A43-ADA5-4303-9C55-21D5ADC2F552}"/>
-          </ac:graphicFrameMkLst>
-        </pc:graphicFrameChg>
-        <pc:graphicFrameChg chg="del">
-          <ac:chgData name="Li, Hongfei" userId="a40c84e6-5e39-43b0-bf5a-8db6023e65fb" providerId="ADAL" clId="{3DE8D662-8163-4739-A869-E16AD45C5E0E}" dt="2019-10-27T22:37:02.900" v="30" actId="478"/>
-          <ac:graphicFrameMkLst>
-            <pc:docMk/>
-            <pc:sldMk cId="2734681574" sldId="432"/>
-            <ac:graphicFrameMk id="10" creationId="{CFFF2D02-42D0-4060-99C9-6F0925870282}"/>
-          </ac:graphicFrameMkLst>
-        </pc:graphicFrameChg>
-        <pc:picChg chg="del">
-          <ac:chgData name="Li, Hongfei" userId="a40c84e6-5e39-43b0-bf5a-8db6023e65fb" providerId="ADAL" clId="{3DE8D662-8163-4739-A869-E16AD45C5E0E}" dt="2019-10-27T22:37:02.900" v="30" actId="478"/>
-          <ac:picMkLst>
-            <pc:docMk/>
-            <pc:sldMk cId="2734681574" sldId="432"/>
-            <ac:picMk id="19458" creationId="{D77FDF38-85E8-4473-9534-A17FF0F3C3FA}"/>
-          </ac:picMkLst>
-        </pc:picChg>
-        <pc:picChg chg="del">
-          <ac:chgData name="Li, Hongfei" userId="a40c84e6-5e39-43b0-bf5a-8db6023e65fb" providerId="ADAL" clId="{3DE8D662-8163-4739-A869-E16AD45C5E0E}" dt="2019-10-27T22:37:02.900" v="30" actId="478"/>
-          <ac:picMkLst>
-            <pc:docMk/>
-            <pc:sldMk cId="2734681574" sldId="432"/>
-            <ac:picMk id="19460" creationId="{CFC8A51D-793E-4A31-834B-BE60AD0FCC32}"/>
-          </ac:picMkLst>
-        </pc:picChg>
-        <pc:picChg chg="del">
-          <ac:chgData name="Li, Hongfei" userId="a40c84e6-5e39-43b0-bf5a-8db6023e65fb" providerId="ADAL" clId="{3DE8D662-8163-4739-A869-E16AD45C5E0E}" dt="2019-10-27T22:37:02.900" v="30" actId="478"/>
-          <ac:picMkLst>
-            <pc:docMk/>
-            <pc:sldMk cId="2734681574" sldId="432"/>
-            <ac:picMk id="19462" creationId="{2B46D62A-5EA0-4885-B818-4AA5793E55F4}"/>
-          </ac:picMkLst>
-        </pc:picChg>
-        <pc:picChg chg="del">
-          <ac:chgData name="Li, Hongfei" userId="a40c84e6-5e39-43b0-bf5a-8db6023e65fb" providerId="ADAL" clId="{3DE8D662-8163-4739-A869-E16AD45C5E0E}" dt="2019-10-27T22:37:02.900" v="30" actId="478"/>
-          <ac:picMkLst>
-            <pc:docMk/>
-            <pc:sldMk cId="2734681574" sldId="432"/>
-            <ac:picMk id="19464" creationId="{CCE4D13D-2312-465C-8450-F9B2DB195CD3}"/>
-          </ac:picMkLst>
-        </pc:picChg>
-      </pc:sldChg>
-      <pc:sldChg chg="addSp delSp modSp modAnim">
-        <pc:chgData name="Li, Hongfei" userId="a40c84e6-5e39-43b0-bf5a-8db6023e65fb" providerId="ADAL" clId="{3DE8D662-8163-4739-A869-E16AD45C5E0E}" dt="2019-10-27T22:55:53.134" v="1572" actId="20577"/>
-        <pc:sldMkLst>
-          <pc:docMk/>
-          <pc:sldMk cId="2649548640" sldId="457"/>
-        </pc:sldMkLst>
-        <pc:spChg chg="add mod">
-          <ac:chgData name="Li, Hongfei" userId="a40c84e6-5e39-43b0-bf5a-8db6023e65fb" providerId="ADAL" clId="{3DE8D662-8163-4739-A869-E16AD45C5E0E}" dt="2019-10-27T22:55:53.134" v="1572" actId="20577"/>
-          <ac:spMkLst>
-            <pc:docMk/>
-            <pc:sldMk cId="2649548640" sldId="457"/>
-            <ac:spMk id="3" creationId="{71A339FF-DAA7-408A-823A-67E69A4D1A48}"/>
-          </ac:spMkLst>
-        </pc:spChg>
-        <pc:spChg chg="mod">
-          <ac:chgData name="Li, Hongfei" userId="a40c84e6-5e39-43b0-bf5a-8db6023e65fb" providerId="ADAL" clId="{3DE8D662-8163-4739-A869-E16AD45C5E0E}" dt="2019-10-27T22:54:26.358" v="1435" actId="20577"/>
-          <ac:spMkLst>
-            <pc:docMk/>
-            <pc:sldMk cId="2649548640" sldId="457"/>
-            <ac:spMk id="8" creationId="{D398591B-401B-4D8A-8E47-C691628EF196}"/>
-          </ac:spMkLst>
-        </pc:spChg>
-        <pc:spChg chg="del">
-          <ac:chgData name="Li, Hongfei" userId="a40c84e6-5e39-43b0-bf5a-8db6023e65fb" providerId="ADAL" clId="{3DE8D662-8163-4739-A869-E16AD45C5E0E}" dt="2019-10-27T22:48:38.570" v="1041" actId="478"/>
-          <ac:spMkLst>
-            <pc:docMk/>
-            <pc:sldMk cId="2649548640" sldId="457"/>
-            <ac:spMk id="22" creationId="{2BC1136B-DE4D-4321-A55C-C54E9B13B5B2}"/>
-          </ac:spMkLst>
-        </pc:spChg>
-        <pc:spChg chg="del">
-          <ac:chgData name="Li, Hongfei" userId="a40c84e6-5e39-43b0-bf5a-8db6023e65fb" providerId="ADAL" clId="{3DE8D662-8163-4739-A869-E16AD45C5E0E}" dt="2019-10-27T22:48:38.570" v="1041" actId="478"/>
-          <ac:spMkLst>
-            <pc:docMk/>
-            <pc:sldMk cId="2649548640" sldId="457"/>
-            <ac:spMk id="23" creationId="{3BA2AC16-932C-4EA5-84C8-CBEEE3E4C4F0}"/>
-          </ac:spMkLst>
-        </pc:spChg>
-        <pc:spChg chg="del">
-          <ac:chgData name="Li, Hongfei" userId="a40c84e6-5e39-43b0-bf5a-8db6023e65fb" providerId="ADAL" clId="{3DE8D662-8163-4739-A869-E16AD45C5E0E}" dt="2019-10-27T22:48:38.570" v="1041" actId="478"/>
-          <ac:spMkLst>
-            <pc:docMk/>
-            <pc:sldMk cId="2649548640" sldId="457"/>
-            <ac:spMk id="24" creationId="{554B0648-78D7-4244-9253-D268D309A937}"/>
-          </ac:spMkLst>
-        </pc:spChg>
-        <pc:spChg chg="del">
-          <ac:chgData name="Li, Hongfei" userId="a40c84e6-5e39-43b0-bf5a-8db6023e65fb" providerId="ADAL" clId="{3DE8D662-8163-4739-A869-E16AD45C5E0E}" dt="2019-10-27T22:48:38.570" v="1041" actId="478"/>
-          <ac:spMkLst>
-            <pc:docMk/>
-            <pc:sldMk cId="2649548640" sldId="457"/>
-            <ac:spMk id="25" creationId="{A79EBFEC-0E8F-4D76-826D-B8DB708D7F85}"/>
-          </ac:spMkLst>
-        </pc:spChg>
-        <pc:spChg chg="del">
-          <ac:chgData name="Li, Hongfei" userId="a40c84e6-5e39-43b0-bf5a-8db6023e65fb" providerId="ADAL" clId="{3DE8D662-8163-4739-A869-E16AD45C5E0E}" dt="2019-10-27T22:48:38.570" v="1041" actId="478"/>
-          <ac:spMkLst>
-            <pc:docMk/>
-            <pc:sldMk cId="2649548640" sldId="457"/>
-            <ac:spMk id="44" creationId="{FF3ADD7B-B971-4333-953F-0A031379824D}"/>
-          </ac:spMkLst>
-        </pc:spChg>
-        <pc:spChg chg="del">
-          <ac:chgData name="Li, Hongfei" userId="a40c84e6-5e39-43b0-bf5a-8db6023e65fb" providerId="ADAL" clId="{3DE8D662-8163-4739-A869-E16AD45C5E0E}" dt="2019-10-27T22:48:38.570" v="1041" actId="478"/>
-          <ac:spMkLst>
-            <pc:docMk/>
-            <pc:sldMk cId="2649548640" sldId="457"/>
-            <ac:spMk id="49" creationId="{4C84C887-5053-488C-B8B1-AFB48DC5E471}"/>
-          </ac:spMkLst>
-        </pc:spChg>
-        <pc:grpChg chg="del">
-          <ac:chgData name="Li, Hongfei" userId="a40c84e6-5e39-43b0-bf5a-8db6023e65fb" providerId="ADAL" clId="{3DE8D662-8163-4739-A869-E16AD45C5E0E}" dt="2019-10-27T22:48:38.570" v="1041" actId="478"/>
-          <ac:grpSpMkLst>
-            <pc:docMk/>
-            <pc:sldMk cId="2649548640" sldId="457"/>
-            <ac:grpSpMk id="46" creationId="{BBE63823-AEBB-43C1-9C46-4BCB19A95341}"/>
-          </ac:grpSpMkLst>
-        </pc:grpChg>
-        <pc:grpChg chg="del">
-          <ac:chgData name="Li, Hongfei" userId="a40c84e6-5e39-43b0-bf5a-8db6023e65fb" providerId="ADAL" clId="{3DE8D662-8163-4739-A869-E16AD45C5E0E}" dt="2019-10-27T22:48:38.570" v="1041" actId="478"/>
-          <ac:grpSpMkLst>
-            <pc:docMk/>
-            <pc:sldMk cId="2649548640" sldId="457"/>
-            <ac:grpSpMk id="51" creationId="{FDFD36AA-DA3E-4B0F-AC5C-66D88C791E2D}"/>
-          </ac:grpSpMkLst>
-        </pc:grpChg>
-        <pc:picChg chg="del">
-          <ac:chgData name="Li, Hongfei" userId="a40c84e6-5e39-43b0-bf5a-8db6023e65fb" providerId="ADAL" clId="{3DE8D662-8163-4739-A869-E16AD45C5E0E}" dt="2019-10-27T22:48:38.570" v="1041" actId="478"/>
-          <ac:picMkLst>
-            <pc:docMk/>
-            <pc:sldMk cId="2649548640" sldId="457"/>
-            <ac:picMk id="2" creationId="{FAC1819E-24BE-4051-9CC1-E7DCDEFAF2C9}"/>
-          </ac:picMkLst>
-        </pc:picChg>
-        <pc:picChg chg="del">
-          <ac:chgData name="Li, Hongfei" userId="a40c84e6-5e39-43b0-bf5a-8db6023e65fb" providerId="ADAL" clId="{3DE8D662-8163-4739-A869-E16AD45C5E0E}" dt="2019-10-27T22:48:38.570" v="1041" actId="478"/>
-          <ac:picMkLst>
-            <pc:docMk/>
-            <pc:sldMk cId="2649548640" sldId="457"/>
-            <ac:picMk id="28678" creationId="{4F0ECFF2-8800-4EF7-9D74-EE8585DB63B4}"/>
-          </ac:picMkLst>
-        </pc:picChg>
-      </pc:sldChg>
-      <pc:sldChg chg="addSp delSp modSp delAnim">
-        <pc:chgData name="Li, Hongfei" userId="a40c84e6-5e39-43b0-bf5a-8db6023e65fb" providerId="ADAL" clId="{3DE8D662-8163-4739-A869-E16AD45C5E0E}" dt="2019-10-27T22:34:37.932" v="20" actId="1076"/>
-        <pc:sldMkLst>
-          <pc:docMk/>
-          <pc:sldMk cId="787245671" sldId="464"/>
-        </pc:sldMkLst>
-        <pc:spChg chg="mod">
-          <ac:chgData name="Li, Hongfei" userId="a40c84e6-5e39-43b0-bf5a-8db6023e65fb" providerId="ADAL" clId="{3DE8D662-8163-4739-A869-E16AD45C5E0E}" dt="2019-10-27T22:33:59.321" v="7"/>
-          <ac:spMkLst>
-            <pc:docMk/>
-            <pc:sldMk cId="787245671" sldId="464"/>
-            <ac:spMk id="2" creationId="{00000000-0000-0000-0000-000000000000}"/>
-          </ac:spMkLst>
-        </pc:spChg>
-        <pc:spChg chg="del">
-          <ac:chgData name="Li, Hongfei" userId="a40c84e6-5e39-43b0-bf5a-8db6023e65fb" providerId="ADAL" clId="{3DE8D662-8163-4739-A869-E16AD45C5E0E}" dt="2019-10-27T22:34:05.138" v="8" actId="478"/>
-          <ac:spMkLst>
-            <pc:docMk/>
-            <pc:sldMk cId="787245671" sldId="464"/>
-            <ac:spMk id="3" creationId="{BC607216-A2D1-4AB3-A971-20B8961E6186}"/>
-          </ac:spMkLst>
-        </pc:spChg>
-        <pc:spChg chg="add del">
-          <ac:chgData name="Li, Hongfei" userId="a40c84e6-5e39-43b0-bf5a-8db6023e65fb" providerId="ADAL" clId="{3DE8D662-8163-4739-A869-E16AD45C5E0E}" dt="2019-10-27T22:34:14.706" v="10"/>
-          <ac:spMkLst>
-            <pc:docMk/>
-            <pc:sldMk cId="787245671" sldId="464"/>
-            <ac:spMk id="5" creationId="{F98249B6-E548-4B27-84F9-17260D814F33}"/>
-          </ac:spMkLst>
-        </pc:spChg>
-        <pc:spChg chg="add mod">
-          <ac:chgData name="Li, Hongfei" userId="a40c84e6-5e39-43b0-bf5a-8db6023e65fb" providerId="ADAL" clId="{3DE8D662-8163-4739-A869-E16AD45C5E0E}" dt="2019-10-27T22:34:37.932" v="20" actId="1076"/>
-          <ac:spMkLst>
-            <pc:docMk/>
-            <pc:sldMk cId="787245671" sldId="464"/>
-            <ac:spMk id="7" creationId="{1419DBF6-22BE-473B-89CC-B510CA82600C}"/>
-          </ac:spMkLst>
-        </pc:spChg>
-        <pc:spChg chg="del">
-          <ac:chgData name="Li, Hongfei" userId="a40c84e6-5e39-43b0-bf5a-8db6023e65fb" providerId="ADAL" clId="{3DE8D662-8163-4739-A869-E16AD45C5E0E}" dt="2019-10-27T22:34:05.138" v="8" actId="478"/>
-          <ac:spMkLst>
-            <pc:docMk/>
-            <pc:sldMk cId="787245671" sldId="464"/>
-            <ac:spMk id="11" creationId="{2F5C7BAB-271E-4CFA-8BF0-C7E0613BD33D}"/>
-          </ac:spMkLst>
-        </pc:spChg>
-        <pc:spChg chg="del">
-          <ac:chgData name="Li, Hongfei" userId="a40c84e6-5e39-43b0-bf5a-8db6023e65fb" providerId="ADAL" clId="{3DE8D662-8163-4739-A869-E16AD45C5E0E}" dt="2019-10-27T22:34:05.138" v="8" actId="478"/>
-          <ac:spMkLst>
-            <pc:docMk/>
-            <pc:sldMk cId="787245671" sldId="464"/>
-            <ac:spMk id="12" creationId="{7ED99DDF-502C-4CEA-ACB2-B5BA6CEF0439}"/>
-          </ac:spMkLst>
-        </pc:spChg>
-        <pc:spChg chg="del">
-          <ac:chgData name="Li, Hongfei" userId="a40c84e6-5e39-43b0-bf5a-8db6023e65fb" providerId="ADAL" clId="{3DE8D662-8163-4739-A869-E16AD45C5E0E}" dt="2019-10-27T22:34:05.138" v="8" actId="478"/>
-          <ac:spMkLst>
-            <pc:docMk/>
-            <pc:sldMk cId="787245671" sldId="464"/>
-            <ac:spMk id="13" creationId="{0A330273-6757-4AD9-B068-D14A0BA1DFA1}"/>
-          </ac:spMkLst>
-        </pc:spChg>
-        <pc:spChg chg="del">
-          <ac:chgData name="Li, Hongfei" userId="a40c84e6-5e39-43b0-bf5a-8db6023e65fb" providerId="ADAL" clId="{3DE8D662-8163-4739-A869-E16AD45C5E0E}" dt="2019-10-27T22:34:05.138" v="8" actId="478"/>
-          <ac:spMkLst>
-            <pc:docMk/>
-            <pc:sldMk cId="787245671" sldId="464"/>
-            <ac:spMk id="17" creationId="{309E5B43-137B-C449-A008-81F03AFE08BD}"/>
-          </ac:spMkLst>
-        </pc:spChg>
-        <pc:spChg chg="del">
-          <ac:chgData name="Li, Hongfei" userId="a40c84e6-5e39-43b0-bf5a-8db6023e65fb" providerId="ADAL" clId="{3DE8D662-8163-4739-A869-E16AD45C5E0E}" dt="2019-10-27T22:34:05.138" v="8" actId="478"/>
-          <ac:spMkLst>
-            <pc:docMk/>
-            <pc:sldMk cId="787245671" sldId="464"/>
-            <ac:spMk id="25" creationId="{ACD2BF88-C613-4BD1-92A2-3DB3C7A28176}"/>
-          </ac:spMkLst>
-        </pc:spChg>
-        <pc:spChg chg="del">
-          <ac:chgData name="Li, Hongfei" userId="a40c84e6-5e39-43b0-bf5a-8db6023e65fb" providerId="ADAL" clId="{3DE8D662-8163-4739-A869-E16AD45C5E0E}" dt="2019-10-27T22:34:05.138" v="8" actId="478"/>
-          <ac:spMkLst>
-            <pc:docMk/>
-            <pc:sldMk cId="787245671" sldId="464"/>
-            <ac:spMk id="28" creationId="{60C93834-91A8-49FC-A495-E2192AB0BF10}"/>
-          </ac:spMkLst>
-        </pc:spChg>
-        <pc:spChg chg="del">
-          <ac:chgData name="Li, Hongfei" userId="a40c84e6-5e39-43b0-bf5a-8db6023e65fb" providerId="ADAL" clId="{3DE8D662-8163-4739-A869-E16AD45C5E0E}" dt="2019-10-27T22:34:05.138" v="8" actId="478"/>
-          <ac:spMkLst>
-            <pc:docMk/>
-            <pc:sldMk cId="787245671" sldId="464"/>
-            <ac:spMk id="29" creationId="{DB942879-9DD4-4287-8E9D-451ED12A25C5}"/>
-          </ac:spMkLst>
-        </pc:spChg>
-        <pc:cxnChg chg="del mod">
-          <ac:chgData name="Li, Hongfei" userId="a40c84e6-5e39-43b0-bf5a-8db6023e65fb" providerId="ADAL" clId="{3DE8D662-8163-4739-A869-E16AD45C5E0E}" dt="2019-10-27T22:34:05.138" v="8" actId="478"/>
-          <ac:cxnSpMkLst>
-            <pc:docMk/>
-            <pc:sldMk cId="787245671" sldId="464"/>
-            <ac:cxnSpMk id="15" creationId="{E18F1DC9-E05A-4F6A-A963-DB1C0B870A92}"/>
-          </ac:cxnSpMkLst>
-        </pc:cxnChg>
-        <pc:cxnChg chg="del">
-          <ac:chgData name="Li, Hongfei" userId="a40c84e6-5e39-43b0-bf5a-8db6023e65fb" providerId="ADAL" clId="{3DE8D662-8163-4739-A869-E16AD45C5E0E}" dt="2019-10-27T22:34:05.138" v="8" actId="478"/>
-          <ac:cxnSpMkLst>
-            <pc:docMk/>
-            <pc:sldMk cId="787245671" sldId="464"/>
-            <ac:cxnSpMk id="16" creationId="{20CB02FD-FDEE-40F3-8141-4EB7769357C2}"/>
-          </ac:cxnSpMkLst>
-        </pc:cxnChg>
-        <pc:cxnChg chg="del mod">
-          <ac:chgData name="Li, Hongfei" userId="a40c84e6-5e39-43b0-bf5a-8db6023e65fb" providerId="ADAL" clId="{3DE8D662-8163-4739-A869-E16AD45C5E0E}" dt="2019-10-27T22:34:05.138" v="8" actId="478"/>
-          <ac:cxnSpMkLst>
-            <pc:docMk/>
-            <pc:sldMk cId="787245671" sldId="464"/>
-            <ac:cxnSpMk id="24" creationId="{AF7E7BA3-B856-4EA5-95C7-F2D9E14E89AE}"/>
-          </ac:cxnSpMkLst>
-        </pc:cxnChg>
-      </pc:sldChg>
-      <pc:sldChg chg="add">
-        <pc:chgData name="Li, Hongfei" userId="a40c84e6-5e39-43b0-bf5a-8db6023e65fb" providerId="ADAL" clId="{3DE8D662-8163-4739-A869-E16AD45C5E0E}" dt="2019-10-27T22:48:54.039" v="1063"/>
-        <pc:sldMkLst>
-          <pc:docMk/>
-          <pc:sldMk cId="1748588290" sldId="475"/>
-        </pc:sldMkLst>
-      </pc:sldChg>
-    </pc:docChg>
+    <pc:chgData name="Li, Hongfei" userId="a40c84e6-5e39-43b0-bf5a-8db6023e65fb" providerId="ADAL" clId="{D5677FC7-54B6-4686-8528-BE3CB3308F07}"/>
   </pc:docChgLst>
   <pc:docChgLst>
     <pc:chgData name="Li, Hongfei" userId="a40c84e6-5e39-43b0-bf5a-8db6023e65fb" providerId="ADAL" clId="{F251C8E1-7FDF-1F47-A23C-6FC3C526353F}"/>
@@ -800,10 +351,10 @@
     </pc:docChg>
   </pc:docChgLst>
   <pc:docChgLst>
-    <pc:chgData name="Li, Hongfei" userId="a40c84e6-5e39-43b0-bf5a-8db6023e65fb" providerId="ADAL" clId="{D5677FC7-54B6-4686-8528-BE3CB3308F07}"/>
+    <pc:chgData name="Li, Hongfei" userId="a40c84e6-5e39-43b0-bf5a-8db6023e65fb" providerId="ADAL" clId="{ABAD5143-B2BC-3F4F-90A5-5FF70299594A}"/>
   </pc:docChgLst>
   <pc:docChgLst>
-    <pc:chgData name="Li, Hongfei" userId="a40c84e6-5e39-43b0-bf5a-8db6023e65fb" providerId="ADAL" clId="{ABAD5143-B2BC-3F4F-90A5-5FF70299594A}"/>
+    <pc:chgData name="Li, Hongfei" userId="a40c84e6-5e39-43b0-bf5a-8db6023e65fb" providerId="ADAL" clId="{52798D8F-1AC8-4C62-B8F8-DE0B98951895}"/>
   </pc:docChgLst>
   <pc:docChgLst>
     <pc:chgData name="Li, Hongfei" userId="a40c84e6-5e39-43b0-bf5a-8db6023e65fb" providerId="ADAL" clId="{0B0B6D8B-EAAE-427B-BAAE-5AA58F7AE2DA}"/>
@@ -2455,7 +2006,456 @@
     <pc:chgData name="Li, Hongfei" userId="a40c84e6-5e39-43b0-bf5a-8db6023e65fb" providerId="ADAL" clId="{CAF63E28-CB04-432E-B216-F0ADAF9E6110}"/>
   </pc:docChgLst>
   <pc:docChgLst>
-    <pc:chgData name="Li, Hongfei" userId="a40c84e6-5e39-43b0-bf5a-8db6023e65fb" providerId="ADAL" clId="{52798D8F-1AC8-4C62-B8F8-DE0B98951895}"/>
+    <pc:chgData name="Li, Hongfei" userId="a40c84e6-5e39-43b0-bf5a-8db6023e65fb" providerId="ADAL" clId="{3DE8D662-8163-4739-A869-E16AD45C5E0E}"/>
+    <pc:docChg chg="undo custSel addSld modSld">
+      <pc:chgData name="Li, Hongfei" userId="a40c84e6-5e39-43b0-bf5a-8db6023e65fb" providerId="ADAL" clId="{3DE8D662-8163-4739-A869-E16AD45C5E0E}" dt="2019-10-27T22:55:53.134" v="1572" actId="20577"/>
+      <pc:docMkLst>
+        <pc:docMk/>
+      </pc:docMkLst>
+      <pc:sldChg chg="addSp modSp modAnim">
+        <pc:chgData name="Li, Hongfei" userId="a40c84e6-5e39-43b0-bf5a-8db6023e65fb" providerId="ADAL" clId="{3DE8D662-8163-4739-A869-E16AD45C5E0E}" dt="2019-10-27T22:35:57.978" v="29" actId="14100"/>
+        <pc:sldMkLst>
+          <pc:docMk/>
+          <pc:sldMk cId="887156677" sldId="386"/>
+        </pc:sldMkLst>
+        <pc:spChg chg="mod">
+          <ac:chgData name="Li, Hongfei" userId="a40c84e6-5e39-43b0-bf5a-8db6023e65fb" providerId="ADAL" clId="{3DE8D662-8163-4739-A869-E16AD45C5E0E}" dt="2019-10-27T22:29:48.837" v="6"/>
+          <ac:spMkLst>
+            <pc:docMk/>
+            <pc:sldMk cId="887156677" sldId="386"/>
+            <ac:spMk id="2" creationId="{00000000-0000-0000-0000-000000000000}"/>
+          </ac:spMkLst>
+        </pc:spChg>
+        <pc:spChg chg="add mod">
+          <ac:chgData name="Li, Hongfei" userId="a40c84e6-5e39-43b0-bf5a-8db6023e65fb" providerId="ADAL" clId="{3DE8D662-8163-4739-A869-E16AD45C5E0E}" dt="2019-10-27T22:35:57.978" v="29" actId="14100"/>
+          <ac:spMkLst>
+            <pc:docMk/>
+            <pc:sldMk cId="887156677" sldId="386"/>
+            <ac:spMk id="3" creationId="{EACFB3C9-5D2A-490A-929A-CFD6464A2D27}"/>
+          </ac:spMkLst>
+        </pc:spChg>
+        <pc:spChg chg="mod">
+          <ac:chgData name="Li, Hongfei" userId="a40c84e6-5e39-43b0-bf5a-8db6023e65fb" providerId="ADAL" clId="{3DE8D662-8163-4739-A869-E16AD45C5E0E}" dt="2019-10-27T22:35:49.470" v="24"/>
+          <ac:spMkLst>
+            <pc:docMk/>
+            <pc:sldMk cId="887156677" sldId="386"/>
+            <ac:spMk id="5" creationId="{0A61B03A-5667-4AF4-940E-DE19C80C4355}"/>
+          </ac:spMkLst>
+        </pc:spChg>
+        <pc:spChg chg="add mod">
+          <ac:chgData name="Li, Hongfei" userId="a40c84e6-5e39-43b0-bf5a-8db6023e65fb" providerId="ADAL" clId="{3DE8D662-8163-4739-A869-E16AD45C5E0E}" dt="2019-10-27T22:29:43.635" v="3" actId="1076"/>
+          <ac:spMkLst>
+            <pc:docMk/>
+            <pc:sldMk cId="887156677" sldId="386"/>
+            <ac:spMk id="7" creationId="{4BE61C01-EDA1-45E2-A903-BC65D915254A}"/>
+          </ac:spMkLst>
+        </pc:spChg>
+        <pc:spChg chg="add mod">
+          <ac:chgData name="Li, Hongfei" userId="a40c84e6-5e39-43b0-bf5a-8db6023e65fb" providerId="ADAL" clId="{3DE8D662-8163-4739-A869-E16AD45C5E0E}" dt="2019-10-27T22:35:53.538" v="27" actId="1076"/>
+          <ac:spMkLst>
+            <pc:docMk/>
+            <pc:sldMk cId="887156677" sldId="386"/>
+            <ac:spMk id="11" creationId="{30EB2FB7-1997-4A53-860D-FDB878D4A89E}"/>
+          </ac:spMkLst>
+        </pc:spChg>
+        <pc:grpChg chg="add mod">
+          <ac:chgData name="Li, Hongfei" userId="a40c84e6-5e39-43b0-bf5a-8db6023e65fb" providerId="ADAL" clId="{3DE8D662-8163-4739-A869-E16AD45C5E0E}" dt="2019-10-27T22:29:43.635" v="3" actId="1076"/>
+          <ac:grpSpMkLst>
+            <pc:docMk/>
+            <pc:sldMk cId="887156677" sldId="386"/>
+            <ac:grpSpMk id="8" creationId="{AF2E8D09-21AA-4008-B22E-AA5B8FDE868E}"/>
+          </ac:grpSpMkLst>
+        </pc:grpChg>
+      </pc:sldChg>
+      <pc:sldChg chg="addSp delSp modSp delAnim modAnim">
+        <pc:chgData name="Li, Hongfei" userId="a40c84e6-5e39-43b0-bf5a-8db6023e65fb" providerId="ADAL" clId="{3DE8D662-8163-4739-A869-E16AD45C5E0E}" dt="2019-10-27T22:48:31.990" v="1040" actId="20577"/>
+        <pc:sldMkLst>
+          <pc:docMk/>
+          <pc:sldMk cId="2734681574" sldId="432"/>
+        </pc:sldMkLst>
+        <pc:spChg chg="add mod">
+          <ac:chgData name="Li, Hongfei" userId="a40c84e6-5e39-43b0-bf5a-8db6023e65fb" providerId="ADAL" clId="{3DE8D662-8163-4739-A869-E16AD45C5E0E}" dt="2019-10-27T22:48:31.990" v="1040" actId="20577"/>
+          <ac:spMkLst>
+            <pc:docMk/>
+            <pc:sldMk cId="2734681574" sldId="432"/>
+            <ac:spMk id="2" creationId="{401BB94B-FC7E-4C90-9457-38245D69A5B2}"/>
+          </ac:spMkLst>
+        </pc:spChg>
+        <pc:spChg chg="del">
+          <ac:chgData name="Li, Hongfei" userId="a40c84e6-5e39-43b0-bf5a-8db6023e65fb" providerId="ADAL" clId="{3DE8D662-8163-4739-A869-E16AD45C5E0E}" dt="2019-10-27T22:37:02.900" v="30" actId="478"/>
+          <ac:spMkLst>
+            <pc:docMk/>
+            <pc:sldMk cId="2734681574" sldId="432"/>
+            <ac:spMk id="3" creationId="{9CBC60C1-4FAD-43AF-991A-F2A21DE7A7F8}"/>
+          </ac:spMkLst>
+        </pc:spChg>
+        <pc:spChg chg="del">
+          <ac:chgData name="Li, Hongfei" userId="a40c84e6-5e39-43b0-bf5a-8db6023e65fb" providerId="ADAL" clId="{3DE8D662-8163-4739-A869-E16AD45C5E0E}" dt="2019-10-27T22:37:02.900" v="30" actId="478"/>
+          <ac:spMkLst>
+            <pc:docMk/>
+            <pc:sldMk cId="2734681574" sldId="432"/>
+            <ac:spMk id="5" creationId="{946B2B87-8485-4A55-9849-23115132704A}"/>
+          </ac:spMkLst>
+        </pc:spChg>
+        <pc:spChg chg="del">
+          <ac:chgData name="Li, Hongfei" userId="a40c84e6-5e39-43b0-bf5a-8db6023e65fb" providerId="ADAL" clId="{3DE8D662-8163-4739-A869-E16AD45C5E0E}" dt="2019-10-27T22:37:02.900" v="30" actId="478"/>
+          <ac:spMkLst>
+            <pc:docMk/>
+            <pc:sldMk cId="2734681574" sldId="432"/>
+            <ac:spMk id="6" creationId="{2D8FCF10-CEAB-4A79-8DB8-BA93E0E03A8A}"/>
+          </ac:spMkLst>
+        </pc:spChg>
+        <pc:spChg chg="del">
+          <ac:chgData name="Li, Hongfei" userId="a40c84e6-5e39-43b0-bf5a-8db6023e65fb" providerId="ADAL" clId="{3DE8D662-8163-4739-A869-E16AD45C5E0E}" dt="2019-10-27T22:37:11.346" v="33" actId="478"/>
+          <ac:spMkLst>
+            <pc:docMk/>
+            <pc:sldMk cId="2734681574" sldId="432"/>
+            <ac:spMk id="8" creationId="{05FE77DA-2642-49A2-8729-FD77589F6378}"/>
+          </ac:spMkLst>
+        </pc:spChg>
+        <pc:spChg chg="del">
+          <ac:chgData name="Li, Hongfei" userId="a40c84e6-5e39-43b0-bf5a-8db6023e65fb" providerId="ADAL" clId="{3DE8D662-8163-4739-A869-E16AD45C5E0E}" dt="2019-10-27T22:37:12.660" v="34" actId="478"/>
+          <ac:spMkLst>
+            <pc:docMk/>
+            <pc:sldMk cId="2734681574" sldId="432"/>
+            <ac:spMk id="11" creationId="{D90CF1C4-74B7-4247-9A1D-322A1F9C3A04}"/>
+          </ac:spMkLst>
+        </pc:spChg>
+        <pc:spChg chg="mod">
+          <ac:chgData name="Li, Hongfei" userId="a40c84e6-5e39-43b0-bf5a-8db6023e65fb" providerId="ADAL" clId="{3DE8D662-8163-4739-A869-E16AD45C5E0E}" dt="2019-10-27T22:37:46.054" v="46" actId="20577"/>
+          <ac:spMkLst>
+            <pc:docMk/>
+            <pc:sldMk cId="2734681574" sldId="432"/>
+            <ac:spMk id="29" creationId="{570586E7-2E10-4909-96D7-DB096D40A1B1}"/>
+          </ac:spMkLst>
+        </pc:spChg>
+        <pc:spChg chg="del">
+          <ac:chgData name="Li, Hongfei" userId="a40c84e6-5e39-43b0-bf5a-8db6023e65fb" providerId="ADAL" clId="{3DE8D662-8163-4739-A869-E16AD45C5E0E}" dt="2019-10-27T22:37:04.776" v="31" actId="478"/>
+          <ac:spMkLst>
+            <pc:docMk/>
+            <pc:sldMk cId="2734681574" sldId="432"/>
+            <ac:spMk id="31" creationId="{8BCC863F-5463-4D1D-A019-63D64DBF3B28}"/>
+          </ac:spMkLst>
+        </pc:spChg>
+        <pc:grpChg chg="del">
+          <ac:chgData name="Li, Hongfei" userId="a40c84e6-5e39-43b0-bf5a-8db6023e65fb" providerId="ADAL" clId="{3DE8D662-8163-4739-A869-E16AD45C5E0E}" dt="2019-10-27T22:37:02.900" v="30" actId="478"/>
+          <ac:grpSpMkLst>
+            <pc:docMk/>
+            <pc:sldMk cId="2734681574" sldId="432"/>
+            <ac:grpSpMk id="9" creationId="{13438677-88B3-4EFB-ABE4-2AE4C3F84E9A}"/>
+          </ac:grpSpMkLst>
+        </pc:grpChg>
+        <pc:grpChg chg="del">
+          <ac:chgData name="Li, Hongfei" userId="a40c84e6-5e39-43b0-bf5a-8db6023e65fb" providerId="ADAL" clId="{3DE8D662-8163-4739-A869-E16AD45C5E0E}" dt="2019-10-27T22:37:02.900" v="30" actId="478"/>
+          <ac:grpSpMkLst>
+            <pc:docMk/>
+            <pc:sldMk cId="2734681574" sldId="432"/>
+            <ac:grpSpMk id="14" creationId="{EDE2A76E-174D-4AA8-BBF6-CF8A98598254}"/>
+          </ac:grpSpMkLst>
+        </pc:grpChg>
+        <pc:grpChg chg="del">
+          <ac:chgData name="Li, Hongfei" userId="a40c84e6-5e39-43b0-bf5a-8db6023e65fb" providerId="ADAL" clId="{3DE8D662-8163-4739-A869-E16AD45C5E0E}" dt="2019-10-27T22:37:02.900" v="30" actId="478"/>
+          <ac:grpSpMkLst>
+            <pc:docMk/>
+            <pc:sldMk cId="2734681574" sldId="432"/>
+            <ac:grpSpMk id="17" creationId="{223CBFE3-4531-4697-B896-7662A6276129}"/>
+          </ac:grpSpMkLst>
+        </pc:grpChg>
+        <pc:grpChg chg="del">
+          <ac:chgData name="Li, Hongfei" userId="a40c84e6-5e39-43b0-bf5a-8db6023e65fb" providerId="ADAL" clId="{3DE8D662-8163-4739-A869-E16AD45C5E0E}" dt="2019-10-27T22:37:02.900" v="30" actId="478"/>
+          <ac:grpSpMkLst>
+            <pc:docMk/>
+            <pc:sldMk cId="2734681574" sldId="432"/>
+            <ac:grpSpMk id="20" creationId="{1EE7DF7B-960F-4C22-8725-6B8A516D6DBF}"/>
+          </ac:grpSpMkLst>
+        </pc:grpChg>
+        <pc:grpChg chg="del">
+          <ac:chgData name="Li, Hongfei" userId="a40c84e6-5e39-43b0-bf5a-8db6023e65fb" providerId="ADAL" clId="{3DE8D662-8163-4739-A869-E16AD45C5E0E}" dt="2019-10-27T22:37:02.900" v="30" actId="478"/>
+          <ac:grpSpMkLst>
+            <pc:docMk/>
+            <pc:sldMk cId="2734681574" sldId="432"/>
+            <ac:grpSpMk id="26" creationId="{5E8701B9-B425-4524-87AA-D152CEA9BBBE}"/>
+          </ac:grpSpMkLst>
+        </pc:grpChg>
+        <pc:graphicFrameChg chg="del">
+          <ac:chgData name="Li, Hongfei" userId="a40c84e6-5e39-43b0-bf5a-8db6023e65fb" providerId="ADAL" clId="{3DE8D662-8163-4739-A869-E16AD45C5E0E}" dt="2019-10-27T22:37:07.190" v="32" actId="478"/>
+          <ac:graphicFrameMkLst>
+            <pc:docMk/>
+            <pc:sldMk cId="2734681574" sldId="432"/>
+            <ac:graphicFrameMk id="7" creationId="{F98E2A43-ADA5-4303-9C55-21D5ADC2F552}"/>
+          </ac:graphicFrameMkLst>
+        </pc:graphicFrameChg>
+        <pc:graphicFrameChg chg="del">
+          <ac:chgData name="Li, Hongfei" userId="a40c84e6-5e39-43b0-bf5a-8db6023e65fb" providerId="ADAL" clId="{3DE8D662-8163-4739-A869-E16AD45C5E0E}" dt="2019-10-27T22:37:02.900" v="30" actId="478"/>
+          <ac:graphicFrameMkLst>
+            <pc:docMk/>
+            <pc:sldMk cId="2734681574" sldId="432"/>
+            <ac:graphicFrameMk id="10" creationId="{CFFF2D02-42D0-4060-99C9-6F0925870282}"/>
+          </ac:graphicFrameMkLst>
+        </pc:graphicFrameChg>
+        <pc:picChg chg="del">
+          <ac:chgData name="Li, Hongfei" userId="a40c84e6-5e39-43b0-bf5a-8db6023e65fb" providerId="ADAL" clId="{3DE8D662-8163-4739-A869-E16AD45C5E0E}" dt="2019-10-27T22:37:02.900" v="30" actId="478"/>
+          <ac:picMkLst>
+            <pc:docMk/>
+            <pc:sldMk cId="2734681574" sldId="432"/>
+            <ac:picMk id="19458" creationId="{D77FDF38-85E8-4473-9534-A17FF0F3C3FA}"/>
+          </ac:picMkLst>
+        </pc:picChg>
+        <pc:picChg chg="del">
+          <ac:chgData name="Li, Hongfei" userId="a40c84e6-5e39-43b0-bf5a-8db6023e65fb" providerId="ADAL" clId="{3DE8D662-8163-4739-A869-E16AD45C5E0E}" dt="2019-10-27T22:37:02.900" v="30" actId="478"/>
+          <ac:picMkLst>
+            <pc:docMk/>
+            <pc:sldMk cId="2734681574" sldId="432"/>
+            <ac:picMk id="19460" creationId="{CFC8A51D-793E-4A31-834B-BE60AD0FCC32}"/>
+          </ac:picMkLst>
+        </pc:picChg>
+        <pc:picChg chg="del">
+          <ac:chgData name="Li, Hongfei" userId="a40c84e6-5e39-43b0-bf5a-8db6023e65fb" providerId="ADAL" clId="{3DE8D662-8163-4739-A869-E16AD45C5E0E}" dt="2019-10-27T22:37:02.900" v="30" actId="478"/>
+          <ac:picMkLst>
+            <pc:docMk/>
+            <pc:sldMk cId="2734681574" sldId="432"/>
+            <ac:picMk id="19462" creationId="{2B46D62A-5EA0-4885-B818-4AA5793E55F4}"/>
+          </ac:picMkLst>
+        </pc:picChg>
+        <pc:picChg chg="del">
+          <ac:chgData name="Li, Hongfei" userId="a40c84e6-5e39-43b0-bf5a-8db6023e65fb" providerId="ADAL" clId="{3DE8D662-8163-4739-A869-E16AD45C5E0E}" dt="2019-10-27T22:37:02.900" v="30" actId="478"/>
+          <ac:picMkLst>
+            <pc:docMk/>
+            <pc:sldMk cId="2734681574" sldId="432"/>
+            <ac:picMk id="19464" creationId="{CCE4D13D-2312-465C-8450-F9B2DB195CD3}"/>
+          </ac:picMkLst>
+        </pc:picChg>
+      </pc:sldChg>
+      <pc:sldChg chg="addSp delSp modSp modAnim">
+        <pc:chgData name="Li, Hongfei" userId="a40c84e6-5e39-43b0-bf5a-8db6023e65fb" providerId="ADAL" clId="{3DE8D662-8163-4739-A869-E16AD45C5E0E}" dt="2019-10-27T22:55:53.134" v="1572" actId="20577"/>
+        <pc:sldMkLst>
+          <pc:docMk/>
+          <pc:sldMk cId="2649548640" sldId="457"/>
+        </pc:sldMkLst>
+        <pc:spChg chg="add mod">
+          <ac:chgData name="Li, Hongfei" userId="a40c84e6-5e39-43b0-bf5a-8db6023e65fb" providerId="ADAL" clId="{3DE8D662-8163-4739-A869-E16AD45C5E0E}" dt="2019-10-27T22:55:53.134" v="1572" actId="20577"/>
+          <ac:spMkLst>
+            <pc:docMk/>
+            <pc:sldMk cId="2649548640" sldId="457"/>
+            <ac:spMk id="3" creationId="{71A339FF-DAA7-408A-823A-67E69A4D1A48}"/>
+          </ac:spMkLst>
+        </pc:spChg>
+        <pc:spChg chg="mod">
+          <ac:chgData name="Li, Hongfei" userId="a40c84e6-5e39-43b0-bf5a-8db6023e65fb" providerId="ADAL" clId="{3DE8D662-8163-4739-A869-E16AD45C5E0E}" dt="2019-10-27T22:54:26.358" v="1435" actId="20577"/>
+          <ac:spMkLst>
+            <pc:docMk/>
+            <pc:sldMk cId="2649548640" sldId="457"/>
+            <ac:spMk id="8" creationId="{D398591B-401B-4D8A-8E47-C691628EF196}"/>
+          </ac:spMkLst>
+        </pc:spChg>
+        <pc:spChg chg="del">
+          <ac:chgData name="Li, Hongfei" userId="a40c84e6-5e39-43b0-bf5a-8db6023e65fb" providerId="ADAL" clId="{3DE8D662-8163-4739-A869-E16AD45C5E0E}" dt="2019-10-27T22:48:38.570" v="1041" actId="478"/>
+          <ac:spMkLst>
+            <pc:docMk/>
+            <pc:sldMk cId="2649548640" sldId="457"/>
+            <ac:spMk id="22" creationId="{2BC1136B-DE4D-4321-A55C-C54E9B13B5B2}"/>
+          </ac:spMkLst>
+        </pc:spChg>
+        <pc:spChg chg="del">
+          <ac:chgData name="Li, Hongfei" userId="a40c84e6-5e39-43b0-bf5a-8db6023e65fb" providerId="ADAL" clId="{3DE8D662-8163-4739-A869-E16AD45C5E0E}" dt="2019-10-27T22:48:38.570" v="1041" actId="478"/>
+          <ac:spMkLst>
+            <pc:docMk/>
+            <pc:sldMk cId="2649548640" sldId="457"/>
+            <ac:spMk id="23" creationId="{3BA2AC16-932C-4EA5-84C8-CBEEE3E4C4F0}"/>
+          </ac:spMkLst>
+        </pc:spChg>
+        <pc:spChg chg="del">
+          <ac:chgData name="Li, Hongfei" userId="a40c84e6-5e39-43b0-bf5a-8db6023e65fb" providerId="ADAL" clId="{3DE8D662-8163-4739-A869-E16AD45C5E0E}" dt="2019-10-27T22:48:38.570" v="1041" actId="478"/>
+          <ac:spMkLst>
+            <pc:docMk/>
+            <pc:sldMk cId="2649548640" sldId="457"/>
+            <ac:spMk id="24" creationId="{554B0648-78D7-4244-9253-D268D309A937}"/>
+          </ac:spMkLst>
+        </pc:spChg>
+        <pc:spChg chg="del">
+          <ac:chgData name="Li, Hongfei" userId="a40c84e6-5e39-43b0-bf5a-8db6023e65fb" providerId="ADAL" clId="{3DE8D662-8163-4739-A869-E16AD45C5E0E}" dt="2019-10-27T22:48:38.570" v="1041" actId="478"/>
+          <ac:spMkLst>
+            <pc:docMk/>
+            <pc:sldMk cId="2649548640" sldId="457"/>
+            <ac:spMk id="25" creationId="{A79EBFEC-0E8F-4D76-826D-B8DB708D7F85}"/>
+          </ac:spMkLst>
+        </pc:spChg>
+        <pc:spChg chg="del">
+          <ac:chgData name="Li, Hongfei" userId="a40c84e6-5e39-43b0-bf5a-8db6023e65fb" providerId="ADAL" clId="{3DE8D662-8163-4739-A869-E16AD45C5E0E}" dt="2019-10-27T22:48:38.570" v="1041" actId="478"/>
+          <ac:spMkLst>
+            <pc:docMk/>
+            <pc:sldMk cId="2649548640" sldId="457"/>
+            <ac:spMk id="44" creationId="{FF3ADD7B-B971-4333-953F-0A031379824D}"/>
+          </ac:spMkLst>
+        </pc:spChg>
+        <pc:spChg chg="del">
+          <ac:chgData name="Li, Hongfei" userId="a40c84e6-5e39-43b0-bf5a-8db6023e65fb" providerId="ADAL" clId="{3DE8D662-8163-4739-A869-E16AD45C5E0E}" dt="2019-10-27T22:48:38.570" v="1041" actId="478"/>
+          <ac:spMkLst>
+            <pc:docMk/>
+            <pc:sldMk cId="2649548640" sldId="457"/>
+            <ac:spMk id="49" creationId="{4C84C887-5053-488C-B8B1-AFB48DC5E471}"/>
+          </ac:spMkLst>
+        </pc:spChg>
+        <pc:grpChg chg="del">
+          <ac:chgData name="Li, Hongfei" userId="a40c84e6-5e39-43b0-bf5a-8db6023e65fb" providerId="ADAL" clId="{3DE8D662-8163-4739-A869-E16AD45C5E0E}" dt="2019-10-27T22:48:38.570" v="1041" actId="478"/>
+          <ac:grpSpMkLst>
+            <pc:docMk/>
+            <pc:sldMk cId="2649548640" sldId="457"/>
+            <ac:grpSpMk id="46" creationId="{BBE63823-AEBB-43C1-9C46-4BCB19A95341}"/>
+          </ac:grpSpMkLst>
+        </pc:grpChg>
+        <pc:grpChg chg="del">
+          <ac:chgData name="Li, Hongfei" userId="a40c84e6-5e39-43b0-bf5a-8db6023e65fb" providerId="ADAL" clId="{3DE8D662-8163-4739-A869-E16AD45C5E0E}" dt="2019-10-27T22:48:38.570" v="1041" actId="478"/>
+          <ac:grpSpMkLst>
+            <pc:docMk/>
+            <pc:sldMk cId="2649548640" sldId="457"/>
+            <ac:grpSpMk id="51" creationId="{FDFD36AA-DA3E-4B0F-AC5C-66D88C791E2D}"/>
+          </ac:grpSpMkLst>
+        </pc:grpChg>
+        <pc:picChg chg="del">
+          <ac:chgData name="Li, Hongfei" userId="a40c84e6-5e39-43b0-bf5a-8db6023e65fb" providerId="ADAL" clId="{3DE8D662-8163-4739-A869-E16AD45C5E0E}" dt="2019-10-27T22:48:38.570" v="1041" actId="478"/>
+          <ac:picMkLst>
+            <pc:docMk/>
+            <pc:sldMk cId="2649548640" sldId="457"/>
+            <ac:picMk id="2" creationId="{FAC1819E-24BE-4051-9CC1-E7DCDEFAF2C9}"/>
+          </ac:picMkLst>
+        </pc:picChg>
+        <pc:picChg chg="del">
+          <ac:chgData name="Li, Hongfei" userId="a40c84e6-5e39-43b0-bf5a-8db6023e65fb" providerId="ADAL" clId="{3DE8D662-8163-4739-A869-E16AD45C5E0E}" dt="2019-10-27T22:48:38.570" v="1041" actId="478"/>
+          <ac:picMkLst>
+            <pc:docMk/>
+            <pc:sldMk cId="2649548640" sldId="457"/>
+            <ac:picMk id="28678" creationId="{4F0ECFF2-8800-4EF7-9D74-EE8585DB63B4}"/>
+          </ac:picMkLst>
+        </pc:picChg>
+      </pc:sldChg>
+      <pc:sldChg chg="addSp delSp modSp delAnim">
+        <pc:chgData name="Li, Hongfei" userId="a40c84e6-5e39-43b0-bf5a-8db6023e65fb" providerId="ADAL" clId="{3DE8D662-8163-4739-A869-E16AD45C5E0E}" dt="2019-10-27T22:34:37.932" v="20" actId="1076"/>
+        <pc:sldMkLst>
+          <pc:docMk/>
+          <pc:sldMk cId="787245671" sldId="464"/>
+        </pc:sldMkLst>
+        <pc:spChg chg="mod">
+          <ac:chgData name="Li, Hongfei" userId="a40c84e6-5e39-43b0-bf5a-8db6023e65fb" providerId="ADAL" clId="{3DE8D662-8163-4739-A869-E16AD45C5E0E}" dt="2019-10-27T22:33:59.321" v="7"/>
+          <ac:spMkLst>
+            <pc:docMk/>
+            <pc:sldMk cId="787245671" sldId="464"/>
+            <ac:spMk id="2" creationId="{00000000-0000-0000-0000-000000000000}"/>
+          </ac:spMkLst>
+        </pc:spChg>
+        <pc:spChg chg="del">
+          <ac:chgData name="Li, Hongfei" userId="a40c84e6-5e39-43b0-bf5a-8db6023e65fb" providerId="ADAL" clId="{3DE8D662-8163-4739-A869-E16AD45C5E0E}" dt="2019-10-27T22:34:05.138" v="8" actId="478"/>
+          <ac:spMkLst>
+            <pc:docMk/>
+            <pc:sldMk cId="787245671" sldId="464"/>
+            <ac:spMk id="3" creationId="{BC607216-A2D1-4AB3-A971-20B8961E6186}"/>
+          </ac:spMkLst>
+        </pc:spChg>
+        <pc:spChg chg="add del">
+          <ac:chgData name="Li, Hongfei" userId="a40c84e6-5e39-43b0-bf5a-8db6023e65fb" providerId="ADAL" clId="{3DE8D662-8163-4739-A869-E16AD45C5E0E}" dt="2019-10-27T22:34:14.706" v="10"/>
+          <ac:spMkLst>
+            <pc:docMk/>
+            <pc:sldMk cId="787245671" sldId="464"/>
+            <ac:spMk id="5" creationId="{F98249B6-E548-4B27-84F9-17260D814F33}"/>
+          </ac:spMkLst>
+        </pc:spChg>
+        <pc:spChg chg="add mod">
+          <ac:chgData name="Li, Hongfei" userId="a40c84e6-5e39-43b0-bf5a-8db6023e65fb" providerId="ADAL" clId="{3DE8D662-8163-4739-A869-E16AD45C5E0E}" dt="2019-10-27T22:34:37.932" v="20" actId="1076"/>
+          <ac:spMkLst>
+            <pc:docMk/>
+            <pc:sldMk cId="787245671" sldId="464"/>
+            <ac:spMk id="7" creationId="{1419DBF6-22BE-473B-89CC-B510CA82600C}"/>
+          </ac:spMkLst>
+        </pc:spChg>
+        <pc:spChg chg="del">
+          <ac:chgData name="Li, Hongfei" userId="a40c84e6-5e39-43b0-bf5a-8db6023e65fb" providerId="ADAL" clId="{3DE8D662-8163-4739-A869-E16AD45C5E0E}" dt="2019-10-27T22:34:05.138" v="8" actId="478"/>
+          <ac:spMkLst>
+            <pc:docMk/>
+            <pc:sldMk cId="787245671" sldId="464"/>
+            <ac:spMk id="11" creationId="{2F5C7BAB-271E-4CFA-8BF0-C7E0613BD33D}"/>
+          </ac:spMkLst>
+        </pc:spChg>
+        <pc:spChg chg="del">
+          <ac:chgData name="Li, Hongfei" userId="a40c84e6-5e39-43b0-bf5a-8db6023e65fb" providerId="ADAL" clId="{3DE8D662-8163-4739-A869-E16AD45C5E0E}" dt="2019-10-27T22:34:05.138" v="8" actId="478"/>
+          <ac:spMkLst>
+            <pc:docMk/>
+            <pc:sldMk cId="787245671" sldId="464"/>
+            <ac:spMk id="12" creationId="{7ED99DDF-502C-4CEA-ACB2-B5BA6CEF0439}"/>
+          </ac:spMkLst>
+        </pc:spChg>
+        <pc:spChg chg="del">
+          <ac:chgData name="Li, Hongfei" userId="a40c84e6-5e39-43b0-bf5a-8db6023e65fb" providerId="ADAL" clId="{3DE8D662-8163-4739-A869-E16AD45C5E0E}" dt="2019-10-27T22:34:05.138" v="8" actId="478"/>
+          <ac:spMkLst>
+            <pc:docMk/>
+            <pc:sldMk cId="787245671" sldId="464"/>
+            <ac:spMk id="13" creationId="{0A330273-6757-4AD9-B068-D14A0BA1DFA1}"/>
+          </ac:spMkLst>
+        </pc:spChg>
+        <pc:spChg chg="del">
+          <ac:chgData name="Li, Hongfei" userId="a40c84e6-5e39-43b0-bf5a-8db6023e65fb" providerId="ADAL" clId="{3DE8D662-8163-4739-A869-E16AD45C5E0E}" dt="2019-10-27T22:34:05.138" v="8" actId="478"/>
+          <ac:spMkLst>
+            <pc:docMk/>
+            <pc:sldMk cId="787245671" sldId="464"/>
+            <ac:spMk id="17" creationId="{309E5B43-137B-C449-A008-81F03AFE08BD}"/>
+          </ac:spMkLst>
+        </pc:spChg>
+        <pc:spChg chg="del">
+          <ac:chgData name="Li, Hongfei" userId="a40c84e6-5e39-43b0-bf5a-8db6023e65fb" providerId="ADAL" clId="{3DE8D662-8163-4739-A869-E16AD45C5E0E}" dt="2019-10-27T22:34:05.138" v="8" actId="478"/>
+          <ac:spMkLst>
+            <pc:docMk/>
+            <pc:sldMk cId="787245671" sldId="464"/>
+            <ac:spMk id="25" creationId="{ACD2BF88-C613-4BD1-92A2-3DB3C7A28176}"/>
+          </ac:spMkLst>
+        </pc:spChg>
+        <pc:spChg chg="del">
+          <ac:chgData name="Li, Hongfei" userId="a40c84e6-5e39-43b0-bf5a-8db6023e65fb" providerId="ADAL" clId="{3DE8D662-8163-4739-A869-E16AD45C5E0E}" dt="2019-10-27T22:34:05.138" v="8" actId="478"/>
+          <ac:spMkLst>
+            <pc:docMk/>
+            <pc:sldMk cId="787245671" sldId="464"/>
+            <ac:spMk id="28" creationId="{60C93834-91A8-49FC-A495-E2192AB0BF10}"/>
+          </ac:spMkLst>
+        </pc:spChg>
+        <pc:spChg chg="del">
+          <ac:chgData name="Li, Hongfei" userId="a40c84e6-5e39-43b0-bf5a-8db6023e65fb" providerId="ADAL" clId="{3DE8D662-8163-4739-A869-E16AD45C5E0E}" dt="2019-10-27T22:34:05.138" v="8" actId="478"/>
+          <ac:spMkLst>
+            <pc:docMk/>
+            <pc:sldMk cId="787245671" sldId="464"/>
+            <ac:spMk id="29" creationId="{DB942879-9DD4-4287-8E9D-451ED12A25C5}"/>
+          </ac:spMkLst>
+        </pc:spChg>
+        <pc:cxnChg chg="del mod">
+          <ac:chgData name="Li, Hongfei" userId="a40c84e6-5e39-43b0-bf5a-8db6023e65fb" providerId="ADAL" clId="{3DE8D662-8163-4739-A869-E16AD45C5E0E}" dt="2019-10-27T22:34:05.138" v="8" actId="478"/>
+          <ac:cxnSpMkLst>
+            <pc:docMk/>
+            <pc:sldMk cId="787245671" sldId="464"/>
+            <ac:cxnSpMk id="15" creationId="{E18F1DC9-E05A-4F6A-A963-DB1C0B870A92}"/>
+          </ac:cxnSpMkLst>
+        </pc:cxnChg>
+        <pc:cxnChg chg="del">
+          <ac:chgData name="Li, Hongfei" userId="a40c84e6-5e39-43b0-bf5a-8db6023e65fb" providerId="ADAL" clId="{3DE8D662-8163-4739-A869-E16AD45C5E0E}" dt="2019-10-27T22:34:05.138" v="8" actId="478"/>
+          <ac:cxnSpMkLst>
+            <pc:docMk/>
+            <pc:sldMk cId="787245671" sldId="464"/>
+            <ac:cxnSpMk id="16" creationId="{20CB02FD-FDEE-40F3-8141-4EB7769357C2}"/>
+          </ac:cxnSpMkLst>
+        </pc:cxnChg>
+        <pc:cxnChg chg="del mod">
+          <ac:chgData name="Li, Hongfei" userId="a40c84e6-5e39-43b0-bf5a-8db6023e65fb" providerId="ADAL" clId="{3DE8D662-8163-4739-A869-E16AD45C5E0E}" dt="2019-10-27T22:34:05.138" v="8" actId="478"/>
+          <ac:cxnSpMkLst>
+            <pc:docMk/>
+            <pc:sldMk cId="787245671" sldId="464"/>
+            <ac:cxnSpMk id="24" creationId="{AF7E7BA3-B856-4EA5-95C7-F2D9E14E89AE}"/>
+          </ac:cxnSpMkLst>
+        </pc:cxnChg>
+      </pc:sldChg>
+      <pc:sldChg chg="add">
+        <pc:chgData name="Li, Hongfei" userId="a40c84e6-5e39-43b0-bf5a-8db6023e65fb" providerId="ADAL" clId="{3DE8D662-8163-4739-A869-E16AD45C5E0E}" dt="2019-10-27T22:48:54.039" v="1063"/>
+        <pc:sldMkLst>
+          <pc:docMk/>
+          <pc:sldMk cId="1748588290" sldId="475"/>
+        </pc:sldMkLst>
+      </pc:sldChg>
+    </pc:docChg>
   </pc:docChgLst>
 </pc:chgInfo>
 </file>
@@ -2542,7 +2542,7 @@
           <a:p>
             <a:fld id="{C604CD14-512E-4ED5-BC62-E538007162F6}" type="datetimeFigureOut">
               <a:rPr lang="en-US" smtClean="0"/>
-              <a:t>1/14/2020</a:t>
+              <a:t>2/16/20</a:t>
             </a:fld>
             <a:endParaRPr lang="en-US"/>
           </a:p>
@@ -2707,7 +2707,7 @@
           <a:p>
             <a:fld id="{F596556E-D92C-4943-8DC9-CB9A7CAB1341}" type="datetimeFigureOut">
               <a:rPr lang="en-US" smtClean="0"/>
-              <a:t>1/14/2020</a:t>
+              <a:t>2/16/20</a:t>
             </a:fld>
             <a:endParaRPr lang="en-US"/>
           </a:p>
@@ -7414,7 +7414,7 @@
             <a:fld id="{8ACDB3CC-F982-40F9-8DD6-BCC9AFBF44BD}" type="datetime1">
               <a:rPr lang="en-US" smtClean="0"/>
               <a:pPr/>
-              <a:t>1/14/2020</a:t>
+              <a:t>2/16/20</a:t>
             </a:fld>
             <a:endParaRPr lang="en-US"/>
           </a:p>
@@ -21263,7 +21263,7 @@
         <p:spPr>
           <a:xfrm>
             <a:off x="914399" y="1160652"/>
-            <a:ext cx="10437779" cy="4278094"/>
+            <a:ext cx="10437779" cy="4031873"/>
           </a:xfrm>
           <a:prstGeom prst="rect">
             <a:avLst/>
@@ -21285,7 +21285,7 @@
                 <a:latin typeface="Arial" panose="020B0604020202020204" pitchFamily="34" charset="0"/>
                 <a:cs typeface="Arial" panose="020B0604020202020204" pitchFamily="34" charset="0"/>
               </a:rPr>
-              <a:t>StackOverflow provides a very friendly (could the most friendly) API to scrape its data. See: </a:t>
+              <a:t>StackOverflow provides a very friendly API to scrape its data. See: </a:t>
             </a:r>
             <a:r>
               <a:rPr lang="en-US" sz="1600" dirty="0">
@@ -21675,13 +21675,8 @@
             </a:r>
             <a:r>
               <a:rPr lang="en-US" sz="2000" dirty="0"/>
-              <a:t>: taking advantage of HTML </a:t>
-            </a:r>
-            <a:r>
-              <a:rPr lang="en-US" sz="2000" dirty="0" err="1"/>
-              <a:t>syntex</a:t>
-            </a:r>
-            <a:endParaRPr lang="en-US" sz="2000" dirty="0"/>
+              <a:t>: taking advantage of HTML syntax</a:t>
+            </a:r>
           </a:p>
           <a:p>
             <a:pPr marL="285750" indent="-285750">
@@ -22006,7 +22001,21 @@
                 <a:latin typeface="Arial" panose="020B0604020202020204" pitchFamily="34" charset="0"/>
                 <a:cs typeface="Arial" panose="020B0604020202020204" pitchFamily="34" charset="0"/>
               </a:rPr>
-              <a:t> and Beautiful Soup make Python the best language for web scraping.</a:t>
+              <a:t> and </a:t>
+            </a:r>
+            <a:r>
+              <a:rPr lang="en-US" dirty="0" err="1">
+                <a:latin typeface="Arial" panose="020B0604020202020204" pitchFamily="34" charset="0"/>
+                <a:cs typeface="Arial" panose="020B0604020202020204" pitchFamily="34" charset="0"/>
+              </a:rPr>
+              <a:t>BeautifulSoup</a:t>
+            </a:r>
+            <a:r>
+              <a:rPr lang="en-US" dirty="0">
+                <a:latin typeface="Arial" panose="020B0604020202020204" pitchFamily="34" charset="0"/>
+                <a:cs typeface="Arial" panose="020B0604020202020204" pitchFamily="34" charset="0"/>
+              </a:rPr>
+              <a:t> make Python the best language for web scraping.</a:t>
             </a:r>
           </a:p>
           <a:p>
@@ -23016,7 +23025,7 @@
             </a:pPr>
             <a:r>
               <a:rPr lang="en-US" dirty="0"/>
-              <a:t>Copy and paste the following code to notepad and save it as “.html”. Then open the file with any browser.</a:t>
+              <a:t>Copy and paste the following codes to notepad and save it as “.html”. Then open the file with any browser.</a:t>
             </a:r>
           </a:p>
           <a:p>
@@ -23026,7 +23035,7 @@
             </a:pPr>
             <a:r>
               <a:rPr lang="en-US" dirty="0"/>
-              <a:t>Makeups do not shows up</a:t>
+              <a:t>Makeups do not show up</a:t>
             </a:r>
           </a:p>
           <a:p>
@@ -23036,7 +23045,7 @@
             </a:pPr>
             <a:r>
               <a:rPr lang="en-US" dirty="0"/>
-              <a:t>Tree structure, same structure for different nodes of specific information</a:t>
+              <a:t>Tree structure, same structure for different nodes of parallel information</a:t>
             </a:r>
           </a:p>
           <a:p>
@@ -31894,7 +31903,7 @@
                 <a:latin typeface="Arial" panose="020B0604020202020204" pitchFamily="34" charset="0"/>
                 <a:cs typeface="Arial" panose="020B0604020202020204" pitchFamily="34" charset="0"/>
               </a:rPr>
-              <a:t>.*&gt; .*&lt;/a&gt;’, but we only need the link for faculty, not for other things such as an image. The you may need to redefine the pattern as ‘&lt;a href.* id .* &gt; .*&lt;/a&gt;’, but what if some other contents also follow this pattern? The you may need to redefine the pattern again. Finally, you may find the pattern to be very complicated to help you locate to specific contents. However, the website designers are very likely to change their websites periodically…</a:t>
+              <a:t>.*&gt; .*&lt;/a&gt;’, but we only need the link for faculty, not for other things such as an image. Then you may need to redefine the pattern as ‘&lt;a href.* id .* &gt; .*&lt;/a&gt;’, but what if some other contents also follow this pattern? Then you may need to redefine the pattern again. Finally, you may find the pattern to be very complicated to help you locate to specific contents. However, the website designers are very likely to change their websites periodically…</a:t>
             </a:r>
           </a:p>
           <a:p>

--- a/Introduction to Webscraping.pptx
+++ b/Introduction to Webscraping.pptx
@@ -316,7 +316,495 @@
     </pc:docChg>
   </pc:docChgLst>
   <pc:docChgLst>
-    <pc:chgData name="Li, Hongfei" userId="a40c84e6-5e39-43b0-bf5a-8db6023e65fb" providerId="ADAL" clId="{D5677FC7-54B6-4686-8528-BE3CB3308F07}"/>
+    <pc:chgData name="Li, Hongfei" userId="a40c84e6-5e39-43b0-bf5a-8db6023e65fb" providerId="ADAL" clId="{4DD3AEC3-25D1-4068-B5A6-7AC849871B00}"/>
+    <pc:docChg chg="modSld">
+      <pc:chgData name="Li, Hongfei" userId="a40c84e6-5e39-43b0-bf5a-8db6023e65fb" providerId="ADAL" clId="{4DD3AEC3-25D1-4068-B5A6-7AC849871B00}" dt="2020-02-19T03:03:57.883" v="11" actId="6549"/>
+      <pc:docMkLst>
+        <pc:docMk/>
+      </pc:docMkLst>
+      <pc:sldChg chg="modSp">
+        <pc:chgData name="Li, Hongfei" userId="a40c84e6-5e39-43b0-bf5a-8db6023e65fb" providerId="ADAL" clId="{4DD3AEC3-25D1-4068-B5A6-7AC849871B00}" dt="2020-02-19T03:03:57.883" v="11" actId="6549"/>
+        <pc:sldMkLst>
+          <pc:docMk/>
+          <pc:sldMk cId="3696185631" sldId="476"/>
+        </pc:sldMkLst>
+        <pc:spChg chg="mod">
+          <ac:chgData name="Li, Hongfei" userId="a40c84e6-5e39-43b0-bf5a-8db6023e65fb" providerId="ADAL" clId="{4DD3AEC3-25D1-4068-B5A6-7AC849871B00}" dt="2020-02-19T03:03:57.883" v="11" actId="6549"/>
+          <ac:spMkLst>
+            <pc:docMk/>
+            <pc:sldMk cId="3696185631" sldId="476"/>
+            <ac:spMk id="2" creationId="{D8558B22-D716-0F49-B2B5-41295A60F561}"/>
+          </ac:spMkLst>
+        </pc:spChg>
+      </pc:sldChg>
+      <pc:sldChg chg="modSp">
+        <pc:chgData name="Li, Hongfei" userId="a40c84e6-5e39-43b0-bf5a-8db6023e65fb" providerId="ADAL" clId="{4DD3AEC3-25D1-4068-B5A6-7AC849871B00}" dt="2020-02-19T03:03:50.941" v="10" actId="20577"/>
+        <pc:sldMkLst>
+          <pc:docMk/>
+          <pc:sldMk cId="2664006087" sldId="480"/>
+        </pc:sldMkLst>
+        <pc:spChg chg="mod">
+          <ac:chgData name="Li, Hongfei" userId="a40c84e6-5e39-43b0-bf5a-8db6023e65fb" providerId="ADAL" clId="{4DD3AEC3-25D1-4068-B5A6-7AC849871B00}" dt="2020-02-19T03:03:50.941" v="10" actId="20577"/>
+          <ac:spMkLst>
+            <pc:docMk/>
+            <pc:sldMk cId="2664006087" sldId="480"/>
+            <ac:spMk id="9" creationId="{95FFE162-9F8B-4560-A2E5-60B85A40B280}"/>
+          </ac:spMkLst>
+        </pc:spChg>
+      </pc:sldChg>
+    </pc:docChg>
+  </pc:docChgLst>
+  <pc:docChgLst>
+    <pc:chgData name="Li, Hongfei" userId="a40c84e6-5e39-43b0-bf5a-8db6023e65fb" providerId="ADAL" clId="{3DE8D662-8163-4739-A869-E16AD45C5E0E}"/>
+    <pc:docChg chg="undo custSel addSld modSld">
+      <pc:chgData name="Li, Hongfei" userId="a40c84e6-5e39-43b0-bf5a-8db6023e65fb" providerId="ADAL" clId="{3DE8D662-8163-4739-A869-E16AD45C5E0E}" dt="2019-10-27T22:55:53.134" v="1572" actId="20577"/>
+      <pc:docMkLst>
+        <pc:docMk/>
+      </pc:docMkLst>
+      <pc:sldChg chg="addSp modSp modAnim">
+        <pc:chgData name="Li, Hongfei" userId="a40c84e6-5e39-43b0-bf5a-8db6023e65fb" providerId="ADAL" clId="{3DE8D662-8163-4739-A869-E16AD45C5E0E}" dt="2019-10-27T22:35:57.978" v="29" actId="14100"/>
+        <pc:sldMkLst>
+          <pc:docMk/>
+          <pc:sldMk cId="887156677" sldId="386"/>
+        </pc:sldMkLst>
+        <pc:spChg chg="mod">
+          <ac:chgData name="Li, Hongfei" userId="a40c84e6-5e39-43b0-bf5a-8db6023e65fb" providerId="ADAL" clId="{3DE8D662-8163-4739-A869-E16AD45C5E0E}" dt="2019-10-27T22:29:48.837" v="6"/>
+          <ac:spMkLst>
+            <pc:docMk/>
+            <pc:sldMk cId="887156677" sldId="386"/>
+            <ac:spMk id="2" creationId="{00000000-0000-0000-0000-000000000000}"/>
+          </ac:spMkLst>
+        </pc:spChg>
+        <pc:spChg chg="add mod">
+          <ac:chgData name="Li, Hongfei" userId="a40c84e6-5e39-43b0-bf5a-8db6023e65fb" providerId="ADAL" clId="{3DE8D662-8163-4739-A869-E16AD45C5E0E}" dt="2019-10-27T22:35:57.978" v="29" actId="14100"/>
+          <ac:spMkLst>
+            <pc:docMk/>
+            <pc:sldMk cId="887156677" sldId="386"/>
+            <ac:spMk id="3" creationId="{EACFB3C9-5D2A-490A-929A-CFD6464A2D27}"/>
+          </ac:spMkLst>
+        </pc:spChg>
+        <pc:spChg chg="mod">
+          <ac:chgData name="Li, Hongfei" userId="a40c84e6-5e39-43b0-bf5a-8db6023e65fb" providerId="ADAL" clId="{3DE8D662-8163-4739-A869-E16AD45C5E0E}" dt="2019-10-27T22:35:49.470" v="24"/>
+          <ac:spMkLst>
+            <pc:docMk/>
+            <pc:sldMk cId="887156677" sldId="386"/>
+            <ac:spMk id="5" creationId="{0A61B03A-5667-4AF4-940E-DE19C80C4355}"/>
+          </ac:spMkLst>
+        </pc:spChg>
+        <pc:spChg chg="add mod">
+          <ac:chgData name="Li, Hongfei" userId="a40c84e6-5e39-43b0-bf5a-8db6023e65fb" providerId="ADAL" clId="{3DE8D662-8163-4739-A869-E16AD45C5E0E}" dt="2019-10-27T22:29:43.635" v="3" actId="1076"/>
+          <ac:spMkLst>
+            <pc:docMk/>
+            <pc:sldMk cId="887156677" sldId="386"/>
+            <ac:spMk id="7" creationId="{4BE61C01-EDA1-45E2-A903-BC65D915254A}"/>
+          </ac:spMkLst>
+        </pc:spChg>
+        <pc:spChg chg="add mod">
+          <ac:chgData name="Li, Hongfei" userId="a40c84e6-5e39-43b0-bf5a-8db6023e65fb" providerId="ADAL" clId="{3DE8D662-8163-4739-A869-E16AD45C5E0E}" dt="2019-10-27T22:35:53.538" v="27" actId="1076"/>
+          <ac:spMkLst>
+            <pc:docMk/>
+            <pc:sldMk cId="887156677" sldId="386"/>
+            <ac:spMk id="11" creationId="{30EB2FB7-1997-4A53-860D-FDB878D4A89E}"/>
+          </ac:spMkLst>
+        </pc:spChg>
+        <pc:grpChg chg="add mod">
+          <ac:chgData name="Li, Hongfei" userId="a40c84e6-5e39-43b0-bf5a-8db6023e65fb" providerId="ADAL" clId="{3DE8D662-8163-4739-A869-E16AD45C5E0E}" dt="2019-10-27T22:29:43.635" v="3" actId="1076"/>
+          <ac:grpSpMkLst>
+            <pc:docMk/>
+            <pc:sldMk cId="887156677" sldId="386"/>
+            <ac:grpSpMk id="8" creationId="{AF2E8D09-21AA-4008-B22E-AA5B8FDE868E}"/>
+          </ac:grpSpMkLst>
+        </pc:grpChg>
+      </pc:sldChg>
+      <pc:sldChg chg="addSp delSp modSp delAnim modAnim">
+        <pc:chgData name="Li, Hongfei" userId="a40c84e6-5e39-43b0-bf5a-8db6023e65fb" providerId="ADAL" clId="{3DE8D662-8163-4739-A869-E16AD45C5E0E}" dt="2019-10-27T22:48:31.990" v="1040" actId="20577"/>
+        <pc:sldMkLst>
+          <pc:docMk/>
+          <pc:sldMk cId="2734681574" sldId="432"/>
+        </pc:sldMkLst>
+        <pc:spChg chg="add mod">
+          <ac:chgData name="Li, Hongfei" userId="a40c84e6-5e39-43b0-bf5a-8db6023e65fb" providerId="ADAL" clId="{3DE8D662-8163-4739-A869-E16AD45C5E0E}" dt="2019-10-27T22:48:31.990" v="1040" actId="20577"/>
+          <ac:spMkLst>
+            <pc:docMk/>
+            <pc:sldMk cId="2734681574" sldId="432"/>
+            <ac:spMk id="2" creationId="{401BB94B-FC7E-4C90-9457-38245D69A5B2}"/>
+          </ac:spMkLst>
+        </pc:spChg>
+        <pc:spChg chg="del">
+          <ac:chgData name="Li, Hongfei" userId="a40c84e6-5e39-43b0-bf5a-8db6023e65fb" providerId="ADAL" clId="{3DE8D662-8163-4739-A869-E16AD45C5E0E}" dt="2019-10-27T22:37:02.900" v="30" actId="478"/>
+          <ac:spMkLst>
+            <pc:docMk/>
+            <pc:sldMk cId="2734681574" sldId="432"/>
+            <ac:spMk id="3" creationId="{9CBC60C1-4FAD-43AF-991A-F2A21DE7A7F8}"/>
+          </ac:spMkLst>
+        </pc:spChg>
+        <pc:spChg chg="del">
+          <ac:chgData name="Li, Hongfei" userId="a40c84e6-5e39-43b0-bf5a-8db6023e65fb" providerId="ADAL" clId="{3DE8D662-8163-4739-A869-E16AD45C5E0E}" dt="2019-10-27T22:37:02.900" v="30" actId="478"/>
+          <ac:spMkLst>
+            <pc:docMk/>
+            <pc:sldMk cId="2734681574" sldId="432"/>
+            <ac:spMk id="5" creationId="{946B2B87-8485-4A55-9849-23115132704A}"/>
+          </ac:spMkLst>
+        </pc:spChg>
+        <pc:spChg chg="del">
+          <ac:chgData name="Li, Hongfei" userId="a40c84e6-5e39-43b0-bf5a-8db6023e65fb" providerId="ADAL" clId="{3DE8D662-8163-4739-A869-E16AD45C5E0E}" dt="2019-10-27T22:37:02.900" v="30" actId="478"/>
+          <ac:spMkLst>
+            <pc:docMk/>
+            <pc:sldMk cId="2734681574" sldId="432"/>
+            <ac:spMk id="6" creationId="{2D8FCF10-CEAB-4A79-8DB8-BA93E0E03A8A}"/>
+          </ac:spMkLst>
+        </pc:spChg>
+        <pc:spChg chg="del">
+          <ac:chgData name="Li, Hongfei" userId="a40c84e6-5e39-43b0-bf5a-8db6023e65fb" providerId="ADAL" clId="{3DE8D662-8163-4739-A869-E16AD45C5E0E}" dt="2019-10-27T22:37:11.346" v="33" actId="478"/>
+          <ac:spMkLst>
+            <pc:docMk/>
+            <pc:sldMk cId="2734681574" sldId="432"/>
+            <ac:spMk id="8" creationId="{05FE77DA-2642-49A2-8729-FD77589F6378}"/>
+          </ac:spMkLst>
+        </pc:spChg>
+        <pc:spChg chg="del">
+          <ac:chgData name="Li, Hongfei" userId="a40c84e6-5e39-43b0-bf5a-8db6023e65fb" providerId="ADAL" clId="{3DE8D662-8163-4739-A869-E16AD45C5E0E}" dt="2019-10-27T22:37:12.660" v="34" actId="478"/>
+          <ac:spMkLst>
+            <pc:docMk/>
+            <pc:sldMk cId="2734681574" sldId="432"/>
+            <ac:spMk id="11" creationId="{D90CF1C4-74B7-4247-9A1D-322A1F9C3A04}"/>
+          </ac:spMkLst>
+        </pc:spChg>
+        <pc:spChg chg="mod">
+          <ac:chgData name="Li, Hongfei" userId="a40c84e6-5e39-43b0-bf5a-8db6023e65fb" providerId="ADAL" clId="{3DE8D662-8163-4739-A869-E16AD45C5E0E}" dt="2019-10-27T22:37:46.054" v="46" actId="20577"/>
+          <ac:spMkLst>
+            <pc:docMk/>
+            <pc:sldMk cId="2734681574" sldId="432"/>
+            <ac:spMk id="29" creationId="{570586E7-2E10-4909-96D7-DB096D40A1B1}"/>
+          </ac:spMkLst>
+        </pc:spChg>
+        <pc:spChg chg="del">
+          <ac:chgData name="Li, Hongfei" userId="a40c84e6-5e39-43b0-bf5a-8db6023e65fb" providerId="ADAL" clId="{3DE8D662-8163-4739-A869-E16AD45C5E0E}" dt="2019-10-27T22:37:04.776" v="31" actId="478"/>
+          <ac:spMkLst>
+            <pc:docMk/>
+            <pc:sldMk cId="2734681574" sldId="432"/>
+            <ac:spMk id="31" creationId="{8BCC863F-5463-4D1D-A019-63D64DBF3B28}"/>
+          </ac:spMkLst>
+        </pc:spChg>
+        <pc:grpChg chg="del">
+          <ac:chgData name="Li, Hongfei" userId="a40c84e6-5e39-43b0-bf5a-8db6023e65fb" providerId="ADAL" clId="{3DE8D662-8163-4739-A869-E16AD45C5E0E}" dt="2019-10-27T22:37:02.900" v="30" actId="478"/>
+          <ac:grpSpMkLst>
+            <pc:docMk/>
+            <pc:sldMk cId="2734681574" sldId="432"/>
+            <ac:grpSpMk id="9" creationId="{13438677-88B3-4EFB-ABE4-2AE4C3F84E9A}"/>
+          </ac:grpSpMkLst>
+        </pc:grpChg>
+        <pc:grpChg chg="del">
+          <ac:chgData name="Li, Hongfei" userId="a40c84e6-5e39-43b0-bf5a-8db6023e65fb" providerId="ADAL" clId="{3DE8D662-8163-4739-A869-E16AD45C5E0E}" dt="2019-10-27T22:37:02.900" v="30" actId="478"/>
+          <ac:grpSpMkLst>
+            <pc:docMk/>
+            <pc:sldMk cId="2734681574" sldId="432"/>
+            <ac:grpSpMk id="14" creationId="{EDE2A76E-174D-4AA8-BBF6-CF8A98598254}"/>
+          </ac:grpSpMkLst>
+        </pc:grpChg>
+        <pc:grpChg chg="del">
+          <ac:chgData name="Li, Hongfei" userId="a40c84e6-5e39-43b0-bf5a-8db6023e65fb" providerId="ADAL" clId="{3DE8D662-8163-4739-A869-E16AD45C5E0E}" dt="2019-10-27T22:37:02.900" v="30" actId="478"/>
+          <ac:grpSpMkLst>
+            <pc:docMk/>
+            <pc:sldMk cId="2734681574" sldId="432"/>
+            <ac:grpSpMk id="17" creationId="{223CBFE3-4531-4697-B896-7662A6276129}"/>
+          </ac:grpSpMkLst>
+        </pc:grpChg>
+        <pc:grpChg chg="del">
+          <ac:chgData name="Li, Hongfei" userId="a40c84e6-5e39-43b0-bf5a-8db6023e65fb" providerId="ADAL" clId="{3DE8D662-8163-4739-A869-E16AD45C5E0E}" dt="2019-10-27T22:37:02.900" v="30" actId="478"/>
+          <ac:grpSpMkLst>
+            <pc:docMk/>
+            <pc:sldMk cId="2734681574" sldId="432"/>
+            <ac:grpSpMk id="20" creationId="{1EE7DF7B-960F-4C22-8725-6B8A516D6DBF}"/>
+          </ac:grpSpMkLst>
+        </pc:grpChg>
+        <pc:grpChg chg="del">
+          <ac:chgData name="Li, Hongfei" userId="a40c84e6-5e39-43b0-bf5a-8db6023e65fb" providerId="ADAL" clId="{3DE8D662-8163-4739-A869-E16AD45C5E0E}" dt="2019-10-27T22:37:02.900" v="30" actId="478"/>
+          <ac:grpSpMkLst>
+            <pc:docMk/>
+            <pc:sldMk cId="2734681574" sldId="432"/>
+            <ac:grpSpMk id="26" creationId="{5E8701B9-B425-4524-87AA-D152CEA9BBBE}"/>
+          </ac:grpSpMkLst>
+        </pc:grpChg>
+        <pc:graphicFrameChg chg="del">
+          <ac:chgData name="Li, Hongfei" userId="a40c84e6-5e39-43b0-bf5a-8db6023e65fb" providerId="ADAL" clId="{3DE8D662-8163-4739-A869-E16AD45C5E0E}" dt="2019-10-27T22:37:07.190" v="32" actId="478"/>
+          <ac:graphicFrameMkLst>
+            <pc:docMk/>
+            <pc:sldMk cId="2734681574" sldId="432"/>
+            <ac:graphicFrameMk id="7" creationId="{F98E2A43-ADA5-4303-9C55-21D5ADC2F552}"/>
+          </ac:graphicFrameMkLst>
+        </pc:graphicFrameChg>
+        <pc:graphicFrameChg chg="del">
+          <ac:chgData name="Li, Hongfei" userId="a40c84e6-5e39-43b0-bf5a-8db6023e65fb" providerId="ADAL" clId="{3DE8D662-8163-4739-A869-E16AD45C5E0E}" dt="2019-10-27T22:37:02.900" v="30" actId="478"/>
+          <ac:graphicFrameMkLst>
+            <pc:docMk/>
+            <pc:sldMk cId="2734681574" sldId="432"/>
+            <ac:graphicFrameMk id="10" creationId="{CFFF2D02-42D0-4060-99C9-6F0925870282}"/>
+          </ac:graphicFrameMkLst>
+        </pc:graphicFrameChg>
+        <pc:picChg chg="del">
+          <ac:chgData name="Li, Hongfei" userId="a40c84e6-5e39-43b0-bf5a-8db6023e65fb" providerId="ADAL" clId="{3DE8D662-8163-4739-A869-E16AD45C5E0E}" dt="2019-10-27T22:37:02.900" v="30" actId="478"/>
+          <ac:picMkLst>
+            <pc:docMk/>
+            <pc:sldMk cId="2734681574" sldId="432"/>
+            <ac:picMk id="19458" creationId="{D77FDF38-85E8-4473-9534-A17FF0F3C3FA}"/>
+          </ac:picMkLst>
+        </pc:picChg>
+        <pc:picChg chg="del">
+          <ac:chgData name="Li, Hongfei" userId="a40c84e6-5e39-43b0-bf5a-8db6023e65fb" providerId="ADAL" clId="{3DE8D662-8163-4739-A869-E16AD45C5E0E}" dt="2019-10-27T22:37:02.900" v="30" actId="478"/>
+          <ac:picMkLst>
+            <pc:docMk/>
+            <pc:sldMk cId="2734681574" sldId="432"/>
+            <ac:picMk id="19460" creationId="{CFC8A51D-793E-4A31-834B-BE60AD0FCC32}"/>
+          </ac:picMkLst>
+        </pc:picChg>
+        <pc:picChg chg="del">
+          <ac:chgData name="Li, Hongfei" userId="a40c84e6-5e39-43b0-bf5a-8db6023e65fb" providerId="ADAL" clId="{3DE8D662-8163-4739-A869-E16AD45C5E0E}" dt="2019-10-27T22:37:02.900" v="30" actId="478"/>
+          <ac:picMkLst>
+            <pc:docMk/>
+            <pc:sldMk cId="2734681574" sldId="432"/>
+            <ac:picMk id="19462" creationId="{2B46D62A-5EA0-4885-B818-4AA5793E55F4}"/>
+          </ac:picMkLst>
+        </pc:picChg>
+        <pc:picChg chg="del">
+          <ac:chgData name="Li, Hongfei" userId="a40c84e6-5e39-43b0-bf5a-8db6023e65fb" providerId="ADAL" clId="{3DE8D662-8163-4739-A869-E16AD45C5E0E}" dt="2019-10-27T22:37:02.900" v="30" actId="478"/>
+          <ac:picMkLst>
+            <pc:docMk/>
+            <pc:sldMk cId="2734681574" sldId="432"/>
+            <ac:picMk id="19464" creationId="{CCE4D13D-2312-465C-8450-F9B2DB195CD3}"/>
+          </ac:picMkLst>
+        </pc:picChg>
+      </pc:sldChg>
+      <pc:sldChg chg="addSp delSp modSp modAnim">
+        <pc:chgData name="Li, Hongfei" userId="a40c84e6-5e39-43b0-bf5a-8db6023e65fb" providerId="ADAL" clId="{3DE8D662-8163-4739-A869-E16AD45C5E0E}" dt="2019-10-27T22:55:53.134" v="1572" actId="20577"/>
+        <pc:sldMkLst>
+          <pc:docMk/>
+          <pc:sldMk cId="2649548640" sldId="457"/>
+        </pc:sldMkLst>
+        <pc:spChg chg="add mod">
+          <ac:chgData name="Li, Hongfei" userId="a40c84e6-5e39-43b0-bf5a-8db6023e65fb" providerId="ADAL" clId="{3DE8D662-8163-4739-A869-E16AD45C5E0E}" dt="2019-10-27T22:55:53.134" v="1572" actId="20577"/>
+          <ac:spMkLst>
+            <pc:docMk/>
+            <pc:sldMk cId="2649548640" sldId="457"/>
+            <ac:spMk id="3" creationId="{71A339FF-DAA7-408A-823A-67E69A4D1A48}"/>
+          </ac:spMkLst>
+        </pc:spChg>
+        <pc:spChg chg="mod">
+          <ac:chgData name="Li, Hongfei" userId="a40c84e6-5e39-43b0-bf5a-8db6023e65fb" providerId="ADAL" clId="{3DE8D662-8163-4739-A869-E16AD45C5E0E}" dt="2019-10-27T22:54:26.358" v="1435" actId="20577"/>
+          <ac:spMkLst>
+            <pc:docMk/>
+            <pc:sldMk cId="2649548640" sldId="457"/>
+            <ac:spMk id="8" creationId="{D398591B-401B-4D8A-8E47-C691628EF196}"/>
+          </ac:spMkLst>
+        </pc:spChg>
+        <pc:spChg chg="del">
+          <ac:chgData name="Li, Hongfei" userId="a40c84e6-5e39-43b0-bf5a-8db6023e65fb" providerId="ADAL" clId="{3DE8D662-8163-4739-A869-E16AD45C5E0E}" dt="2019-10-27T22:48:38.570" v="1041" actId="478"/>
+          <ac:spMkLst>
+            <pc:docMk/>
+            <pc:sldMk cId="2649548640" sldId="457"/>
+            <ac:spMk id="22" creationId="{2BC1136B-DE4D-4321-A55C-C54E9B13B5B2}"/>
+          </ac:spMkLst>
+        </pc:spChg>
+        <pc:spChg chg="del">
+          <ac:chgData name="Li, Hongfei" userId="a40c84e6-5e39-43b0-bf5a-8db6023e65fb" providerId="ADAL" clId="{3DE8D662-8163-4739-A869-E16AD45C5E0E}" dt="2019-10-27T22:48:38.570" v="1041" actId="478"/>
+          <ac:spMkLst>
+            <pc:docMk/>
+            <pc:sldMk cId="2649548640" sldId="457"/>
+            <ac:spMk id="23" creationId="{3BA2AC16-932C-4EA5-84C8-CBEEE3E4C4F0}"/>
+          </ac:spMkLst>
+        </pc:spChg>
+        <pc:spChg chg="del">
+          <ac:chgData name="Li, Hongfei" userId="a40c84e6-5e39-43b0-bf5a-8db6023e65fb" providerId="ADAL" clId="{3DE8D662-8163-4739-A869-E16AD45C5E0E}" dt="2019-10-27T22:48:38.570" v="1041" actId="478"/>
+          <ac:spMkLst>
+            <pc:docMk/>
+            <pc:sldMk cId="2649548640" sldId="457"/>
+            <ac:spMk id="24" creationId="{554B0648-78D7-4244-9253-D268D309A937}"/>
+          </ac:spMkLst>
+        </pc:spChg>
+        <pc:spChg chg="del">
+          <ac:chgData name="Li, Hongfei" userId="a40c84e6-5e39-43b0-bf5a-8db6023e65fb" providerId="ADAL" clId="{3DE8D662-8163-4739-A869-E16AD45C5E0E}" dt="2019-10-27T22:48:38.570" v="1041" actId="478"/>
+          <ac:spMkLst>
+            <pc:docMk/>
+            <pc:sldMk cId="2649548640" sldId="457"/>
+            <ac:spMk id="25" creationId="{A79EBFEC-0E8F-4D76-826D-B8DB708D7F85}"/>
+          </ac:spMkLst>
+        </pc:spChg>
+        <pc:spChg chg="del">
+          <ac:chgData name="Li, Hongfei" userId="a40c84e6-5e39-43b0-bf5a-8db6023e65fb" providerId="ADAL" clId="{3DE8D662-8163-4739-A869-E16AD45C5E0E}" dt="2019-10-27T22:48:38.570" v="1041" actId="478"/>
+          <ac:spMkLst>
+            <pc:docMk/>
+            <pc:sldMk cId="2649548640" sldId="457"/>
+            <ac:spMk id="44" creationId="{FF3ADD7B-B971-4333-953F-0A031379824D}"/>
+          </ac:spMkLst>
+        </pc:spChg>
+        <pc:spChg chg="del">
+          <ac:chgData name="Li, Hongfei" userId="a40c84e6-5e39-43b0-bf5a-8db6023e65fb" providerId="ADAL" clId="{3DE8D662-8163-4739-A869-E16AD45C5E0E}" dt="2019-10-27T22:48:38.570" v="1041" actId="478"/>
+          <ac:spMkLst>
+            <pc:docMk/>
+            <pc:sldMk cId="2649548640" sldId="457"/>
+            <ac:spMk id="49" creationId="{4C84C887-5053-488C-B8B1-AFB48DC5E471}"/>
+          </ac:spMkLst>
+        </pc:spChg>
+        <pc:grpChg chg="del">
+          <ac:chgData name="Li, Hongfei" userId="a40c84e6-5e39-43b0-bf5a-8db6023e65fb" providerId="ADAL" clId="{3DE8D662-8163-4739-A869-E16AD45C5E0E}" dt="2019-10-27T22:48:38.570" v="1041" actId="478"/>
+          <ac:grpSpMkLst>
+            <pc:docMk/>
+            <pc:sldMk cId="2649548640" sldId="457"/>
+            <ac:grpSpMk id="46" creationId="{BBE63823-AEBB-43C1-9C46-4BCB19A95341}"/>
+          </ac:grpSpMkLst>
+        </pc:grpChg>
+        <pc:grpChg chg="del">
+          <ac:chgData name="Li, Hongfei" userId="a40c84e6-5e39-43b0-bf5a-8db6023e65fb" providerId="ADAL" clId="{3DE8D662-8163-4739-A869-E16AD45C5E0E}" dt="2019-10-27T22:48:38.570" v="1041" actId="478"/>
+          <ac:grpSpMkLst>
+            <pc:docMk/>
+            <pc:sldMk cId="2649548640" sldId="457"/>
+            <ac:grpSpMk id="51" creationId="{FDFD36AA-DA3E-4B0F-AC5C-66D88C791E2D}"/>
+          </ac:grpSpMkLst>
+        </pc:grpChg>
+        <pc:picChg chg="del">
+          <ac:chgData name="Li, Hongfei" userId="a40c84e6-5e39-43b0-bf5a-8db6023e65fb" providerId="ADAL" clId="{3DE8D662-8163-4739-A869-E16AD45C5E0E}" dt="2019-10-27T22:48:38.570" v="1041" actId="478"/>
+          <ac:picMkLst>
+            <pc:docMk/>
+            <pc:sldMk cId="2649548640" sldId="457"/>
+            <ac:picMk id="2" creationId="{FAC1819E-24BE-4051-9CC1-E7DCDEFAF2C9}"/>
+          </ac:picMkLst>
+        </pc:picChg>
+        <pc:picChg chg="del">
+          <ac:chgData name="Li, Hongfei" userId="a40c84e6-5e39-43b0-bf5a-8db6023e65fb" providerId="ADAL" clId="{3DE8D662-8163-4739-A869-E16AD45C5E0E}" dt="2019-10-27T22:48:38.570" v="1041" actId="478"/>
+          <ac:picMkLst>
+            <pc:docMk/>
+            <pc:sldMk cId="2649548640" sldId="457"/>
+            <ac:picMk id="28678" creationId="{4F0ECFF2-8800-4EF7-9D74-EE8585DB63B4}"/>
+          </ac:picMkLst>
+        </pc:picChg>
+      </pc:sldChg>
+      <pc:sldChg chg="addSp delSp modSp delAnim">
+        <pc:chgData name="Li, Hongfei" userId="a40c84e6-5e39-43b0-bf5a-8db6023e65fb" providerId="ADAL" clId="{3DE8D662-8163-4739-A869-E16AD45C5E0E}" dt="2019-10-27T22:34:37.932" v="20" actId="1076"/>
+        <pc:sldMkLst>
+          <pc:docMk/>
+          <pc:sldMk cId="787245671" sldId="464"/>
+        </pc:sldMkLst>
+        <pc:spChg chg="mod">
+          <ac:chgData name="Li, Hongfei" userId="a40c84e6-5e39-43b0-bf5a-8db6023e65fb" providerId="ADAL" clId="{3DE8D662-8163-4739-A869-E16AD45C5E0E}" dt="2019-10-27T22:33:59.321" v="7"/>
+          <ac:spMkLst>
+            <pc:docMk/>
+            <pc:sldMk cId="787245671" sldId="464"/>
+            <ac:spMk id="2" creationId="{00000000-0000-0000-0000-000000000000}"/>
+          </ac:spMkLst>
+        </pc:spChg>
+        <pc:spChg chg="del">
+          <ac:chgData name="Li, Hongfei" userId="a40c84e6-5e39-43b0-bf5a-8db6023e65fb" providerId="ADAL" clId="{3DE8D662-8163-4739-A869-E16AD45C5E0E}" dt="2019-10-27T22:34:05.138" v="8" actId="478"/>
+          <ac:spMkLst>
+            <pc:docMk/>
+            <pc:sldMk cId="787245671" sldId="464"/>
+            <ac:spMk id="3" creationId="{BC607216-A2D1-4AB3-A971-20B8961E6186}"/>
+          </ac:spMkLst>
+        </pc:spChg>
+        <pc:spChg chg="add del">
+          <ac:chgData name="Li, Hongfei" userId="a40c84e6-5e39-43b0-bf5a-8db6023e65fb" providerId="ADAL" clId="{3DE8D662-8163-4739-A869-E16AD45C5E0E}" dt="2019-10-27T22:34:14.706" v="10"/>
+          <ac:spMkLst>
+            <pc:docMk/>
+            <pc:sldMk cId="787245671" sldId="464"/>
+            <ac:spMk id="5" creationId="{F98249B6-E548-4B27-84F9-17260D814F33}"/>
+          </ac:spMkLst>
+        </pc:spChg>
+        <pc:spChg chg="add mod">
+          <ac:chgData name="Li, Hongfei" userId="a40c84e6-5e39-43b0-bf5a-8db6023e65fb" providerId="ADAL" clId="{3DE8D662-8163-4739-A869-E16AD45C5E0E}" dt="2019-10-27T22:34:37.932" v="20" actId="1076"/>
+          <ac:spMkLst>
+            <pc:docMk/>
+            <pc:sldMk cId="787245671" sldId="464"/>
+            <ac:spMk id="7" creationId="{1419DBF6-22BE-473B-89CC-B510CA82600C}"/>
+          </ac:spMkLst>
+        </pc:spChg>
+        <pc:spChg chg="del">
+          <ac:chgData name="Li, Hongfei" userId="a40c84e6-5e39-43b0-bf5a-8db6023e65fb" providerId="ADAL" clId="{3DE8D662-8163-4739-A869-E16AD45C5E0E}" dt="2019-10-27T22:34:05.138" v="8" actId="478"/>
+          <ac:spMkLst>
+            <pc:docMk/>
+            <pc:sldMk cId="787245671" sldId="464"/>
+            <ac:spMk id="11" creationId="{2F5C7BAB-271E-4CFA-8BF0-C7E0613BD33D}"/>
+          </ac:spMkLst>
+        </pc:spChg>
+        <pc:spChg chg="del">
+          <ac:chgData name="Li, Hongfei" userId="a40c84e6-5e39-43b0-bf5a-8db6023e65fb" providerId="ADAL" clId="{3DE8D662-8163-4739-A869-E16AD45C5E0E}" dt="2019-10-27T22:34:05.138" v="8" actId="478"/>
+          <ac:spMkLst>
+            <pc:docMk/>
+            <pc:sldMk cId="787245671" sldId="464"/>
+            <ac:spMk id="12" creationId="{7ED99DDF-502C-4CEA-ACB2-B5BA6CEF0439}"/>
+          </ac:spMkLst>
+        </pc:spChg>
+        <pc:spChg chg="del">
+          <ac:chgData name="Li, Hongfei" userId="a40c84e6-5e39-43b0-bf5a-8db6023e65fb" providerId="ADAL" clId="{3DE8D662-8163-4739-A869-E16AD45C5E0E}" dt="2019-10-27T22:34:05.138" v="8" actId="478"/>
+          <ac:spMkLst>
+            <pc:docMk/>
+            <pc:sldMk cId="787245671" sldId="464"/>
+            <ac:spMk id="13" creationId="{0A330273-6757-4AD9-B068-D14A0BA1DFA1}"/>
+          </ac:spMkLst>
+        </pc:spChg>
+        <pc:spChg chg="del">
+          <ac:chgData name="Li, Hongfei" userId="a40c84e6-5e39-43b0-bf5a-8db6023e65fb" providerId="ADAL" clId="{3DE8D662-8163-4739-A869-E16AD45C5E0E}" dt="2019-10-27T22:34:05.138" v="8" actId="478"/>
+          <ac:spMkLst>
+            <pc:docMk/>
+            <pc:sldMk cId="787245671" sldId="464"/>
+            <ac:spMk id="17" creationId="{309E5B43-137B-C449-A008-81F03AFE08BD}"/>
+          </ac:spMkLst>
+        </pc:spChg>
+        <pc:spChg chg="del">
+          <ac:chgData name="Li, Hongfei" userId="a40c84e6-5e39-43b0-bf5a-8db6023e65fb" providerId="ADAL" clId="{3DE8D662-8163-4739-A869-E16AD45C5E0E}" dt="2019-10-27T22:34:05.138" v="8" actId="478"/>
+          <ac:spMkLst>
+            <pc:docMk/>
+            <pc:sldMk cId="787245671" sldId="464"/>
+            <ac:spMk id="25" creationId="{ACD2BF88-C613-4BD1-92A2-3DB3C7A28176}"/>
+          </ac:spMkLst>
+        </pc:spChg>
+        <pc:spChg chg="del">
+          <ac:chgData name="Li, Hongfei" userId="a40c84e6-5e39-43b0-bf5a-8db6023e65fb" providerId="ADAL" clId="{3DE8D662-8163-4739-A869-E16AD45C5E0E}" dt="2019-10-27T22:34:05.138" v="8" actId="478"/>
+          <ac:spMkLst>
+            <pc:docMk/>
+            <pc:sldMk cId="787245671" sldId="464"/>
+            <ac:spMk id="28" creationId="{60C93834-91A8-49FC-A495-E2192AB0BF10}"/>
+          </ac:spMkLst>
+        </pc:spChg>
+        <pc:spChg chg="del">
+          <ac:chgData name="Li, Hongfei" userId="a40c84e6-5e39-43b0-bf5a-8db6023e65fb" providerId="ADAL" clId="{3DE8D662-8163-4739-A869-E16AD45C5E0E}" dt="2019-10-27T22:34:05.138" v="8" actId="478"/>
+          <ac:spMkLst>
+            <pc:docMk/>
+            <pc:sldMk cId="787245671" sldId="464"/>
+            <ac:spMk id="29" creationId="{DB942879-9DD4-4287-8E9D-451ED12A25C5}"/>
+          </ac:spMkLst>
+        </pc:spChg>
+        <pc:cxnChg chg="del mod">
+          <ac:chgData name="Li, Hongfei" userId="a40c84e6-5e39-43b0-bf5a-8db6023e65fb" providerId="ADAL" clId="{3DE8D662-8163-4739-A869-E16AD45C5E0E}" dt="2019-10-27T22:34:05.138" v="8" actId="478"/>
+          <ac:cxnSpMkLst>
+            <pc:docMk/>
+            <pc:sldMk cId="787245671" sldId="464"/>
+            <ac:cxnSpMk id="15" creationId="{E18F1DC9-E05A-4F6A-A963-DB1C0B870A92}"/>
+          </ac:cxnSpMkLst>
+        </pc:cxnChg>
+        <pc:cxnChg chg="del">
+          <ac:chgData name="Li, Hongfei" userId="a40c84e6-5e39-43b0-bf5a-8db6023e65fb" providerId="ADAL" clId="{3DE8D662-8163-4739-A869-E16AD45C5E0E}" dt="2019-10-27T22:34:05.138" v="8" actId="478"/>
+          <ac:cxnSpMkLst>
+            <pc:docMk/>
+            <pc:sldMk cId="787245671" sldId="464"/>
+            <ac:cxnSpMk id="16" creationId="{20CB02FD-FDEE-40F3-8141-4EB7769357C2}"/>
+          </ac:cxnSpMkLst>
+        </pc:cxnChg>
+        <pc:cxnChg chg="del mod">
+          <ac:chgData name="Li, Hongfei" userId="a40c84e6-5e39-43b0-bf5a-8db6023e65fb" providerId="ADAL" clId="{3DE8D662-8163-4739-A869-E16AD45C5E0E}" dt="2019-10-27T22:34:05.138" v="8" actId="478"/>
+          <ac:cxnSpMkLst>
+            <pc:docMk/>
+            <pc:sldMk cId="787245671" sldId="464"/>
+            <ac:cxnSpMk id="24" creationId="{AF7E7BA3-B856-4EA5-95C7-F2D9E14E89AE}"/>
+          </ac:cxnSpMkLst>
+        </pc:cxnChg>
+      </pc:sldChg>
+      <pc:sldChg chg="add">
+        <pc:chgData name="Li, Hongfei" userId="a40c84e6-5e39-43b0-bf5a-8db6023e65fb" providerId="ADAL" clId="{3DE8D662-8163-4739-A869-E16AD45C5E0E}" dt="2019-10-27T22:48:54.039" v="1063"/>
+        <pc:sldMkLst>
+          <pc:docMk/>
+          <pc:sldMk cId="1748588290" sldId="475"/>
+        </pc:sldMkLst>
+      </pc:sldChg>
+    </pc:docChg>
   </pc:docChgLst>
   <pc:docChgLst>
     <pc:chgData name="Li, Hongfei" userId="a40c84e6-5e39-43b0-bf5a-8db6023e65fb" providerId="ADAL" clId="{F251C8E1-7FDF-1F47-A23C-6FC3C526353F}"/>
@@ -351,10 +839,10 @@
     </pc:docChg>
   </pc:docChgLst>
   <pc:docChgLst>
-    <pc:chgData name="Li, Hongfei" userId="a40c84e6-5e39-43b0-bf5a-8db6023e65fb" providerId="ADAL" clId="{ABAD5143-B2BC-3F4F-90A5-5FF70299594A}"/>
+    <pc:chgData name="Li, Hongfei" userId="a40c84e6-5e39-43b0-bf5a-8db6023e65fb" providerId="ADAL" clId="{D5677FC7-54B6-4686-8528-BE3CB3308F07}"/>
   </pc:docChgLst>
   <pc:docChgLst>
-    <pc:chgData name="Li, Hongfei" userId="a40c84e6-5e39-43b0-bf5a-8db6023e65fb" providerId="ADAL" clId="{52798D8F-1AC8-4C62-B8F8-DE0B98951895}"/>
+    <pc:chgData name="Li, Hongfei" userId="a40c84e6-5e39-43b0-bf5a-8db6023e65fb" providerId="ADAL" clId="{ABAD5143-B2BC-3F4F-90A5-5FF70299594A}"/>
   </pc:docChgLst>
   <pc:docChgLst>
     <pc:chgData name="Li, Hongfei" userId="a40c84e6-5e39-43b0-bf5a-8db6023e65fb" providerId="ADAL" clId="{0B0B6D8B-EAAE-427B-BAAE-5AA58F7AE2DA}"/>
@@ -2006,456 +2494,7 @@
     <pc:chgData name="Li, Hongfei" userId="a40c84e6-5e39-43b0-bf5a-8db6023e65fb" providerId="ADAL" clId="{CAF63E28-CB04-432E-B216-F0ADAF9E6110}"/>
   </pc:docChgLst>
   <pc:docChgLst>
-    <pc:chgData name="Li, Hongfei" userId="a40c84e6-5e39-43b0-bf5a-8db6023e65fb" providerId="ADAL" clId="{3DE8D662-8163-4739-A869-E16AD45C5E0E}"/>
-    <pc:docChg chg="undo custSel addSld modSld">
-      <pc:chgData name="Li, Hongfei" userId="a40c84e6-5e39-43b0-bf5a-8db6023e65fb" providerId="ADAL" clId="{3DE8D662-8163-4739-A869-E16AD45C5E0E}" dt="2019-10-27T22:55:53.134" v="1572" actId="20577"/>
-      <pc:docMkLst>
-        <pc:docMk/>
-      </pc:docMkLst>
-      <pc:sldChg chg="addSp modSp modAnim">
-        <pc:chgData name="Li, Hongfei" userId="a40c84e6-5e39-43b0-bf5a-8db6023e65fb" providerId="ADAL" clId="{3DE8D662-8163-4739-A869-E16AD45C5E0E}" dt="2019-10-27T22:35:57.978" v="29" actId="14100"/>
-        <pc:sldMkLst>
-          <pc:docMk/>
-          <pc:sldMk cId="887156677" sldId="386"/>
-        </pc:sldMkLst>
-        <pc:spChg chg="mod">
-          <ac:chgData name="Li, Hongfei" userId="a40c84e6-5e39-43b0-bf5a-8db6023e65fb" providerId="ADAL" clId="{3DE8D662-8163-4739-A869-E16AD45C5E0E}" dt="2019-10-27T22:29:48.837" v="6"/>
-          <ac:spMkLst>
-            <pc:docMk/>
-            <pc:sldMk cId="887156677" sldId="386"/>
-            <ac:spMk id="2" creationId="{00000000-0000-0000-0000-000000000000}"/>
-          </ac:spMkLst>
-        </pc:spChg>
-        <pc:spChg chg="add mod">
-          <ac:chgData name="Li, Hongfei" userId="a40c84e6-5e39-43b0-bf5a-8db6023e65fb" providerId="ADAL" clId="{3DE8D662-8163-4739-A869-E16AD45C5E0E}" dt="2019-10-27T22:35:57.978" v="29" actId="14100"/>
-          <ac:spMkLst>
-            <pc:docMk/>
-            <pc:sldMk cId="887156677" sldId="386"/>
-            <ac:spMk id="3" creationId="{EACFB3C9-5D2A-490A-929A-CFD6464A2D27}"/>
-          </ac:spMkLst>
-        </pc:spChg>
-        <pc:spChg chg="mod">
-          <ac:chgData name="Li, Hongfei" userId="a40c84e6-5e39-43b0-bf5a-8db6023e65fb" providerId="ADAL" clId="{3DE8D662-8163-4739-A869-E16AD45C5E0E}" dt="2019-10-27T22:35:49.470" v="24"/>
-          <ac:spMkLst>
-            <pc:docMk/>
-            <pc:sldMk cId="887156677" sldId="386"/>
-            <ac:spMk id="5" creationId="{0A61B03A-5667-4AF4-940E-DE19C80C4355}"/>
-          </ac:spMkLst>
-        </pc:spChg>
-        <pc:spChg chg="add mod">
-          <ac:chgData name="Li, Hongfei" userId="a40c84e6-5e39-43b0-bf5a-8db6023e65fb" providerId="ADAL" clId="{3DE8D662-8163-4739-A869-E16AD45C5E0E}" dt="2019-10-27T22:29:43.635" v="3" actId="1076"/>
-          <ac:spMkLst>
-            <pc:docMk/>
-            <pc:sldMk cId="887156677" sldId="386"/>
-            <ac:spMk id="7" creationId="{4BE61C01-EDA1-45E2-A903-BC65D915254A}"/>
-          </ac:spMkLst>
-        </pc:spChg>
-        <pc:spChg chg="add mod">
-          <ac:chgData name="Li, Hongfei" userId="a40c84e6-5e39-43b0-bf5a-8db6023e65fb" providerId="ADAL" clId="{3DE8D662-8163-4739-A869-E16AD45C5E0E}" dt="2019-10-27T22:35:53.538" v="27" actId="1076"/>
-          <ac:spMkLst>
-            <pc:docMk/>
-            <pc:sldMk cId="887156677" sldId="386"/>
-            <ac:spMk id="11" creationId="{30EB2FB7-1997-4A53-860D-FDB878D4A89E}"/>
-          </ac:spMkLst>
-        </pc:spChg>
-        <pc:grpChg chg="add mod">
-          <ac:chgData name="Li, Hongfei" userId="a40c84e6-5e39-43b0-bf5a-8db6023e65fb" providerId="ADAL" clId="{3DE8D662-8163-4739-A869-E16AD45C5E0E}" dt="2019-10-27T22:29:43.635" v="3" actId="1076"/>
-          <ac:grpSpMkLst>
-            <pc:docMk/>
-            <pc:sldMk cId="887156677" sldId="386"/>
-            <ac:grpSpMk id="8" creationId="{AF2E8D09-21AA-4008-B22E-AA5B8FDE868E}"/>
-          </ac:grpSpMkLst>
-        </pc:grpChg>
-      </pc:sldChg>
-      <pc:sldChg chg="addSp delSp modSp delAnim modAnim">
-        <pc:chgData name="Li, Hongfei" userId="a40c84e6-5e39-43b0-bf5a-8db6023e65fb" providerId="ADAL" clId="{3DE8D662-8163-4739-A869-E16AD45C5E0E}" dt="2019-10-27T22:48:31.990" v="1040" actId="20577"/>
-        <pc:sldMkLst>
-          <pc:docMk/>
-          <pc:sldMk cId="2734681574" sldId="432"/>
-        </pc:sldMkLst>
-        <pc:spChg chg="add mod">
-          <ac:chgData name="Li, Hongfei" userId="a40c84e6-5e39-43b0-bf5a-8db6023e65fb" providerId="ADAL" clId="{3DE8D662-8163-4739-A869-E16AD45C5E0E}" dt="2019-10-27T22:48:31.990" v="1040" actId="20577"/>
-          <ac:spMkLst>
-            <pc:docMk/>
-            <pc:sldMk cId="2734681574" sldId="432"/>
-            <ac:spMk id="2" creationId="{401BB94B-FC7E-4C90-9457-38245D69A5B2}"/>
-          </ac:spMkLst>
-        </pc:spChg>
-        <pc:spChg chg="del">
-          <ac:chgData name="Li, Hongfei" userId="a40c84e6-5e39-43b0-bf5a-8db6023e65fb" providerId="ADAL" clId="{3DE8D662-8163-4739-A869-E16AD45C5E0E}" dt="2019-10-27T22:37:02.900" v="30" actId="478"/>
-          <ac:spMkLst>
-            <pc:docMk/>
-            <pc:sldMk cId="2734681574" sldId="432"/>
-            <ac:spMk id="3" creationId="{9CBC60C1-4FAD-43AF-991A-F2A21DE7A7F8}"/>
-          </ac:spMkLst>
-        </pc:spChg>
-        <pc:spChg chg="del">
-          <ac:chgData name="Li, Hongfei" userId="a40c84e6-5e39-43b0-bf5a-8db6023e65fb" providerId="ADAL" clId="{3DE8D662-8163-4739-A869-E16AD45C5E0E}" dt="2019-10-27T22:37:02.900" v="30" actId="478"/>
-          <ac:spMkLst>
-            <pc:docMk/>
-            <pc:sldMk cId="2734681574" sldId="432"/>
-            <ac:spMk id="5" creationId="{946B2B87-8485-4A55-9849-23115132704A}"/>
-          </ac:spMkLst>
-        </pc:spChg>
-        <pc:spChg chg="del">
-          <ac:chgData name="Li, Hongfei" userId="a40c84e6-5e39-43b0-bf5a-8db6023e65fb" providerId="ADAL" clId="{3DE8D662-8163-4739-A869-E16AD45C5E0E}" dt="2019-10-27T22:37:02.900" v="30" actId="478"/>
-          <ac:spMkLst>
-            <pc:docMk/>
-            <pc:sldMk cId="2734681574" sldId="432"/>
-            <ac:spMk id="6" creationId="{2D8FCF10-CEAB-4A79-8DB8-BA93E0E03A8A}"/>
-          </ac:spMkLst>
-        </pc:spChg>
-        <pc:spChg chg="del">
-          <ac:chgData name="Li, Hongfei" userId="a40c84e6-5e39-43b0-bf5a-8db6023e65fb" providerId="ADAL" clId="{3DE8D662-8163-4739-A869-E16AD45C5E0E}" dt="2019-10-27T22:37:11.346" v="33" actId="478"/>
-          <ac:spMkLst>
-            <pc:docMk/>
-            <pc:sldMk cId="2734681574" sldId="432"/>
-            <ac:spMk id="8" creationId="{05FE77DA-2642-49A2-8729-FD77589F6378}"/>
-          </ac:spMkLst>
-        </pc:spChg>
-        <pc:spChg chg="del">
-          <ac:chgData name="Li, Hongfei" userId="a40c84e6-5e39-43b0-bf5a-8db6023e65fb" providerId="ADAL" clId="{3DE8D662-8163-4739-A869-E16AD45C5E0E}" dt="2019-10-27T22:37:12.660" v="34" actId="478"/>
-          <ac:spMkLst>
-            <pc:docMk/>
-            <pc:sldMk cId="2734681574" sldId="432"/>
-            <ac:spMk id="11" creationId="{D90CF1C4-74B7-4247-9A1D-322A1F9C3A04}"/>
-          </ac:spMkLst>
-        </pc:spChg>
-        <pc:spChg chg="mod">
-          <ac:chgData name="Li, Hongfei" userId="a40c84e6-5e39-43b0-bf5a-8db6023e65fb" providerId="ADAL" clId="{3DE8D662-8163-4739-A869-E16AD45C5E0E}" dt="2019-10-27T22:37:46.054" v="46" actId="20577"/>
-          <ac:spMkLst>
-            <pc:docMk/>
-            <pc:sldMk cId="2734681574" sldId="432"/>
-            <ac:spMk id="29" creationId="{570586E7-2E10-4909-96D7-DB096D40A1B1}"/>
-          </ac:spMkLst>
-        </pc:spChg>
-        <pc:spChg chg="del">
-          <ac:chgData name="Li, Hongfei" userId="a40c84e6-5e39-43b0-bf5a-8db6023e65fb" providerId="ADAL" clId="{3DE8D662-8163-4739-A869-E16AD45C5E0E}" dt="2019-10-27T22:37:04.776" v="31" actId="478"/>
-          <ac:spMkLst>
-            <pc:docMk/>
-            <pc:sldMk cId="2734681574" sldId="432"/>
-            <ac:spMk id="31" creationId="{8BCC863F-5463-4D1D-A019-63D64DBF3B28}"/>
-          </ac:spMkLst>
-        </pc:spChg>
-        <pc:grpChg chg="del">
-          <ac:chgData name="Li, Hongfei" userId="a40c84e6-5e39-43b0-bf5a-8db6023e65fb" providerId="ADAL" clId="{3DE8D662-8163-4739-A869-E16AD45C5E0E}" dt="2019-10-27T22:37:02.900" v="30" actId="478"/>
-          <ac:grpSpMkLst>
-            <pc:docMk/>
-            <pc:sldMk cId="2734681574" sldId="432"/>
-            <ac:grpSpMk id="9" creationId="{13438677-88B3-4EFB-ABE4-2AE4C3F84E9A}"/>
-          </ac:grpSpMkLst>
-        </pc:grpChg>
-        <pc:grpChg chg="del">
-          <ac:chgData name="Li, Hongfei" userId="a40c84e6-5e39-43b0-bf5a-8db6023e65fb" providerId="ADAL" clId="{3DE8D662-8163-4739-A869-E16AD45C5E0E}" dt="2019-10-27T22:37:02.900" v="30" actId="478"/>
-          <ac:grpSpMkLst>
-            <pc:docMk/>
-            <pc:sldMk cId="2734681574" sldId="432"/>
-            <ac:grpSpMk id="14" creationId="{EDE2A76E-174D-4AA8-BBF6-CF8A98598254}"/>
-          </ac:grpSpMkLst>
-        </pc:grpChg>
-        <pc:grpChg chg="del">
-          <ac:chgData name="Li, Hongfei" userId="a40c84e6-5e39-43b0-bf5a-8db6023e65fb" providerId="ADAL" clId="{3DE8D662-8163-4739-A869-E16AD45C5E0E}" dt="2019-10-27T22:37:02.900" v="30" actId="478"/>
-          <ac:grpSpMkLst>
-            <pc:docMk/>
-            <pc:sldMk cId="2734681574" sldId="432"/>
-            <ac:grpSpMk id="17" creationId="{223CBFE3-4531-4697-B896-7662A6276129}"/>
-          </ac:grpSpMkLst>
-        </pc:grpChg>
-        <pc:grpChg chg="del">
-          <ac:chgData name="Li, Hongfei" userId="a40c84e6-5e39-43b0-bf5a-8db6023e65fb" providerId="ADAL" clId="{3DE8D662-8163-4739-A869-E16AD45C5E0E}" dt="2019-10-27T22:37:02.900" v="30" actId="478"/>
-          <ac:grpSpMkLst>
-            <pc:docMk/>
-            <pc:sldMk cId="2734681574" sldId="432"/>
-            <ac:grpSpMk id="20" creationId="{1EE7DF7B-960F-4C22-8725-6B8A516D6DBF}"/>
-          </ac:grpSpMkLst>
-        </pc:grpChg>
-        <pc:grpChg chg="del">
-          <ac:chgData name="Li, Hongfei" userId="a40c84e6-5e39-43b0-bf5a-8db6023e65fb" providerId="ADAL" clId="{3DE8D662-8163-4739-A869-E16AD45C5E0E}" dt="2019-10-27T22:37:02.900" v="30" actId="478"/>
-          <ac:grpSpMkLst>
-            <pc:docMk/>
-            <pc:sldMk cId="2734681574" sldId="432"/>
-            <ac:grpSpMk id="26" creationId="{5E8701B9-B425-4524-87AA-D152CEA9BBBE}"/>
-          </ac:grpSpMkLst>
-        </pc:grpChg>
-        <pc:graphicFrameChg chg="del">
-          <ac:chgData name="Li, Hongfei" userId="a40c84e6-5e39-43b0-bf5a-8db6023e65fb" providerId="ADAL" clId="{3DE8D662-8163-4739-A869-E16AD45C5E0E}" dt="2019-10-27T22:37:07.190" v="32" actId="478"/>
-          <ac:graphicFrameMkLst>
-            <pc:docMk/>
-            <pc:sldMk cId="2734681574" sldId="432"/>
-            <ac:graphicFrameMk id="7" creationId="{F98E2A43-ADA5-4303-9C55-21D5ADC2F552}"/>
-          </ac:graphicFrameMkLst>
-        </pc:graphicFrameChg>
-        <pc:graphicFrameChg chg="del">
-          <ac:chgData name="Li, Hongfei" userId="a40c84e6-5e39-43b0-bf5a-8db6023e65fb" providerId="ADAL" clId="{3DE8D662-8163-4739-A869-E16AD45C5E0E}" dt="2019-10-27T22:37:02.900" v="30" actId="478"/>
-          <ac:graphicFrameMkLst>
-            <pc:docMk/>
-            <pc:sldMk cId="2734681574" sldId="432"/>
-            <ac:graphicFrameMk id="10" creationId="{CFFF2D02-42D0-4060-99C9-6F0925870282}"/>
-          </ac:graphicFrameMkLst>
-        </pc:graphicFrameChg>
-        <pc:picChg chg="del">
-          <ac:chgData name="Li, Hongfei" userId="a40c84e6-5e39-43b0-bf5a-8db6023e65fb" providerId="ADAL" clId="{3DE8D662-8163-4739-A869-E16AD45C5E0E}" dt="2019-10-27T22:37:02.900" v="30" actId="478"/>
-          <ac:picMkLst>
-            <pc:docMk/>
-            <pc:sldMk cId="2734681574" sldId="432"/>
-            <ac:picMk id="19458" creationId="{D77FDF38-85E8-4473-9534-A17FF0F3C3FA}"/>
-          </ac:picMkLst>
-        </pc:picChg>
-        <pc:picChg chg="del">
-          <ac:chgData name="Li, Hongfei" userId="a40c84e6-5e39-43b0-bf5a-8db6023e65fb" providerId="ADAL" clId="{3DE8D662-8163-4739-A869-E16AD45C5E0E}" dt="2019-10-27T22:37:02.900" v="30" actId="478"/>
-          <ac:picMkLst>
-            <pc:docMk/>
-            <pc:sldMk cId="2734681574" sldId="432"/>
-            <ac:picMk id="19460" creationId="{CFC8A51D-793E-4A31-834B-BE60AD0FCC32}"/>
-          </ac:picMkLst>
-        </pc:picChg>
-        <pc:picChg chg="del">
-          <ac:chgData name="Li, Hongfei" userId="a40c84e6-5e39-43b0-bf5a-8db6023e65fb" providerId="ADAL" clId="{3DE8D662-8163-4739-A869-E16AD45C5E0E}" dt="2019-10-27T22:37:02.900" v="30" actId="478"/>
-          <ac:picMkLst>
-            <pc:docMk/>
-            <pc:sldMk cId="2734681574" sldId="432"/>
-            <ac:picMk id="19462" creationId="{2B46D62A-5EA0-4885-B818-4AA5793E55F4}"/>
-          </ac:picMkLst>
-        </pc:picChg>
-        <pc:picChg chg="del">
-          <ac:chgData name="Li, Hongfei" userId="a40c84e6-5e39-43b0-bf5a-8db6023e65fb" providerId="ADAL" clId="{3DE8D662-8163-4739-A869-E16AD45C5E0E}" dt="2019-10-27T22:37:02.900" v="30" actId="478"/>
-          <ac:picMkLst>
-            <pc:docMk/>
-            <pc:sldMk cId="2734681574" sldId="432"/>
-            <ac:picMk id="19464" creationId="{CCE4D13D-2312-465C-8450-F9B2DB195CD3}"/>
-          </ac:picMkLst>
-        </pc:picChg>
-      </pc:sldChg>
-      <pc:sldChg chg="addSp delSp modSp modAnim">
-        <pc:chgData name="Li, Hongfei" userId="a40c84e6-5e39-43b0-bf5a-8db6023e65fb" providerId="ADAL" clId="{3DE8D662-8163-4739-A869-E16AD45C5E0E}" dt="2019-10-27T22:55:53.134" v="1572" actId="20577"/>
-        <pc:sldMkLst>
-          <pc:docMk/>
-          <pc:sldMk cId="2649548640" sldId="457"/>
-        </pc:sldMkLst>
-        <pc:spChg chg="add mod">
-          <ac:chgData name="Li, Hongfei" userId="a40c84e6-5e39-43b0-bf5a-8db6023e65fb" providerId="ADAL" clId="{3DE8D662-8163-4739-A869-E16AD45C5E0E}" dt="2019-10-27T22:55:53.134" v="1572" actId="20577"/>
-          <ac:spMkLst>
-            <pc:docMk/>
-            <pc:sldMk cId="2649548640" sldId="457"/>
-            <ac:spMk id="3" creationId="{71A339FF-DAA7-408A-823A-67E69A4D1A48}"/>
-          </ac:spMkLst>
-        </pc:spChg>
-        <pc:spChg chg="mod">
-          <ac:chgData name="Li, Hongfei" userId="a40c84e6-5e39-43b0-bf5a-8db6023e65fb" providerId="ADAL" clId="{3DE8D662-8163-4739-A869-E16AD45C5E0E}" dt="2019-10-27T22:54:26.358" v="1435" actId="20577"/>
-          <ac:spMkLst>
-            <pc:docMk/>
-            <pc:sldMk cId="2649548640" sldId="457"/>
-            <ac:spMk id="8" creationId="{D398591B-401B-4D8A-8E47-C691628EF196}"/>
-          </ac:spMkLst>
-        </pc:spChg>
-        <pc:spChg chg="del">
-          <ac:chgData name="Li, Hongfei" userId="a40c84e6-5e39-43b0-bf5a-8db6023e65fb" providerId="ADAL" clId="{3DE8D662-8163-4739-A869-E16AD45C5E0E}" dt="2019-10-27T22:48:38.570" v="1041" actId="478"/>
-          <ac:spMkLst>
-            <pc:docMk/>
-            <pc:sldMk cId="2649548640" sldId="457"/>
-            <ac:spMk id="22" creationId="{2BC1136B-DE4D-4321-A55C-C54E9B13B5B2}"/>
-          </ac:spMkLst>
-        </pc:spChg>
-        <pc:spChg chg="del">
-          <ac:chgData name="Li, Hongfei" userId="a40c84e6-5e39-43b0-bf5a-8db6023e65fb" providerId="ADAL" clId="{3DE8D662-8163-4739-A869-E16AD45C5E0E}" dt="2019-10-27T22:48:38.570" v="1041" actId="478"/>
-          <ac:spMkLst>
-            <pc:docMk/>
-            <pc:sldMk cId="2649548640" sldId="457"/>
-            <ac:spMk id="23" creationId="{3BA2AC16-932C-4EA5-84C8-CBEEE3E4C4F0}"/>
-          </ac:spMkLst>
-        </pc:spChg>
-        <pc:spChg chg="del">
-          <ac:chgData name="Li, Hongfei" userId="a40c84e6-5e39-43b0-bf5a-8db6023e65fb" providerId="ADAL" clId="{3DE8D662-8163-4739-A869-E16AD45C5E0E}" dt="2019-10-27T22:48:38.570" v="1041" actId="478"/>
-          <ac:spMkLst>
-            <pc:docMk/>
-            <pc:sldMk cId="2649548640" sldId="457"/>
-            <ac:spMk id="24" creationId="{554B0648-78D7-4244-9253-D268D309A937}"/>
-          </ac:spMkLst>
-        </pc:spChg>
-        <pc:spChg chg="del">
-          <ac:chgData name="Li, Hongfei" userId="a40c84e6-5e39-43b0-bf5a-8db6023e65fb" providerId="ADAL" clId="{3DE8D662-8163-4739-A869-E16AD45C5E0E}" dt="2019-10-27T22:48:38.570" v="1041" actId="478"/>
-          <ac:spMkLst>
-            <pc:docMk/>
-            <pc:sldMk cId="2649548640" sldId="457"/>
-            <ac:spMk id="25" creationId="{A79EBFEC-0E8F-4D76-826D-B8DB708D7F85}"/>
-          </ac:spMkLst>
-        </pc:spChg>
-        <pc:spChg chg="del">
-          <ac:chgData name="Li, Hongfei" userId="a40c84e6-5e39-43b0-bf5a-8db6023e65fb" providerId="ADAL" clId="{3DE8D662-8163-4739-A869-E16AD45C5E0E}" dt="2019-10-27T22:48:38.570" v="1041" actId="478"/>
-          <ac:spMkLst>
-            <pc:docMk/>
-            <pc:sldMk cId="2649548640" sldId="457"/>
-            <ac:spMk id="44" creationId="{FF3ADD7B-B971-4333-953F-0A031379824D}"/>
-          </ac:spMkLst>
-        </pc:spChg>
-        <pc:spChg chg="del">
-          <ac:chgData name="Li, Hongfei" userId="a40c84e6-5e39-43b0-bf5a-8db6023e65fb" providerId="ADAL" clId="{3DE8D662-8163-4739-A869-E16AD45C5E0E}" dt="2019-10-27T22:48:38.570" v="1041" actId="478"/>
-          <ac:spMkLst>
-            <pc:docMk/>
-            <pc:sldMk cId="2649548640" sldId="457"/>
-            <ac:spMk id="49" creationId="{4C84C887-5053-488C-B8B1-AFB48DC5E471}"/>
-          </ac:spMkLst>
-        </pc:spChg>
-        <pc:grpChg chg="del">
-          <ac:chgData name="Li, Hongfei" userId="a40c84e6-5e39-43b0-bf5a-8db6023e65fb" providerId="ADAL" clId="{3DE8D662-8163-4739-A869-E16AD45C5E0E}" dt="2019-10-27T22:48:38.570" v="1041" actId="478"/>
-          <ac:grpSpMkLst>
-            <pc:docMk/>
-            <pc:sldMk cId="2649548640" sldId="457"/>
-            <ac:grpSpMk id="46" creationId="{BBE63823-AEBB-43C1-9C46-4BCB19A95341}"/>
-          </ac:grpSpMkLst>
-        </pc:grpChg>
-        <pc:grpChg chg="del">
-          <ac:chgData name="Li, Hongfei" userId="a40c84e6-5e39-43b0-bf5a-8db6023e65fb" providerId="ADAL" clId="{3DE8D662-8163-4739-A869-E16AD45C5E0E}" dt="2019-10-27T22:48:38.570" v="1041" actId="478"/>
-          <ac:grpSpMkLst>
-            <pc:docMk/>
-            <pc:sldMk cId="2649548640" sldId="457"/>
-            <ac:grpSpMk id="51" creationId="{FDFD36AA-DA3E-4B0F-AC5C-66D88C791E2D}"/>
-          </ac:grpSpMkLst>
-        </pc:grpChg>
-        <pc:picChg chg="del">
-          <ac:chgData name="Li, Hongfei" userId="a40c84e6-5e39-43b0-bf5a-8db6023e65fb" providerId="ADAL" clId="{3DE8D662-8163-4739-A869-E16AD45C5E0E}" dt="2019-10-27T22:48:38.570" v="1041" actId="478"/>
-          <ac:picMkLst>
-            <pc:docMk/>
-            <pc:sldMk cId="2649548640" sldId="457"/>
-            <ac:picMk id="2" creationId="{FAC1819E-24BE-4051-9CC1-E7DCDEFAF2C9}"/>
-          </ac:picMkLst>
-        </pc:picChg>
-        <pc:picChg chg="del">
-          <ac:chgData name="Li, Hongfei" userId="a40c84e6-5e39-43b0-bf5a-8db6023e65fb" providerId="ADAL" clId="{3DE8D662-8163-4739-A869-E16AD45C5E0E}" dt="2019-10-27T22:48:38.570" v="1041" actId="478"/>
-          <ac:picMkLst>
-            <pc:docMk/>
-            <pc:sldMk cId="2649548640" sldId="457"/>
-            <ac:picMk id="28678" creationId="{4F0ECFF2-8800-4EF7-9D74-EE8585DB63B4}"/>
-          </ac:picMkLst>
-        </pc:picChg>
-      </pc:sldChg>
-      <pc:sldChg chg="addSp delSp modSp delAnim">
-        <pc:chgData name="Li, Hongfei" userId="a40c84e6-5e39-43b0-bf5a-8db6023e65fb" providerId="ADAL" clId="{3DE8D662-8163-4739-A869-E16AD45C5E0E}" dt="2019-10-27T22:34:37.932" v="20" actId="1076"/>
-        <pc:sldMkLst>
-          <pc:docMk/>
-          <pc:sldMk cId="787245671" sldId="464"/>
-        </pc:sldMkLst>
-        <pc:spChg chg="mod">
-          <ac:chgData name="Li, Hongfei" userId="a40c84e6-5e39-43b0-bf5a-8db6023e65fb" providerId="ADAL" clId="{3DE8D662-8163-4739-A869-E16AD45C5E0E}" dt="2019-10-27T22:33:59.321" v="7"/>
-          <ac:spMkLst>
-            <pc:docMk/>
-            <pc:sldMk cId="787245671" sldId="464"/>
-            <ac:spMk id="2" creationId="{00000000-0000-0000-0000-000000000000}"/>
-          </ac:spMkLst>
-        </pc:spChg>
-        <pc:spChg chg="del">
-          <ac:chgData name="Li, Hongfei" userId="a40c84e6-5e39-43b0-bf5a-8db6023e65fb" providerId="ADAL" clId="{3DE8D662-8163-4739-A869-E16AD45C5E0E}" dt="2019-10-27T22:34:05.138" v="8" actId="478"/>
-          <ac:spMkLst>
-            <pc:docMk/>
-            <pc:sldMk cId="787245671" sldId="464"/>
-            <ac:spMk id="3" creationId="{BC607216-A2D1-4AB3-A971-20B8961E6186}"/>
-          </ac:spMkLst>
-        </pc:spChg>
-        <pc:spChg chg="add del">
-          <ac:chgData name="Li, Hongfei" userId="a40c84e6-5e39-43b0-bf5a-8db6023e65fb" providerId="ADAL" clId="{3DE8D662-8163-4739-A869-E16AD45C5E0E}" dt="2019-10-27T22:34:14.706" v="10"/>
-          <ac:spMkLst>
-            <pc:docMk/>
-            <pc:sldMk cId="787245671" sldId="464"/>
-            <ac:spMk id="5" creationId="{F98249B6-E548-4B27-84F9-17260D814F33}"/>
-          </ac:spMkLst>
-        </pc:spChg>
-        <pc:spChg chg="add mod">
-          <ac:chgData name="Li, Hongfei" userId="a40c84e6-5e39-43b0-bf5a-8db6023e65fb" providerId="ADAL" clId="{3DE8D662-8163-4739-A869-E16AD45C5E0E}" dt="2019-10-27T22:34:37.932" v="20" actId="1076"/>
-          <ac:spMkLst>
-            <pc:docMk/>
-            <pc:sldMk cId="787245671" sldId="464"/>
-            <ac:spMk id="7" creationId="{1419DBF6-22BE-473B-89CC-B510CA82600C}"/>
-          </ac:spMkLst>
-        </pc:spChg>
-        <pc:spChg chg="del">
-          <ac:chgData name="Li, Hongfei" userId="a40c84e6-5e39-43b0-bf5a-8db6023e65fb" providerId="ADAL" clId="{3DE8D662-8163-4739-A869-E16AD45C5E0E}" dt="2019-10-27T22:34:05.138" v="8" actId="478"/>
-          <ac:spMkLst>
-            <pc:docMk/>
-            <pc:sldMk cId="787245671" sldId="464"/>
-            <ac:spMk id="11" creationId="{2F5C7BAB-271E-4CFA-8BF0-C7E0613BD33D}"/>
-          </ac:spMkLst>
-        </pc:spChg>
-        <pc:spChg chg="del">
-          <ac:chgData name="Li, Hongfei" userId="a40c84e6-5e39-43b0-bf5a-8db6023e65fb" providerId="ADAL" clId="{3DE8D662-8163-4739-A869-E16AD45C5E0E}" dt="2019-10-27T22:34:05.138" v="8" actId="478"/>
-          <ac:spMkLst>
-            <pc:docMk/>
-            <pc:sldMk cId="787245671" sldId="464"/>
-            <ac:spMk id="12" creationId="{7ED99DDF-502C-4CEA-ACB2-B5BA6CEF0439}"/>
-          </ac:spMkLst>
-        </pc:spChg>
-        <pc:spChg chg="del">
-          <ac:chgData name="Li, Hongfei" userId="a40c84e6-5e39-43b0-bf5a-8db6023e65fb" providerId="ADAL" clId="{3DE8D662-8163-4739-A869-E16AD45C5E0E}" dt="2019-10-27T22:34:05.138" v="8" actId="478"/>
-          <ac:spMkLst>
-            <pc:docMk/>
-            <pc:sldMk cId="787245671" sldId="464"/>
-            <ac:spMk id="13" creationId="{0A330273-6757-4AD9-B068-D14A0BA1DFA1}"/>
-          </ac:spMkLst>
-        </pc:spChg>
-        <pc:spChg chg="del">
-          <ac:chgData name="Li, Hongfei" userId="a40c84e6-5e39-43b0-bf5a-8db6023e65fb" providerId="ADAL" clId="{3DE8D662-8163-4739-A869-E16AD45C5E0E}" dt="2019-10-27T22:34:05.138" v="8" actId="478"/>
-          <ac:spMkLst>
-            <pc:docMk/>
-            <pc:sldMk cId="787245671" sldId="464"/>
-            <ac:spMk id="17" creationId="{309E5B43-137B-C449-A008-81F03AFE08BD}"/>
-          </ac:spMkLst>
-        </pc:spChg>
-        <pc:spChg chg="del">
-          <ac:chgData name="Li, Hongfei" userId="a40c84e6-5e39-43b0-bf5a-8db6023e65fb" providerId="ADAL" clId="{3DE8D662-8163-4739-A869-E16AD45C5E0E}" dt="2019-10-27T22:34:05.138" v="8" actId="478"/>
-          <ac:spMkLst>
-            <pc:docMk/>
-            <pc:sldMk cId="787245671" sldId="464"/>
-            <ac:spMk id="25" creationId="{ACD2BF88-C613-4BD1-92A2-3DB3C7A28176}"/>
-          </ac:spMkLst>
-        </pc:spChg>
-        <pc:spChg chg="del">
-          <ac:chgData name="Li, Hongfei" userId="a40c84e6-5e39-43b0-bf5a-8db6023e65fb" providerId="ADAL" clId="{3DE8D662-8163-4739-A869-E16AD45C5E0E}" dt="2019-10-27T22:34:05.138" v="8" actId="478"/>
-          <ac:spMkLst>
-            <pc:docMk/>
-            <pc:sldMk cId="787245671" sldId="464"/>
-            <ac:spMk id="28" creationId="{60C93834-91A8-49FC-A495-E2192AB0BF10}"/>
-          </ac:spMkLst>
-        </pc:spChg>
-        <pc:spChg chg="del">
-          <ac:chgData name="Li, Hongfei" userId="a40c84e6-5e39-43b0-bf5a-8db6023e65fb" providerId="ADAL" clId="{3DE8D662-8163-4739-A869-E16AD45C5E0E}" dt="2019-10-27T22:34:05.138" v="8" actId="478"/>
-          <ac:spMkLst>
-            <pc:docMk/>
-            <pc:sldMk cId="787245671" sldId="464"/>
-            <ac:spMk id="29" creationId="{DB942879-9DD4-4287-8E9D-451ED12A25C5}"/>
-          </ac:spMkLst>
-        </pc:spChg>
-        <pc:cxnChg chg="del mod">
-          <ac:chgData name="Li, Hongfei" userId="a40c84e6-5e39-43b0-bf5a-8db6023e65fb" providerId="ADAL" clId="{3DE8D662-8163-4739-A869-E16AD45C5E0E}" dt="2019-10-27T22:34:05.138" v="8" actId="478"/>
-          <ac:cxnSpMkLst>
-            <pc:docMk/>
-            <pc:sldMk cId="787245671" sldId="464"/>
-            <ac:cxnSpMk id="15" creationId="{E18F1DC9-E05A-4F6A-A963-DB1C0B870A92}"/>
-          </ac:cxnSpMkLst>
-        </pc:cxnChg>
-        <pc:cxnChg chg="del">
-          <ac:chgData name="Li, Hongfei" userId="a40c84e6-5e39-43b0-bf5a-8db6023e65fb" providerId="ADAL" clId="{3DE8D662-8163-4739-A869-E16AD45C5E0E}" dt="2019-10-27T22:34:05.138" v="8" actId="478"/>
-          <ac:cxnSpMkLst>
-            <pc:docMk/>
-            <pc:sldMk cId="787245671" sldId="464"/>
-            <ac:cxnSpMk id="16" creationId="{20CB02FD-FDEE-40F3-8141-4EB7769357C2}"/>
-          </ac:cxnSpMkLst>
-        </pc:cxnChg>
-        <pc:cxnChg chg="del mod">
-          <ac:chgData name="Li, Hongfei" userId="a40c84e6-5e39-43b0-bf5a-8db6023e65fb" providerId="ADAL" clId="{3DE8D662-8163-4739-A869-E16AD45C5E0E}" dt="2019-10-27T22:34:05.138" v="8" actId="478"/>
-          <ac:cxnSpMkLst>
-            <pc:docMk/>
-            <pc:sldMk cId="787245671" sldId="464"/>
-            <ac:cxnSpMk id="24" creationId="{AF7E7BA3-B856-4EA5-95C7-F2D9E14E89AE}"/>
-          </ac:cxnSpMkLst>
-        </pc:cxnChg>
-      </pc:sldChg>
-      <pc:sldChg chg="add">
-        <pc:chgData name="Li, Hongfei" userId="a40c84e6-5e39-43b0-bf5a-8db6023e65fb" providerId="ADAL" clId="{3DE8D662-8163-4739-A869-E16AD45C5E0E}" dt="2019-10-27T22:48:54.039" v="1063"/>
-        <pc:sldMkLst>
-          <pc:docMk/>
-          <pc:sldMk cId="1748588290" sldId="475"/>
-        </pc:sldMkLst>
-      </pc:sldChg>
-    </pc:docChg>
+    <pc:chgData name="Li, Hongfei" userId="a40c84e6-5e39-43b0-bf5a-8db6023e65fb" providerId="ADAL" clId="{52798D8F-1AC8-4C62-B8F8-DE0B98951895}"/>
   </pc:docChgLst>
 </pc:chgInfo>
 </file>
@@ -2542,7 +2581,7 @@
           <a:p>
             <a:fld id="{C604CD14-512E-4ED5-BC62-E538007162F6}" type="datetimeFigureOut">
               <a:rPr lang="en-US" smtClean="0"/>
-              <a:t>2/16/20</a:t>
+              <a:t>2/18/2020</a:t>
             </a:fld>
             <a:endParaRPr lang="en-US"/>
           </a:p>
@@ -2707,7 +2746,7 @@
           <a:p>
             <a:fld id="{F596556E-D92C-4943-8DC9-CB9A7CAB1341}" type="datetimeFigureOut">
               <a:rPr lang="en-US" smtClean="0"/>
-              <a:t>2/16/20</a:t>
+              <a:t>2/18/2020</a:t>
             </a:fld>
             <a:endParaRPr lang="en-US"/>
           </a:p>
@@ -7414,7 +7453,7 @@
             <a:fld id="{8ACDB3CC-F982-40F9-8DD6-BCC9AFBF44BD}" type="datetime1">
               <a:rPr lang="en-US" smtClean="0"/>
               <a:pPr/>
-              <a:t>2/16/20</a:t>
+              <a:t>2/18/2020</a:t>
             </a:fld>
             <a:endParaRPr lang="en-US"/>
           </a:p>
@@ -23034,8 +23073,12 @@
               <a:buChar char="•"/>
             </a:pPr>
             <a:r>
+              <a:rPr lang="en-US" altLang="zh-CN" dirty="0"/>
+              <a:t>Mark-ups</a:t>
+            </a:r>
+            <a:r>
               <a:rPr lang="en-US" dirty="0"/>
-              <a:t>Makeups do not show up</a:t>
+              <a:t> do not show up</a:t>
             </a:r>
           </a:p>
           <a:p>
@@ -23055,7 +23098,7 @@
             </a:pPr>
             <a:r>
               <a:rPr lang="en-US" dirty="0"/>
-              <a:t>Makeups can help us locate similar information, make use of loops</a:t>
+              <a:t>Mark-ups can help us locate similar information, make use of loops</a:t>
             </a:r>
           </a:p>
         </p:txBody>
@@ -24977,7 +25020,7 @@
         <p:spPr>
           <a:xfrm>
             <a:off x="847198" y="805617"/>
-            <a:ext cx="10211903" cy="6186309"/>
+            <a:ext cx="10211903" cy="5909310"/>
           </a:xfrm>
           <a:prstGeom prst="rect">
             <a:avLst/>
@@ -25063,15 +25106,6 @@
             </a:endParaRPr>
           </a:p>
           <a:p>
-            <a:r>
-              <a:rPr lang="en-US" dirty="0">
-                <a:hlinkClick r:id="rId9"/>
-              </a:rPr>
-              <a:t>http://93.174.95.29/_ads/0560CF60528E817CD8C87555BCD57C9C</a:t>
-            </a:r>
-            <a:endParaRPr lang="en-US" dirty="0"/>
-          </a:p>
-          <a:p>
             <a:endParaRPr lang="en-US" dirty="0"/>
           </a:p>
           <a:p>
@@ -25167,16 +25201,16 @@
           <a:p>
             <a:r>
               <a:rPr lang="en-US" dirty="0">
+                <a:hlinkClick r:id="rId9"/>
+              </a:rPr>
+              <a:t>https://www.analyticsvidhya.com/blog/2017/03/beginners-guide-on-web-scraping-in-r-using-rvest-with-hands-on-knowledge/</a:t>
+            </a:r>
+            <a:endParaRPr lang="zh-CN" altLang="en-US" dirty="0"/>
+          </a:p>
+          <a:p>
+            <a:r>
+              <a:rPr lang="en-US" dirty="0">
                 <a:hlinkClick r:id="rId10"/>
-              </a:rPr>
-              <a:t>https://www.analyticsvidhya.com/blog/2017/03/beginners-guide-on-web-scraping-in-r-using-rvest-with-hands-on-knowledge/</a:t>
-            </a:r>
-            <a:endParaRPr lang="zh-CN" altLang="en-US" dirty="0"/>
-          </a:p>
-          <a:p>
-            <a:r>
-              <a:rPr lang="en-US" dirty="0">
-                <a:hlinkClick r:id="rId11"/>
               </a:rPr>
               <a:t>https://www.freecodecamp.org/news/an-introduction-to-web-scraping-using-r-40284110c848/</a:t>
             </a:r>
